--- a/Spring-XD-Internals-A-Guided-Tour.pptx
+++ b/Spring-XD-Internals-A-Guided-Tour.pptx
@@ -10671,6 +10671,139 @@
           </a:p>
         </p:txBody>
       </p:sp>
+      <p:sp>
+        <p:nvSpPr>
+          <p:cNvPr id="6" name="Slide Number Placeholder 3"/>
+          <p:cNvSpPr txBox="1">
+            <a:spLocks/>
+          </p:cNvSpPr>
+          <p:nvPr/>
+        </p:nvSpPr>
+        <p:spPr>
+          <a:xfrm>
+            <a:off x="6553200" y="4767263"/>
+            <a:ext cx="2133600" cy="273844"/>
+          </a:xfrm>
+          <a:prstGeom prst="rect">
+            <a:avLst/>
+          </a:prstGeom>
+        </p:spPr>
+        <p:txBody>
+          <a:bodyPr/>
+          <a:lstStyle>
+            <a:defPPr>
+              <a:defRPr lang="en-US"/>
+            </a:defPPr>
+            <a:lvl1pPr marL="0" algn="l" defTabSz="914400" rtl="0" eaLnBrk="1" latinLnBrk="0" hangingPunct="1">
+              <a:defRPr sz="1800" kern="1200">
+                <a:solidFill>
+                  <a:schemeClr val="tx1"/>
+                </a:solidFill>
+                <a:latin typeface="+mn-lt"/>
+                <a:ea typeface="+mn-ea"/>
+                <a:cs typeface="+mn-cs"/>
+              </a:defRPr>
+            </a:lvl1pPr>
+            <a:lvl2pPr marL="457200" algn="l" defTabSz="914400" rtl="0" eaLnBrk="1" latinLnBrk="0" hangingPunct="1">
+              <a:defRPr sz="1800" kern="1200">
+                <a:solidFill>
+                  <a:schemeClr val="tx1"/>
+                </a:solidFill>
+                <a:latin typeface="+mn-lt"/>
+                <a:ea typeface="+mn-ea"/>
+                <a:cs typeface="+mn-cs"/>
+              </a:defRPr>
+            </a:lvl2pPr>
+            <a:lvl3pPr marL="914400" algn="l" defTabSz="914400" rtl="0" eaLnBrk="1" latinLnBrk="0" hangingPunct="1">
+              <a:defRPr sz="1800" kern="1200">
+                <a:solidFill>
+                  <a:schemeClr val="tx1"/>
+                </a:solidFill>
+                <a:latin typeface="+mn-lt"/>
+                <a:ea typeface="+mn-ea"/>
+                <a:cs typeface="+mn-cs"/>
+              </a:defRPr>
+            </a:lvl3pPr>
+            <a:lvl4pPr marL="1371600" algn="l" defTabSz="914400" rtl="0" eaLnBrk="1" latinLnBrk="0" hangingPunct="1">
+              <a:defRPr sz="1800" kern="1200">
+                <a:solidFill>
+                  <a:schemeClr val="tx1"/>
+                </a:solidFill>
+                <a:latin typeface="+mn-lt"/>
+                <a:ea typeface="+mn-ea"/>
+                <a:cs typeface="+mn-cs"/>
+              </a:defRPr>
+            </a:lvl4pPr>
+            <a:lvl5pPr marL="1828800" algn="l" defTabSz="914400" rtl="0" eaLnBrk="1" latinLnBrk="0" hangingPunct="1">
+              <a:defRPr sz="1800" kern="1200">
+                <a:solidFill>
+                  <a:schemeClr val="tx1"/>
+                </a:solidFill>
+                <a:latin typeface="+mn-lt"/>
+                <a:ea typeface="+mn-ea"/>
+                <a:cs typeface="+mn-cs"/>
+              </a:defRPr>
+            </a:lvl5pPr>
+            <a:lvl6pPr marL="2286000" algn="l" defTabSz="914400" rtl="0" eaLnBrk="1" latinLnBrk="0" hangingPunct="1">
+              <a:defRPr sz="1800" kern="1200">
+                <a:solidFill>
+                  <a:schemeClr val="tx1"/>
+                </a:solidFill>
+                <a:latin typeface="+mn-lt"/>
+                <a:ea typeface="+mn-ea"/>
+                <a:cs typeface="+mn-cs"/>
+              </a:defRPr>
+            </a:lvl6pPr>
+            <a:lvl7pPr marL="2743200" algn="l" defTabSz="914400" rtl="0" eaLnBrk="1" latinLnBrk="0" hangingPunct="1">
+              <a:defRPr sz="1800" kern="1200">
+                <a:solidFill>
+                  <a:schemeClr val="tx1"/>
+                </a:solidFill>
+                <a:latin typeface="+mn-lt"/>
+                <a:ea typeface="+mn-ea"/>
+                <a:cs typeface="+mn-cs"/>
+              </a:defRPr>
+            </a:lvl7pPr>
+            <a:lvl8pPr marL="3200400" algn="l" defTabSz="914400" rtl="0" eaLnBrk="1" latinLnBrk="0" hangingPunct="1">
+              <a:defRPr sz="1800" kern="1200">
+                <a:solidFill>
+                  <a:schemeClr val="tx1"/>
+                </a:solidFill>
+                <a:latin typeface="+mn-lt"/>
+                <a:ea typeface="+mn-ea"/>
+                <a:cs typeface="+mn-cs"/>
+              </a:defRPr>
+            </a:lvl8pPr>
+            <a:lvl9pPr marL="3657600" algn="l" defTabSz="914400" rtl="0" eaLnBrk="1" latinLnBrk="0" hangingPunct="1">
+              <a:defRPr sz="1800" kern="1200">
+                <a:solidFill>
+                  <a:schemeClr val="tx1"/>
+                </a:solidFill>
+                <a:latin typeface="+mn-lt"/>
+                <a:ea typeface="+mn-ea"/>
+                <a:cs typeface="+mn-cs"/>
+              </a:defRPr>
+            </a:lvl9pPr>
+          </a:lstStyle>
+          <a:p>
+            <a:pPr algn="r"/>
+            <a:fld id="{3CA7D8A6-1136-4C38-ADB5-83A54ED516A9}" type="slidenum">
+              <a:rPr lang="en-US" sz="1200" smtClean="0">
+                <a:solidFill>
+                  <a:srgbClr val="7F7F7F"/>
+                </a:solidFill>
+              </a:rPr>
+              <a:pPr algn="r"/>
+              <a:t>10</a:t>
+            </a:fld>
+            <a:endParaRPr lang="en-US" sz="1200" dirty="0">
+              <a:solidFill>
+                <a:srgbClr val="7F7F7F"/>
+              </a:solidFill>
+            </a:endParaRPr>
+          </a:p>
+        </p:txBody>
+      </p:sp>
     </p:spTree>
     <p:extLst>
       <p:ext uri="{BB962C8B-B14F-4D97-AF65-F5344CB8AC3E}">
@@ -10830,6 +10963,34 @@
           </a:extLst>
         </p:spPr>
       </p:pic>
+      <p:sp>
+        <p:nvSpPr>
+          <p:cNvPr id="6" name="Slide Number Placeholder 3"/>
+          <p:cNvSpPr>
+            <a:spLocks noGrp="1"/>
+          </p:cNvSpPr>
+          <p:nvPr>
+            <p:ph type="sldNum" sz="quarter" idx="12"/>
+          </p:nvPr>
+        </p:nvSpPr>
+        <p:spPr>
+          <a:xfrm>
+            <a:off x="6553200" y="4767263"/>
+            <a:ext cx="2133600" cy="273844"/>
+          </a:xfrm>
+        </p:spPr>
+        <p:txBody>
+          <a:bodyPr/>
+          <a:lstStyle/>
+          <a:p>
+            <a:fld id="{3CA7D8A6-1136-4C38-ADB5-83A54ED516A9}" type="slidenum">
+              <a:rPr lang="en-US" smtClean="0"/>
+              <a:t>11</a:t>
+            </a:fld>
+            <a:endParaRPr lang="en-US" dirty="0"/>
+          </a:p>
+        </p:txBody>
+      </p:sp>
     </p:spTree>
     <p:extLst>
       <p:ext uri="{BB962C8B-B14F-4D97-AF65-F5344CB8AC3E}">
@@ -10977,6 +11138,34 @@
           </a:p>
         </p:txBody>
       </p:sp>
+      <p:sp>
+        <p:nvSpPr>
+          <p:cNvPr id="4" name="Slide Number Placeholder 3"/>
+          <p:cNvSpPr>
+            <a:spLocks noGrp="1"/>
+          </p:cNvSpPr>
+          <p:nvPr>
+            <p:ph type="sldNum" sz="quarter" idx="12"/>
+          </p:nvPr>
+        </p:nvSpPr>
+        <p:spPr>
+          <a:xfrm>
+            <a:off x="6553200" y="4767263"/>
+            <a:ext cx="2133600" cy="273844"/>
+          </a:xfrm>
+        </p:spPr>
+        <p:txBody>
+          <a:bodyPr/>
+          <a:lstStyle/>
+          <a:p>
+            <a:fld id="{3CA7D8A6-1136-4C38-ADB5-83A54ED516A9}" type="slidenum">
+              <a:rPr lang="en-US" smtClean="0"/>
+              <a:t>12</a:t>
+            </a:fld>
+            <a:endParaRPr lang="en-US" dirty="0"/>
+          </a:p>
+        </p:txBody>
+      </p:sp>
     </p:spTree>
     <p:extLst>
       <p:ext uri="{BB962C8B-B14F-4D97-AF65-F5344CB8AC3E}">
@@ -11169,6 +11358,34 @@
           </a:p>
         </p:txBody>
       </p:sp>
+      <p:sp>
+        <p:nvSpPr>
+          <p:cNvPr id="4" name="Slide Number Placeholder 3"/>
+          <p:cNvSpPr>
+            <a:spLocks noGrp="1"/>
+          </p:cNvSpPr>
+          <p:nvPr>
+            <p:ph type="sldNum" sz="quarter" idx="12"/>
+          </p:nvPr>
+        </p:nvSpPr>
+        <p:spPr>
+          <a:xfrm>
+            <a:off x="6553200" y="4767263"/>
+            <a:ext cx="2133600" cy="273844"/>
+          </a:xfrm>
+        </p:spPr>
+        <p:txBody>
+          <a:bodyPr/>
+          <a:lstStyle/>
+          <a:p>
+            <a:fld id="{3CA7D8A6-1136-4C38-ADB5-83A54ED516A9}" type="slidenum">
+              <a:rPr lang="en-US" smtClean="0"/>
+              <a:t>13</a:t>
+            </a:fld>
+            <a:endParaRPr lang="en-US" dirty="0"/>
+          </a:p>
+        </p:txBody>
+      </p:sp>
     </p:spTree>
     <p:extLst>
       <p:ext uri="{BB962C8B-B14F-4D97-AF65-F5344CB8AC3E}">
@@ -11243,14 +11460,10 @@
             <a:spLocks noGrp="1"/>
           </p:cNvSpPr>
           <p:nvPr>
-            <p:ph type="body" idx="1"/>
+            <p:ph idx="1"/>
           </p:nvPr>
         </p:nvSpPr>
         <p:spPr>
-          <a:xfrm>
-            <a:off x="457200" y="1200150"/>
-            <a:ext cx="8229600" cy="3570178"/>
-          </a:xfrm>
           <a:prstGeom prst="rect">
             <a:avLst/>
           </a:prstGeom>
@@ -11319,6 +11532,139 @@
               <a:rPr lang="en" sz="2800" dirty="0"/>
               <a:t>When containers join, admin deploys any “orphaned” modules</a:t>
             </a:r>
+          </a:p>
+        </p:txBody>
+      </p:sp>
+      <p:sp>
+        <p:nvSpPr>
+          <p:cNvPr id="4" name="Slide Number Placeholder 3"/>
+          <p:cNvSpPr txBox="1">
+            <a:spLocks/>
+          </p:cNvSpPr>
+          <p:nvPr/>
+        </p:nvSpPr>
+        <p:spPr>
+          <a:xfrm>
+            <a:off x="6553200" y="4767263"/>
+            <a:ext cx="2133600" cy="273844"/>
+          </a:xfrm>
+          <a:prstGeom prst="rect">
+            <a:avLst/>
+          </a:prstGeom>
+        </p:spPr>
+        <p:txBody>
+          <a:bodyPr/>
+          <a:lstStyle>
+            <a:defPPr>
+              <a:defRPr lang="en-US"/>
+            </a:defPPr>
+            <a:lvl1pPr marL="0" algn="l" defTabSz="914400" rtl="0" eaLnBrk="1" latinLnBrk="0" hangingPunct="1">
+              <a:defRPr sz="1800" kern="1200">
+                <a:solidFill>
+                  <a:schemeClr val="tx1"/>
+                </a:solidFill>
+                <a:latin typeface="+mn-lt"/>
+                <a:ea typeface="+mn-ea"/>
+                <a:cs typeface="+mn-cs"/>
+              </a:defRPr>
+            </a:lvl1pPr>
+            <a:lvl2pPr marL="457200" algn="l" defTabSz="914400" rtl="0" eaLnBrk="1" latinLnBrk="0" hangingPunct="1">
+              <a:defRPr sz="1800" kern="1200">
+                <a:solidFill>
+                  <a:schemeClr val="tx1"/>
+                </a:solidFill>
+                <a:latin typeface="+mn-lt"/>
+                <a:ea typeface="+mn-ea"/>
+                <a:cs typeface="+mn-cs"/>
+              </a:defRPr>
+            </a:lvl2pPr>
+            <a:lvl3pPr marL="914400" algn="l" defTabSz="914400" rtl="0" eaLnBrk="1" latinLnBrk="0" hangingPunct="1">
+              <a:defRPr sz="1800" kern="1200">
+                <a:solidFill>
+                  <a:schemeClr val="tx1"/>
+                </a:solidFill>
+                <a:latin typeface="+mn-lt"/>
+                <a:ea typeface="+mn-ea"/>
+                <a:cs typeface="+mn-cs"/>
+              </a:defRPr>
+            </a:lvl3pPr>
+            <a:lvl4pPr marL="1371600" algn="l" defTabSz="914400" rtl="0" eaLnBrk="1" latinLnBrk="0" hangingPunct="1">
+              <a:defRPr sz="1800" kern="1200">
+                <a:solidFill>
+                  <a:schemeClr val="tx1"/>
+                </a:solidFill>
+                <a:latin typeface="+mn-lt"/>
+                <a:ea typeface="+mn-ea"/>
+                <a:cs typeface="+mn-cs"/>
+              </a:defRPr>
+            </a:lvl4pPr>
+            <a:lvl5pPr marL="1828800" algn="l" defTabSz="914400" rtl="0" eaLnBrk="1" latinLnBrk="0" hangingPunct="1">
+              <a:defRPr sz="1800" kern="1200">
+                <a:solidFill>
+                  <a:schemeClr val="tx1"/>
+                </a:solidFill>
+                <a:latin typeface="+mn-lt"/>
+                <a:ea typeface="+mn-ea"/>
+                <a:cs typeface="+mn-cs"/>
+              </a:defRPr>
+            </a:lvl5pPr>
+            <a:lvl6pPr marL="2286000" algn="l" defTabSz="914400" rtl="0" eaLnBrk="1" latinLnBrk="0" hangingPunct="1">
+              <a:defRPr sz="1800" kern="1200">
+                <a:solidFill>
+                  <a:schemeClr val="tx1"/>
+                </a:solidFill>
+                <a:latin typeface="+mn-lt"/>
+                <a:ea typeface="+mn-ea"/>
+                <a:cs typeface="+mn-cs"/>
+              </a:defRPr>
+            </a:lvl6pPr>
+            <a:lvl7pPr marL="2743200" algn="l" defTabSz="914400" rtl="0" eaLnBrk="1" latinLnBrk="0" hangingPunct="1">
+              <a:defRPr sz="1800" kern="1200">
+                <a:solidFill>
+                  <a:schemeClr val="tx1"/>
+                </a:solidFill>
+                <a:latin typeface="+mn-lt"/>
+                <a:ea typeface="+mn-ea"/>
+                <a:cs typeface="+mn-cs"/>
+              </a:defRPr>
+            </a:lvl7pPr>
+            <a:lvl8pPr marL="3200400" algn="l" defTabSz="914400" rtl="0" eaLnBrk="1" latinLnBrk="0" hangingPunct="1">
+              <a:defRPr sz="1800" kern="1200">
+                <a:solidFill>
+                  <a:schemeClr val="tx1"/>
+                </a:solidFill>
+                <a:latin typeface="+mn-lt"/>
+                <a:ea typeface="+mn-ea"/>
+                <a:cs typeface="+mn-cs"/>
+              </a:defRPr>
+            </a:lvl8pPr>
+            <a:lvl9pPr marL="3657600" algn="l" defTabSz="914400" rtl="0" eaLnBrk="1" latinLnBrk="0" hangingPunct="1">
+              <a:defRPr sz="1800" kern="1200">
+                <a:solidFill>
+                  <a:schemeClr val="tx1"/>
+                </a:solidFill>
+                <a:latin typeface="+mn-lt"/>
+                <a:ea typeface="+mn-ea"/>
+                <a:cs typeface="+mn-cs"/>
+              </a:defRPr>
+            </a:lvl9pPr>
+          </a:lstStyle>
+          <a:p>
+            <a:pPr algn="r"/>
+            <a:fld id="{3CA7D8A6-1136-4C38-ADB5-83A54ED516A9}" type="slidenum">
+              <a:rPr lang="en-US" sz="1200" smtClean="0">
+                <a:solidFill>
+                  <a:srgbClr val="7F7F7F"/>
+                </a:solidFill>
+              </a:rPr>
+              <a:pPr algn="r"/>
+              <a:t>14</a:t>
+            </a:fld>
+            <a:endParaRPr lang="en-US" sz="1200" dirty="0">
+              <a:solidFill>
+                <a:srgbClr val="7F7F7F"/>
+              </a:solidFill>
+            </a:endParaRPr>
           </a:p>
         </p:txBody>
       </p:sp>
@@ -11456,6 +11802,139 @@
           </a:p>
         </p:txBody>
       </p:sp>
+      <p:sp>
+        <p:nvSpPr>
+          <p:cNvPr id="4" name="Slide Number Placeholder 3"/>
+          <p:cNvSpPr txBox="1">
+            <a:spLocks/>
+          </p:cNvSpPr>
+          <p:nvPr/>
+        </p:nvSpPr>
+        <p:spPr>
+          <a:xfrm>
+            <a:off x="6553200" y="4767263"/>
+            <a:ext cx="2133600" cy="273844"/>
+          </a:xfrm>
+          <a:prstGeom prst="rect">
+            <a:avLst/>
+          </a:prstGeom>
+        </p:spPr>
+        <p:txBody>
+          <a:bodyPr/>
+          <a:lstStyle>
+            <a:defPPr>
+              <a:defRPr lang="en-US"/>
+            </a:defPPr>
+            <a:lvl1pPr marL="0" algn="l" defTabSz="914400" rtl="0" eaLnBrk="1" latinLnBrk="0" hangingPunct="1">
+              <a:defRPr sz="1800" kern="1200">
+                <a:solidFill>
+                  <a:schemeClr val="tx1"/>
+                </a:solidFill>
+                <a:latin typeface="+mn-lt"/>
+                <a:ea typeface="+mn-ea"/>
+                <a:cs typeface="+mn-cs"/>
+              </a:defRPr>
+            </a:lvl1pPr>
+            <a:lvl2pPr marL="457200" algn="l" defTabSz="914400" rtl="0" eaLnBrk="1" latinLnBrk="0" hangingPunct="1">
+              <a:defRPr sz="1800" kern="1200">
+                <a:solidFill>
+                  <a:schemeClr val="tx1"/>
+                </a:solidFill>
+                <a:latin typeface="+mn-lt"/>
+                <a:ea typeface="+mn-ea"/>
+                <a:cs typeface="+mn-cs"/>
+              </a:defRPr>
+            </a:lvl2pPr>
+            <a:lvl3pPr marL="914400" algn="l" defTabSz="914400" rtl="0" eaLnBrk="1" latinLnBrk="0" hangingPunct="1">
+              <a:defRPr sz="1800" kern="1200">
+                <a:solidFill>
+                  <a:schemeClr val="tx1"/>
+                </a:solidFill>
+                <a:latin typeface="+mn-lt"/>
+                <a:ea typeface="+mn-ea"/>
+                <a:cs typeface="+mn-cs"/>
+              </a:defRPr>
+            </a:lvl3pPr>
+            <a:lvl4pPr marL="1371600" algn="l" defTabSz="914400" rtl="0" eaLnBrk="1" latinLnBrk="0" hangingPunct="1">
+              <a:defRPr sz="1800" kern="1200">
+                <a:solidFill>
+                  <a:schemeClr val="tx1"/>
+                </a:solidFill>
+                <a:latin typeface="+mn-lt"/>
+                <a:ea typeface="+mn-ea"/>
+                <a:cs typeface="+mn-cs"/>
+              </a:defRPr>
+            </a:lvl4pPr>
+            <a:lvl5pPr marL="1828800" algn="l" defTabSz="914400" rtl="0" eaLnBrk="1" latinLnBrk="0" hangingPunct="1">
+              <a:defRPr sz="1800" kern="1200">
+                <a:solidFill>
+                  <a:schemeClr val="tx1"/>
+                </a:solidFill>
+                <a:latin typeface="+mn-lt"/>
+                <a:ea typeface="+mn-ea"/>
+                <a:cs typeface="+mn-cs"/>
+              </a:defRPr>
+            </a:lvl5pPr>
+            <a:lvl6pPr marL="2286000" algn="l" defTabSz="914400" rtl="0" eaLnBrk="1" latinLnBrk="0" hangingPunct="1">
+              <a:defRPr sz="1800" kern="1200">
+                <a:solidFill>
+                  <a:schemeClr val="tx1"/>
+                </a:solidFill>
+                <a:latin typeface="+mn-lt"/>
+                <a:ea typeface="+mn-ea"/>
+                <a:cs typeface="+mn-cs"/>
+              </a:defRPr>
+            </a:lvl6pPr>
+            <a:lvl7pPr marL="2743200" algn="l" defTabSz="914400" rtl="0" eaLnBrk="1" latinLnBrk="0" hangingPunct="1">
+              <a:defRPr sz="1800" kern="1200">
+                <a:solidFill>
+                  <a:schemeClr val="tx1"/>
+                </a:solidFill>
+                <a:latin typeface="+mn-lt"/>
+                <a:ea typeface="+mn-ea"/>
+                <a:cs typeface="+mn-cs"/>
+              </a:defRPr>
+            </a:lvl7pPr>
+            <a:lvl8pPr marL="3200400" algn="l" defTabSz="914400" rtl="0" eaLnBrk="1" latinLnBrk="0" hangingPunct="1">
+              <a:defRPr sz="1800" kern="1200">
+                <a:solidFill>
+                  <a:schemeClr val="tx1"/>
+                </a:solidFill>
+                <a:latin typeface="+mn-lt"/>
+                <a:ea typeface="+mn-ea"/>
+                <a:cs typeface="+mn-cs"/>
+              </a:defRPr>
+            </a:lvl8pPr>
+            <a:lvl9pPr marL="3657600" algn="l" defTabSz="914400" rtl="0" eaLnBrk="1" latinLnBrk="0" hangingPunct="1">
+              <a:defRPr sz="1800" kern="1200">
+                <a:solidFill>
+                  <a:schemeClr val="tx1"/>
+                </a:solidFill>
+                <a:latin typeface="+mn-lt"/>
+                <a:ea typeface="+mn-ea"/>
+                <a:cs typeface="+mn-cs"/>
+              </a:defRPr>
+            </a:lvl9pPr>
+          </a:lstStyle>
+          <a:p>
+            <a:pPr algn="r"/>
+            <a:fld id="{3CA7D8A6-1136-4C38-ADB5-83A54ED516A9}" type="slidenum">
+              <a:rPr lang="en-US" sz="1200" smtClean="0">
+                <a:solidFill>
+                  <a:srgbClr val="7F7F7F"/>
+                </a:solidFill>
+              </a:rPr>
+              <a:pPr algn="r"/>
+              <a:t>15</a:t>
+            </a:fld>
+            <a:endParaRPr lang="en-US" sz="1200" dirty="0">
+              <a:solidFill>
+                <a:srgbClr val="7F7F7F"/>
+              </a:solidFill>
+            </a:endParaRPr>
+          </a:p>
+        </p:txBody>
+      </p:sp>
     </p:spTree>
     <p:extLst>
       <p:ext uri="{BB962C8B-B14F-4D97-AF65-F5344CB8AC3E}">
@@ -11602,6 +12081,139 @@
           </a:p>
         </p:txBody>
       </p:sp>
+      <p:sp>
+        <p:nvSpPr>
+          <p:cNvPr id="4" name="Slide Number Placeholder 3"/>
+          <p:cNvSpPr txBox="1">
+            <a:spLocks/>
+          </p:cNvSpPr>
+          <p:nvPr/>
+        </p:nvSpPr>
+        <p:spPr>
+          <a:xfrm>
+            <a:off x="6553200" y="4767263"/>
+            <a:ext cx="2133600" cy="273844"/>
+          </a:xfrm>
+          <a:prstGeom prst="rect">
+            <a:avLst/>
+          </a:prstGeom>
+        </p:spPr>
+        <p:txBody>
+          <a:bodyPr/>
+          <a:lstStyle>
+            <a:defPPr>
+              <a:defRPr lang="en-US"/>
+            </a:defPPr>
+            <a:lvl1pPr marL="0" algn="l" defTabSz="914400" rtl="0" eaLnBrk="1" latinLnBrk="0" hangingPunct="1">
+              <a:defRPr sz="1800" kern="1200">
+                <a:solidFill>
+                  <a:schemeClr val="tx1"/>
+                </a:solidFill>
+                <a:latin typeface="+mn-lt"/>
+                <a:ea typeface="+mn-ea"/>
+                <a:cs typeface="+mn-cs"/>
+              </a:defRPr>
+            </a:lvl1pPr>
+            <a:lvl2pPr marL="457200" algn="l" defTabSz="914400" rtl="0" eaLnBrk="1" latinLnBrk="0" hangingPunct="1">
+              <a:defRPr sz="1800" kern="1200">
+                <a:solidFill>
+                  <a:schemeClr val="tx1"/>
+                </a:solidFill>
+                <a:latin typeface="+mn-lt"/>
+                <a:ea typeface="+mn-ea"/>
+                <a:cs typeface="+mn-cs"/>
+              </a:defRPr>
+            </a:lvl2pPr>
+            <a:lvl3pPr marL="914400" algn="l" defTabSz="914400" rtl="0" eaLnBrk="1" latinLnBrk="0" hangingPunct="1">
+              <a:defRPr sz="1800" kern="1200">
+                <a:solidFill>
+                  <a:schemeClr val="tx1"/>
+                </a:solidFill>
+                <a:latin typeface="+mn-lt"/>
+                <a:ea typeface="+mn-ea"/>
+                <a:cs typeface="+mn-cs"/>
+              </a:defRPr>
+            </a:lvl3pPr>
+            <a:lvl4pPr marL="1371600" algn="l" defTabSz="914400" rtl="0" eaLnBrk="1" latinLnBrk="0" hangingPunct="1">
+              <a:defRPr sz="1800" kern="1200">
+                <a:solidFill>
+                  <a:schemeClr val="tx1"/>
+                </a:solidFill>
+                <a:latin typeface="+mn-lt"/>
+                <a:ea typeface="+mn-ea"/>
+                <a:cs typeface="+mn-cs"/>
+              </a:defRPr>
+            </a:lvl4pPr>
+            <a:lvl5pPr marL="1828800" algn="l" defTabSz="914400" rtl="0" eaLnBrk="1" latinLnBrk="0" hangingPunct="1">
+              <a:defRPr sz="1800" kern="1200">
+                <a:solidFill>
+                  <a:schemeClr val="tx1"/>
+                </a:solidFill>
+                <a:latin typeface="+mn-lt"/>
+                <a:ea typeface="+mn-ea"/>
+                <a:cs typeface="+mn-cs"/>
+              </a:defRPr>
+            </a:lvl5pPr>
+            <a:lvl6pPr marL="2286000" algn="l" defTabSz="914400" rtl="0" eaLnBrk="1" latinLnBrk="0" hangingPunct="1">
+              <a:defRPr sz="1800" kern="1200">
+                <a:solidFill>
+                  <a:schemeClr val="tx1"/>
+                </a:solidFill>
+                <a:latin typeface="+mn-lt"/>
+                <a:ea typeface="+mn-ea"/>
+                <a:cs typeface="+mn-cs"/>
+              </a:defRPr>
+            </a:lvl6pPr>
+            <a:lvl7pPr marL="2743200" algn="l" defTabSz="914400" rtl="0" eaLnBrk="1" latinLnBrk="0" hangingPunct="1">
+              <a:defRPr sz="1800" kern="1200">
+                <a:solidFill>
+                  <a:schemeClr val="tx1"/>
+                </a:solidFill>
+                <a:latin typeface="+mn-lt"/>
+                <a:ea typeface="+mn-ea"/>
+                <a:cs typeface="+mn-cs"/>
+              </a:defRPr>
+            </a:lvl7pPr>
+            <a:lvl8pPr marL="3200400" algn="l" defTabSz="914400" rtl="0" eaLnBrk="1" latinLnBrk="0" hangingPunct="1">
+              <a:defRPr sz="1800" kern="1200">
+                <a:solidFill>
+                  <a:schemeClr val="tx1"/>
+                </a:solidFill>
+                <a:latin typeface="+mn-lt"/>
+                <a:ea typeface="+mn-ea"/>
+                <a:cs typeface="+mn-cs"/>
+              </a:defRPr>
+            </a:lvl8pPr>
+            <a:lvl9pPr marL="3657600" algn="l" defTabSz="914400" rtl="0" eaLnBrk="1" latinLnBrk="0" hangingPunct="1">
+              <a:defRPr sz="1800" kern="1200">
+                <a:solidFill>
+                  <a:schemeClr val="tx1"/>
+                </a:solidFill>
+                <a:latin typeface="+mn-lt"/>
+                <a:ea typeface="+mn-ea"/>
+                <a:cs typeface="+mn-cs"/>
+              </a:defRPr>
+            </a:lvl9pPr>
+          </a:lstStyle>
+          <a:p>
+            <a:pPr algn="r"/>
+            <a:fld id="{3CA7D8A6-1136-4C38-ADB5-83A54ED516A9}" type="slidenum">
+              <a:rPr lang="en-US" sz="1200" smtClean="0">
+                <a:solidFill>
+                  <a:srgbClr val="7F7F7F"/>
+                </a:solidFill>
+              </a:rPr>
+              <a:pPr algn="r"/>
+              <a:t>16</a:t>
+            </a:fld>
+            <a:endParaRPr lang="en-US" sz="1200" dirty="0">
+              <a:solidFill>
+                <a:srgbClr val="7F7F7F"/>
+              </a:solidFill>
+            </a:endParaRPr>
+          </a:p>
+        </p:txBody>
+      </p:sp>
     </p:spTree>
     <p:extLst>
       <p:ext uri="{BB962C8B-B14F-4D97-AF65-F5344CB8AC3E}">
@@ -11816,6 +12428,139 @@
           </a:ln>
         </p:spPr>
       </p:pic>
+      <p:sp>
+        <p:nvSpPr>
+          <p:cNvPr id="5" name="Slide Number Placeholder 3"/>
+          <p:cNvSpPr txBox="1">
+            <a:spLocks/>
+          </p:cNvSpPr>
+          <p:nvPr/>
+        </p:nvSpPr>
+        <p:spPr>
+          <a:xfrm>
+            <a:off x="6553200" y="4767263"/>
+            <a:ext cx="2133600" cy="273844"/>
+          </a:xfrm>
+          <a:prstGeom prst="rect">
+            <a:avLst/>
+          </a:prstGeom>
+        </p:spPr>
+        <p:txBody>
+          <a:bodyPr/>
+          <a:lstStyle>
+            <a:defPPr>
+              <a:defRPr lang="en-US"/>
+            </a:defPPr>
+            <a:lvl1pPr marL="0" algn="l" defTabSz="914400" rtl="0" eaLnBrk="1" latinLnBrk="0" hangingPunct="1">
+              <a:defRPr sz="1800" kern="1200">
+                <a:solidFill>
+                  <a:schemeClr val="tx1"/>
+                </a:solidFill>
+                <a:latin typeface="+mn-lt"/>
+                <a:ea typeface="+mn-ea"/>
+                <a:cs typeface="+mn-cs"/>
+              </a:defRPr>
+            </a:lvl1pPr>
+            <a:lvl2pPr marL="457200" algn="l" defTabSz="914400" rtl="0" eaLnBrk="1" latinLnBrk="0" hangingPunct="1">
+              <a:defRPr sz="1800" kern="1200">
+                <a:solidFill>
+                  <a:schemeClr val="tx1"/>
+                </a:solidFill>
+                <a:latin typeface="+mn-lt"/>
+                <a:ea typeface="+mn-ea"/>
+                <a:cs typeface="+mn-cs"/>
+              </a:defRPr>
+            </a:lvl2pPr>
+            <a:lvl3pPr marL="914400" algn="l" defTabSz="914400" rtl="0" eaLnBrk="1" latinLnBrk="0" hangingPunct="1">
+              <a:defRPr sz="1800" kern="1200">
+                <a:solidFill>
+                  <a:schemeClr val="tx1"/>
+                </a:solidFill>
+                <a:latin typeface="+mn-lt"/>
+                <a:ea typeface="+mn-ea"/>
+                <a:cs typeface="+mn-cs"/>
+              </a:defRPr>
+            </a:lvl3pPr>
+            <a:lvl4pPr marL="1371600" algn="l" defTabSz="914400" rtl="0" eaLnBrk="1" latinLnBrk="0" hangingPunct="1">
+              <a:defRPr sz="1800" kern="1200">
+                <a:solidFill>
+                  <a:schemeClr val="tx1"/>
+                </a:solidFill>
+                <a:latin typeface="+mn-lt"/>
+                <a:ea typeface="+mn-ea"/>
+                <a:cs typeface="+mn-cs"/>
+              </a:defRPr>
+            </a:lvl4pPr>
+            <a:lvl5pPr marL="1828800" algn="l" defTabSz="914400" rtl="0" eaLnBrk="1" latinLnBrk="0" hangingPunct="1">
+              <a:defRPr sz="1800" kern="1200">
+                <a:solidFill>
+                  <a:schemeClr val="tx1"/>
+                </a:solidFill>
+                <a:latin typeface="+mn-lt"/>
+                <a:ea typeface="+mn-ea"/>
+                <a:cs typeface="+mn-cs"/>
+              </a:defRPr>
+            </a:lvl5pPr>
+            <a:lvl6pPr marL="2286000" algn="l" defTabSz="914400" rtl="0" eaLnBrk="1" latinLnBrk="0" hangingPunct="1">
+              <a:defRPr sz="1800" kern="1200">
+                <a:solidFill>
+                  <a:schemeClr val="tx1"/>
+                </a:solidFill>
+                <a:latin typeface="+mn-lt"/>
+                <a:ea typeface="+mn-ea"/>
+                <a:cs typeface="+mn-cs"/>
+              </a:defRPr>
+            </a:lvl6pPr>
+            <a:lvl7pPr marL="2743200" algn="l" defTabSz="914400" rtl="0" eaLnBrk="1" latinLnBrk="0" hangingPunct="1">
+              <a:defRPr sz="1800" kern="1200">
+                <a:solidFill>
+                  <a:schemeClr val="tx1"/>
+                </a:solidFill>
+                <a:latin typeface="+mn-lt"/>
+                <a:ea typeface="+mn-ea"/>
+                <a:cs typeface="+mn-cs"/>
+              </a:defRPr>
+            </a:lvl7pPr>
+            <a:lvl8pPr marL="3200400" algn="l" defTabSz="914400" rtl="0" eaLnBrk="1" latinLnBrk="0" hangingPunct="1">
+              <a:defRPr sz="1800" kern="1200">
+                <a:solidFill>
+                  <a:schemeClr val="tx1"/>
+                </a:solidFill>
+                <a:latin typeface="+mn-lt"/>
+                <a:ea typeface="+mn-ea"/>
+                <a:cs typeface="+mn-cs"/>
+              </a:defRPr>
+            </a:lvl8pPr>
+            <a:lvl9pPr marL="3657600" algn="l" defTabSz="914400" rtl="0" eaLnBrk="1" latinLnBrk="0" hangingPunct="1">
+              <a:defRPr sz="1800" kern="1200">
+                <a:solidFill>
+                  <a:schemeClr val="tx1"/>
+                </a:solidFill>
+                <a:latin typeface="+mn-lt"/>
+                <a:ea typeface="+mn-ea"/>
+                <a:cs typeface="+mn-cs"/>
+              </a:defRPr>
+            </a:lvl9pPr>
+          </a:lstStyle>
+          <a:p>
+            <a:pPr algn="r"/>
+            <a:fld id="{3CA7D8A6-1136-4C38-ADB5-83A54ED516A9}" type="slidenum">
+              <a:rPr lang="en-US" sz="1200" smtClean="0">
+                <a:solidFill>
+                  <a:srgbClr val="7F7F7F"/>
+                </a:solidFill>
+              </a:rPr>
+              <a:pPr algn="r"/>
+              <a:t>17</a:t>
+            </a:fld>
+            <a:endParaRPr lang="en-US" sz="1200" dirty="0">
+              <a:solidFill>
+                <a:srgbClr val="7F7F7F"/>
+              </a:solidFill>
+            </a:endParaRPr>
+          </a:p>
+        </p:txBody>
+      </p:sp>
     </p:spTree>
     <p:extLst>
       <p:ext uri="{BB962C8B-B14F-4D97-AF65-F5344CB8AC3E}">
@@ -11971,7 +12716,7 @@
         <p:spPr>
           <a:xfrm>
             <a:off x="5029200" y="1047750"/>
-            <a:ext cx="3810000" cy="3962400"/>
+            <a:ext cx="3810000" cy="3733800"/>
           </a:xfrm>
           <a:prstGeom prst="rect">
             <a:avLst/>
@@ -11983,6 +12728,34 @@
           </a:ln>
         </p:spPr>
       </p:pic>
+      <p:sp>
+        <p:nvSpPr>
+          <p:cNvPr id="6" name="Slide Number Placeholder 3"/>
+          <p:cNvSpPr>
+            <a:spLocks noGrp="1"/>
+          </p:cNvSpPr>
+          <p:nvPr>
+            <p:ph type="sldNum" sz="quarter" idx="12"/>
+          </p:nvPr>
+        </p:nvSpPr>
+        <p:spPr>
+          <a:xfrm>
+            <a:off x="6553200" y="4767263"/>
+            <a:ext cx="2133600" cy="273844"/>
+          </a:xfrm>
+        </p:spPr>
+        <p:txBody>
+          <a:bodyPr/>
+          <a:lstStyle/>
+          <a:p>
+            <a:fld id="{3CA7D8A6-1136-4C38-ADB5-83A54ED516A9}" type="slidenum">
+              <a:rPr lang="en-US" smtClean="0"/>
+              <a:t>18</a:t>
+            </a:fld>
+            <a:endParaRPr lang="en-US" dirty="0"/>
+          </a:p>
+        </p:txBody>
+      </p:sp>
     </p:spTree>
     <p:extLst>
       <p:ext uri="{BB962C8B-B14F-4D97-AF65-F5344CB8AC3E}">
@@ -12109,6 +12882,34 @@
           </a:extLst>
         </p:spPr>
       </p:pic>
+      <p:sp>
+        <p:nvSpPr>
+          <p:cNvPr id="5" name="Slide Number Placeholder 3"/>
+          <p:cNvSpPr>
+            <a:spLocks noGrp="1"/>
+          </p:cNvSpPr>
+          <p:nvPr>
+            <p:ph type="sldNum" sz="quarter" idx="12"/>
+          </p:nvPr>
+        </p:nvSpPr>
+        <p:spPr>
+          <a:xfrm>
+            <a:off x="6553200" y="4767263"/>
+            <a:ext cx="2133600" cy="273844"/>
+          </a:xfrm>
+        </p:spPr>
+        <p:txBody>
+          <a:bodyPr/>
+          <a:lstStyle/>
+          <a:p>
+            <a:fld id="{3CA7D8A6-1136-4C38-ADB5-83A54ED516A9}" type="slidenum">
+              <a:rPr lang="en-US" smtClean="0"/>
+              <a:t>19</a:t>
+            </a:fld>
+            <a:endParaRPr lang="en-US" dirty="0"/>
+          </a:p>
+        </p:txBody>
+      </p:sp>
     </p:spTree>
     <p:extLst>
       <p:ext uri="{BB962C8B-B14F-4D97-AF65-F5344CB8AC3E}">
@@ -12329,7 +13130,7 @@
               <a:pPr/>
               <a:t>2</a:t>
             </a:fld>
-            <a:endParaRPr lang="en-US"/>
+            <a:endParaRPr lang="en-US" dirty="0"/>
           </a:p>
         </p:txBody>
       </p:sp>
@@ -12813,6 +13614,139 @@
           </a:p>
         </p:txBody>
       </p:sp>
+      <p:sp>
+        <p:nvSpPr>
+          <p:cNvPr id="4" name="Slide Number Placeholder 3"/>
+          <p:cNvSpPr txBox="1">
+            <a:spLocks/>
+          </p:cNvSpPr>
+          <p:nvPr/>
+        </p:nvSpPr>
+        <p:spPr>
+          <a:xfrm>
+            <a:off x="6553200" y="4767263"/>
+            <a:ext cx="2133600" cy="273844"/>
+          </a:xfrm>
+          <a:prstGeom prst="rect">
+            <a:avLst/>
+          </a:prstGeom>
+        </p:spPr>
+        <p:txBody>
+          <a:bodyPr/>
+          <a:lstStyle>
+            <a:defPPr>
+              <a:defRPr lang="en-US"/>
+            </a:defPPr>
+            <a:lvl1pPr marL="0" algn="l" defTabSz="914400" rtl="0" eaLnBrk="1" latinLnBrk="0" hangingPunct="1">
+              <a:defRPr sz="1800" kern="1200">
+                <a:solidFill>
+                  <a:schemeClr val="tx1"/>
+                </a:solidFill>
+                <a:latin typeface="+mn-lt"/>
+                <a:ea typeface="+mn-ea"/>
+                <a:cs typeface="+mn-cs"/>
+              </a:defRPr>
+            </a:lvl1pPr>
+            <a:lvl2pPr marL="457200" algn="l" defTabSz="914400" rtl="0" eaLnBrk="1" latinLnBrk="0" hangingPunct="1">
+              <a:defRPr sz="1800" kern="1200">
+                <a:solidFill>
+                  <a:schemeClr val="tx1"/>
+                </a:solidFill>
+                <a:latin typeface="+mn-lt"/>
+                <a:ea typeface="+mn-ea"/>
+                <a:cs typeface="+mn-cs"/>
+              </a:defRPr>
+            </a:lvl2pPr>
+            <a:lvl3pPr marL="914400" algn="l" defTabSz="914400" rtl="0" eaLnBrk="1" latinLnBrk="0" hangingPunct="1">
+              <a:defRPr sz="1800" kern="1200">
+                <a:solidFill>
+                  <a:schemeClr val="tx1"/>
+                </a:solidFill>
+                <a:latin typeface="+mn-lt"/>
+                <a:ea typeface="+mn-ea"/>
+                <a:cs typeface="+mn-cs"/>
+              </a:defRPr>
+            </a:lvl3pPr>
+            <a:lvl4pPr marL="1371600" algn="l" defTabSz="914400" rtl="0" eaLnBrk="1" latinLnBrk="0" hangingPunct="1">
+              <a:defRPr sz="1800" kern="1200">
+                <a:solidFill>
+                  <a:schemeClr val="tx1"/>
+                </a:solidFill>
+                <a:latin typeface="+mn-lt"/>
+                <a:ea typeface="+mn-ea"/>
+                <a:cs typeface="+mn-cs"/>
+              </a:defRPr>
+            </a:lvl4pPr>
+            <a:lvl5pPr marL="1828800" algn="l" defTabSz="914400" rtl="0" eaLnBrk="1" latinLnBrk="0" hangingPunct="1">
+              <a:defRPr sz="1800" kern="1200">
+                <a:solidFill>
+                  <a:schemeClr val="tx1"/>
+                </a:solidFill>
+                <a:latin typeface="+mn-lt"/>
+                <a:ea typeface="+mn-ea"/>
+                <a:cs typeface="+mn-cs"/>
+              </a:defRPr>
+            </a:lvl5pPr>
+            <a:lvl6pPr marL="2286000" algn="l" defTabSz="914400" rtl="0" eaLnBrk="1" latinLnBrk="0" hangingPunct="1">
+              <a:defRPr sz="1800" kern="1200">
+                <a:solidFill>
+                  <a:schemeClr val="tx1"/>
+                </a:solidFill>
+                <a:latin typeface="+mn-lt"/>
+                <a:ea typeface="+mn-ea"/>
+                <a:cs typeface="+mn-cs"/>
+              </a:defRPr>
+            </a:lvl6pPr>
+            <a:lvl7pPr marL="2743200" algn="l" defTabSz="914400" rtl="0" eaLnBrk="1" latinLnBrk="0" hangingPunct="1">
+              <a:defRPr sz="1800" kern="1200">
+                <a:solidFill>
+                  <a:schemeClr val="tx1"/>
+                </a:solidFill>
+                <a:latin typeface="+mn-lt"/>
+                <a:ea typeface="+mn-ea"/>
+                <a:cs typeface="+mn-cs"/>
+              </a:defRPr>
+            </a:lvl7pPr>
+            <a:lvl8pPr marL="3200400" algn="l" defTabSz="914400" rtl="0" eaLnBrk="1" latinLnBrk="0" hangingPunct="1">
+              <a:defRPr sz="1800" kern="1200">
+                <a:solidFill>
+                  <a:schemeClr val="tx1"/>
+                </a:solidFill>
+                <a:latin typeface="+mn-lt"/>
+                <a:ea typeface="+mn-ea"/>
+                <a:cs typeface="+mn-cs"/>
+              </a:defRPr>
+            </a:lvl8pPr>
+            <a:lvl9pPr marL="3657600" algn="l" defTabSz="914400" rtl="0" eaLnBrk="1" latinLnBrk="0" hangingPunct="1">
+              <a:defRPr sz="1800" kern="1200">
+                <a:solidFill>
+                  <a:schemeClr val="tx1"/>
+                </a:solidFill>
+                <a:latin typeface="+mn-lt"/>
+                <a:ea typeface="+mn-ea"/>
+                <a:cs typeface="+mn-cs"/>
+              </a:defRPr>
+            </a:lvl9pPr>
+          </a:lstStyle>
+          <a:p>
+            <a:pPr algn="r"/>
+            <a:fld id="{3CA7D8A6-1136-4C38-ADB5-83A54ED516A9}" type="slidenum">
+              <a:rPr lang="en-US" sz="1200" smtClean="0">
+                <a:solidFill>
+                  <a:srgbClr val="7F7F7F"/>
+                </a:solidFill>
+              </a:rPr>
+              <a:pPr algn="r"/>
+              <a:t>20</a:t>
+            </a:fld>
+            <a:endParaRPr lang="en-US" sz="1200" dirty="0">
+              <a:solidFill>
+                <a:srgbClr val="7F7F7F"/>
+              </a:solidFill>
+            </a:endParaRPr>
+          </a:p>
+        </p:txBody>
+      </p:sp>
     </p:spTree>
     <p:extLst>
       <p:ext uri="{BB962C8B-B14F-4D97-AF65-F5344CB8AC3E}">
@@ -12954,6 +13888,139 @@
           </a:p>
         </p:txBody>
       </p:sp>
+      <p:sp>
+        <p:nvSpPr>
+          <p:cNvPr id="4" name="Slide Number Placeholder 3"/>
+          <p:cNvSpPr txBox="1">
+            <a:spLocks/>
+          </p:cNvSpPr>
+          <p:nvPr/>
+        </p:nvSpPr>
+        <p:spPr>
+          <a:xfrm>
+            <a:off x="6553200" y="4767263"/>
+            <a:ext cx="2133600" cy="273844"/>
+          </a:xfrm>
+          <a:prstGeom prst="rect">
+            <a:avLst/>
+          </a:prstGeom>
+        </p:spPr>
+        <p:txBody>
+          <a:bodyPr/>
+          <a:lstStyle>
+            <a:defPPr>
+              <a:defRPr lang="en-US"/>
+            </a:defPPr>
+            <a:lvl1pPr marL="0" algn="l" defTabSz="914400" rtl="0" eaLnBrk="1" latinLnBrk="0" hangingPunct="1">
+              <a:defRPr sz="1800" kern="1200">
+                <a:solidFill>
+                  <a:schemeClr val="tx1"/>
+                </a:solidFill>
+                <a:latin typeface="+mn-lt"/>
+                <a:ea typeface="+mn-ea"/>
+                <a:cs typeface="+mn-cs"/>
+              </a:defRPr>
+            </a:lvl1pPr>
+            <a:lvl2pPr marL="457200" algn="l" defTabSz="914400" rtl="0" eaLnBrk="1" latinLnBrk="0" hangingPunct="1">
+              <a:defRPr sz="1800" kern="1200">
+                <a:solidFill>
+                  <a:schemeClr val="tx1"/>
+                </a:solidFill>
+                <a:latin typeface="+mn-lt"/>
+                <a:ea typeface="+mn-ea"/>
+                <a:cs typeface="+mn-cs"/>
+              </a:defRPr>
+            </a:lvl2pPr>
+            <a:lvl3pPr marL="914400" algn="l" defTabSz="914400" rtl="0" eaLnBrk="1" latinLnBrk="0" hangingPunct="1">
+              <a:defRPr sz="1800" kern="1200">
+                <a:solidFill>
+                  <a:schemeClr val="tx1"/>
+                </a:solidFill>
+                <a:latin typeface="+mn-lt"/>
+                <a:ea typeface="+mn-ea"/>
+                <a:cs typeface="+mn-cs"/>
+              </a:defRPr>
+            </a:lvl3pPr>
+            <a:lvl4pPr marL="1371600" algn="l" defTabSz="914400" rtl="0" eaLnBrk="1" latinLnBrk="0" hangingPunct="1">
+              <a:defRPr sz="1800" kern="1200">
+                <a:solidFill>
+                  <a:schemeClr val="tx1"/>
+                </a:solidFill>
+                <a:latin typeface="+mn-lt"/>
+                <a:ea typeface="+mn-ea"/>
+                <a:cs typeface="+mn-cs"/>
+              </a:defRPr>
+            </a:lvl4pPr>
+            <a:lvl5pPr marL="1828800" algn="l" defTabSz="914400" rtl="0" eaLnBrk="1" latinLnBrk="0" hangingPunct="1">
+              <a:defRPr sz="1800" kern="1200">
+                <a:solidFill>
+                  <a:schemeClr val="tx1"/>
+                </a:solidFill>
+                <a:latin typeface="+mn-lt"/>
+                <a:ea typeface="+mn-ea"/>
+                <a:cs typeface="+mn-cs"/>
+              </a:defRPr>
+            </a:lvl5pPr>
+            <a:lvl6pPr marL="2286000" algn="l" defTabSz="914400" rtl="0" eaLnBrk="1" latinLnBrk="0" hangingPunct="1">
+              <a:defRPr sz="1800" kern="1200">
+                <a:solidFill>
+                  <a:schemeClr val="tx1"/>
+                </a:solidFill>
+                <a:latin typeface="+mn-lt"/>
+                <a:ea typeface="+mn-ea"/>
+                <a:cs typeface="+mn-cs"/>
+              </a:defRPr>
+            </a:lvl6pPr>
+            <a:lvl7pPr marL="2743200" algn="l" defTabSz="914400" rtl="0" eaLnBrk="1" latinLnBrk="0" hangingPunct="1">
+              <a:defRPr sz="1800" kern="1200">
+                <a:solidFill>
+                  <a:schemeClr val="tx1"/>
+                </a:solidFill>
+                <a:latin typeface="+mn-lt"/>
+                <a:ea typeface="+mn-ea"/>
+                <a:cs typeface="+mn-cs"/>
+              </a:defRPr>
+            </a:lvl7pPr>
+            <a:lvl8pPr marL="3200400" algn="l" defTabSz="914400" rtl="0" eaLnBrk="1" latinLnBrk="0" hangingPunct="1">
+              <a:defRPr sz="1800" kern="1200">
+                <a:solidFill>
+                  <a:schemeClr val="tx1"/>
+                </a:solidFill>
+                <a:latin typeface="+mn-lt"/>
+                <a:ea typeface="+mn-ea"/>
+                <a:cs typeface="+mn-cs"/>
+              </a:defRPr>
+            </a:lvl8pPr>
+            <a:lvl9pPr marL="3657600" algn="l" defTabSz="914400" rtl="0" eaLnBrk="1" latinLnBrk="0" hangingPunct="1">
+              <a:defRPr sz="1800" kern="1200">
+                <a:solidFill>
+                  <a:schemeClr val="tx1"/>
+                </a:solidFill>
+                <a:latin typeface="+mn-lt"/>
+                <a:ea typeface="+mn-ea"/>
+                <a:cs typeface="+mn-cs"/>
+              </a:defRPr>
+            </a:lvl9pPr>
+          </a:lstStyle>
+          <a:p>
+            <a:pPr algn="r"/>
+            <a:fld id="{3CA7D8A6-1136-4C38-ADB5-83A54ED516A9}" type="slidenum">
+              <a:rPr lang="en-US" sz="1200" smtClean="0">
+                <a:solidFill>
+                  <a:srgbClr val="7F7F7F"/>
+                </a:solidFill>
+              </a:rPr>
+              <a:pPr algn="r"/>
+              <a:t>21</a:t>
+            </a:fld>
+            <a:endParaRPr lang="en-US" sz="1200" dirty="0">
+              <a:solidFill>
+                <a:srgbClr val="7F7F7F"/>
+              </a:solidFill>
+            </a:endParaRPr>
+          </a:p>
+        </p:txBody>
+      </p:sp>
     </p:spTree>
     <p:extLst>
       <p:ext uri="{BB962C8B-B14F-4D97-AF65-F5344CB8AC3E}">
@@ -13051,6 +14118,34 @@
           </a:extLst>
         </p:spPr>
       </p:pic>
+      <p:sp>
+        <p:nvSpPr>
+          <p:cNvPr id="7" name="Slide Number Placeholder 3"/>
+          <p:cNvSpPr>
+            <a:spLocks noGrp="1"/>
+          </p:cNvSpPr>
+          <p:nvPr>
+            <p:ph type="sldNum" sz="quarter" idx="12"/>
+          </p:nvPr>
+        </p:nvSpPr>
+        <p:spPr>
+          <a:xfrm>
+            <a:off x="6553200" y="4781550"/>
+            <a:ext cx="2133600" cy="273844"/>
+          </a:xfrm>
+        </p:spPr>
+        <p:txBody>
+          <a:bodyPr/>
+          <a:lstStyle/>
+          <a:p>
+            <a:fld id="{3CA7D8A6-1136-4C38-ADB5-83A54ED516A9}" type="slidenum">
+              <a:rPr lang="en-US" smtClean="0"/>
+              <a:t>22</a:t>
+            </a:fld>
+            <a:endParaRPr lang="en-US" dirty="0"/>
+          </a:p>
+        </p:txBody>
+      </p:sp>
     </p:spTree>
     <p:extLst>
       <p:ext uri="{BB962C8B-B14F-4D97-AF65-F5344CB8AC3E}">
@@ -13266,6 +14361,139 @@
               <a:rPr lang="en" sz="1800" dirty="0"/>
               <a:t> </a:t>
             </a:r>
+          </a:p>
+        </p:txBody>
+      </p:sp>
+      <p:sp>
+        <p:nvSpPr>
+          <p:cNvPr id="4" name="Slide Number Placeholder 3"/>
+          <p:cNvSpPr txBox="1">
+            <a:spLocks/>
+          </p:cNvSpPr>
+          <p:nvPr/>
+        </p:nvSpPr>
+        <p:spPr>
+          <a:xfrm>
+            <a:off x="6553200" y="4767263"/>
+            <a:ext cx="2133600" cy="273844"/>
+          </a:xfrm>
+          <a:prstGeom prst="rect">
+            <a:avLst/>
+          </a:prstGeom>
+        </p:spPr>
+        <p:txBody>
+          <a:bodyPr/>
+          <a:lstStyle>
+            <a:defPPr>
+              <a:defRPr lang="en-US"/>
+            </a:defPPr>
+            <a:lvl1pPr marL="0" algn="l" defTabSz="914400" rtl="0" eaLnBrk="1" latinLnBrk="0" hangingPunct="1">
+              <a:defRPr sz="1800" kern="1200">
+                <a:solidFill>
+                  <a:schemeClr val="tx1"/>
+                </a:solidFill>
+                <a:latin typeface="+mn-lt"/>
+                <a:ea typeface="+mn-ea"/>
+                <a:cs typeface="+mn-cs"/>
+              </a:defRPr>
+            </a:lvl1pPr>
+            <a:lvl2pPr marL="457200" algn="l" defTabSz="914400" rtl="0" eaLnBrk="1" latinLnBrk="0" hangingPunct="1">
+              <a:defRPr sz="1800" kern="1200">
+                <a:solidFill>
+                  <a:schemeClr val="tx1"/>
+                </a:solidFill>
+                <a:latin typeface="+mn-lt"/>
+                <a:ea typeface="+mn-ea"/>
+                <a:cs typeface="+mn-cs"/>
+              </a:defRPr>
+            </a:lvl2pPr>
+            <a:lvl3pPr marL="914400" algn="l" defTabSz="914400" rtl="0" eaLnBrk="1" latinLnBrk="0" hangingPunct="1">
+              <a:defRPr sz="1800" kern="1200">
+                <a:solidFill>
+                  <a:schemeClr val="tx1"/>
+                </a:solidFill>
+                <a:latin typeface="+mn-lt"/>
+                <a:ea typeface="+mn-ea"/>
+                <a:cs typeface="+mn-cs"/>
+              </a:defRPr>
+            </a:lvl3pPr>
+            <a:lvl4pPr marL="1371600" algn="l" defTabSz="914400" rtl="0" eaLnBrk="1" latinLnBrk="0" hangingPunct="1">
+              <a:defRPr sz="1800" kern="1200">
+                <a:solidFill>
+                  <a:schemeClr val="tx1"/>
+                </a:solidFill>
+                <a:latin typeface="+mn-lt"/>
+                <a:ea typeface="+mn-ea"/>
+                <a:cs typeface="+mn-cs"/>
+              </a:defRPr>
+            </a:lvl4pPr>
+            <a:lvl5pPr marL="1828800" algn="l" defTabSz="914400" rtl="0" eaLnBrk="1" latinLnBrk="0" hangingPunct="1">
+              <a:defRPr sz="1800" kern="1200">
+                <a:solidFill>
+                  <a:schemeClr val="tx1"/>
+                </a:solidFill>
+                <a:latin typeface="+mn-lt"/>
+                <a:ea typeface="+mn-ea"/>
+                <a:cs typeface="+mn-cs"/>
+              </a:defRPr>
+            </a:lvl5pPr>
+            <a:lvl6pPr marL="2286000" algn="l" defTabSz="914400" rtl="0" eaLnBrk="1" latinLnBrk="0" hangingPunct="1">
+              <a:defRPr sz="1800" kern="1200">
+                <a:solidFill>
+                  <a:schemeClr val="tx1"/>
+                </a:solidFill>
+                <a:latin typeface="+mn-lt"/>
+                <a:ea typeface="+mn-ea"/>
+                <a:cs typeface="+mn-cs"/>
+              </a:defRPr>
+            </a:lvl6pPr>
+            <a:lvl7pPr marL="2743200" algn="l" defTabSz="914400" rtl="0" eaLnBrk="1" latinLnBrk="0" hangingPunct="1">
+              <a:defRPr sz="1800" kern="1200">
+                <a:solidFill>
+                  <a:schemeClr val="tx1"/>
+                </a:solidFill>
+                <a:latin typeface="+mn-lt"/>
+                <a:ea typeface="+mn-ea"/>
+                <a:cs typeface="+mn-cs"/>
+              </a:defRPr>
+            </a:lvl7pPr>
+            <a:lvl8pPr marL="3200400" algn="l" defTabSz="914400" rtl="0" eaLnBrk="1" latinLnBrk="0" hangingPunct="1">
+              <a:defRPr sz="1800" kern="1200">
+                <a:solidFill>
+                  <a:schemeClr val="tx1"/>
+                </a:solidFill>
+                <a:latin typeface="+mn-lt"/>
+                <a:ea typeface="+mn-ea"/>
+                <a:cs typeface="+mn-cs"/>
+              </a:defRPr>
+            </a:lvl8pPr>
+            <a:lvl9pPr marL="3657600" algn="l" defTabSz="914400" rtl="0" eaLnBrk="1" latinLnBrk="0" hangingPunct="1">
+              <a:defRPr sz="1800" kern="1200">
+                <a:solidFill>
+                  <a:schemeClr val="tx1"/>
+                </a:solidFill>
+                <a:latin typeface="+mn-lt"/>
+                <a:ea typeface="+mn-ea"/>
+                <a:cs typeface="+mn-cs"/>
+              </a:defRPr>
+            </a:lvl9pPr>
+          </a:lstStyle>
+          <a:p>
+            <a:pPr algn="r"/>
+            <a:fld id="{3CA7D8A6-1136-4C38-ADB5-83A54ED516A9}" type="slidenum">
+              <a:rPr lang="en-US" sz="1200" smtClean="0">
+                <a:solidFill>
+                  <a:srgbClr val="7F7F7F"/>
+                </a:solidFill>
+              </a:rPr>
+              <a:pPr algn="r"/>
+              <a:t>23</a:t>
+            </a:fld>
+            <a:endParaRPr lang="en-US" sz="1200" dirty="0">
+              <a:solidFill>
+                <a:srgbClr val="7F7F7F"/>
+              </a:solidFill>
+            </a:endParaRPr>
           </a:p>
         </p:txBody>
       </p:sp>
@@ -13426,6 +14654,139 @@
           </a:ln>
         </p:spPr>
       </p:pic>
+      <p:sp>
+        <p:nvSpPr>
+          <p:cNvPr id="7" name="Slide Number Placeholder 3"/>
+          <p:cNvSpPr txBox="1">
+            <a:spLocks/>
+          </p:cNvSpPr>
+          <p:nvPr/>
+        </p:nvSpPr>
+        <p:spPr>
+          <a:xfrm>
+            <a:off x="6553200" y="4767263"/>
+            <a:ext cx="2133600" cy="273844"/>
+          </a:xfrm>
+          <a:prstGeom prst="rect">
+            <a:avLst/>
+          </a:prstGeom>
+        </p:spPr>
+        <p:txBody>
+          <a:bodyPr/>
+          <a:lstStyle>
+            <a:defPPr>
+              <a:defRPr lang="en-US"/>
+            </a:defPPr>
+            <a:lvl1pPr marL="0" algn="l" defTabSz="914400" rtl="0" eaLnBrk="1" latinLnBrk="0" hangingPunct="1">
+              <a:defRPr sz="1800" kern="1200">
+                <a:solidFill>
+                  <a:schemeClr val="tx1"/>
+                </a:solidFill>
+                <a:latin typeface="+mn-lt"/>
+                <a:ea typeface="+mn-ea"/>
+                <a:cs typeface="+mn-cs"/>
+              </a:defRPr>
+            </a:lvl1pPr>
+            <a:lvl2pPr marL="457200" algn="l" defTabSz="914400" rtl="0" eaLnBrk="1" latinLnBrk="0" hangingPunct="1">
+              <a:defRPr sz="1800" kern="1200">
+                <a:solidFill>
+                  <a:schemeClr val="tx1"/>
+                </a:solidFill>
+                <a:latin typeface="+mn-lt"/>
+                <a:ea typeface="+mn-ea"/>
+                <a:cs typeface="+mn-cs"/>
+              </a:defRPr>
+            </a:lvl2pPr>
+            <a:lvl3pPr marL="914400" algn="l" defTabSz="914400" rtl="0" eaLnBrk="1" latinLnBrk="0" hangingPunct="1">
+              <a:defRPr sz="1800" kern="1200">
+                <a:solidFill>
+                  <a:schemeClr val="tx1"/>
+                </a:solidFill>
+                <a:latin typeface="+mn-lt"/>
+                <a:ea typeface="+mn-ea"/>
+                <a:cs typeface="+mn-cs"/>
+              </a:defRPr>
+            </a:lvl3pPr>
+            <a:lvl4pPr marL="1371600" algn="l" defTabSz="914400" rtl="0" eaLnBrk="1" latinLnBrk="0" hangingPunct="1">
+              <a:defRPr sz="1800" kern="1200">
+                <a:solidFill>
+                  <a:schemeClr val="tx1"/>
+                </a:solidFill>
+                <a:latin typeface="+mn-lt"/>
+                <a:ea typeface="+mn-ea"/>
+                <a:cs typeface="+mn-cs"/>
+              </a:defRPr>
+            </a:lvl4pPr>
+            <a:lvl5pPr marL="1828800" algn="l" defTabSz="914400" rtl="0" eaLnBrk="1" latinLnBrk="0" hangingPunct="1">
+              <a:defRPr sz="1800" kern="1200">
+                <a:solidFill>
+                  <a:schemeClr val="tx1"/>
+                </a:solidFill>
+                <a:latin typeface="+mn-lt"/>
+                <a:ea typeface="+mn-ea"/>
+                <a:cs typeface="+mn-cs"/>
+              </a:defRPr>
+            </a:lvl5pPr>
+            <a:lvl6pPr marL="2286000" algn="l" defTabSz="914400" rtl="0" eaLnBrk="1" latinLnBrk="0" hangingPunct="1">
+              <a:defRPr sz="1800" kern="1200">
+                <a:solidFill>
+                  <a:schemeClr val="tx1"/>
+                </a:solidFill>
+                <a:latin typeface="+mn-lt"/>
+                <a:ea typeface="+mn-ea"/>
+                <a:cs typeface="+mn-cs"/>
+              </a:defRPr>
+            </a:lvl6pPr>
+            <a:lvl7pPr marL="2743200" algn="l" defTabSz="914400" rtl="0" eaLnBrk="1" latinLnBrk="0" hangingPunct="1">
+              <a:defRPr sz="1800" kern="1200">
+                <a:solidFill>
+                  <a:schemeClr val="tx1"/>
+                </a:solidFill>
+                <a:latin typeface="+mn-lt"/>
+                <a:ea typeface="+mn-ea"/>
+                <a:cs typeface="+mn-cs"/>
+              </a:defRPr>
+            </a:lvl7pPr>
+            <a:lvl8pPr marL="3200400" algn="l" defTabSz="914400" rtl="0" eaLnBrk="1" latinLnBrk="0" hangingPunct="1">
+              <a:defRPr sz="1800" kern="1200">
+                <a:solidFill>
+                  <a:schemeClr val="tx1"/>
+                </a:solidFill>
+                <a:latin typeface="+mn-lt"/>
+                <a:ea typeface="+mn-ea"/>
+                <a:cs typeface="+mn-cs"/>
+              </a:defRPr>
+            </a:lvl8pPr>
+            <a:lvl9pPr marL="3657600" algn="l" defTabSz="914400" rtl="0" eaLnBrk="1" latinLnBrk="0" hangingPunct="1">
+              <a:defRPr sz="1800" kern="1200">
+                <a:solidFill>
+                  <a:schemeClr val="tx1"/>
+                </a:solidFill>
+                <a:latin typeface="+mn-lt"/>
+                <a:ea typeface="+mn-ea"/>
+                <a:cs typeface="+mn-cs"/>
+              </a:defRPr>
+            </a:lvl9pPr>
+          </a:lstStyle>
+          <a:p>
+            <a:pPr algn="r"/>
+            <a:fld id="{3CA7D8A6-1136-4C38-ADB5-83A54ED516A9}" type="slidenum">
+              <a:rPr lang="en-US" sz="1200" smtClean="0">
+                <a:solidFill>
+                  <a:srgbClr val="7F7F7F"/>
+                </a:solidFill>
+              </a:rPr>
+              <a:pPr algn="r"/>
+              <a:t>24</a:t>
+            </a:fld>
+            <a:endParaRPr lang="en-US" sz="1200" dirty="0">
+              <a:solidFill>
+                <a:srgbClr val="7F7F7F"/>
+              </a:solidFill>
+            </a:endParaRPr>
+          </a:p>
+        </p:txBody>
+      </p:sp>
     </p:spTree>
     <p:extLst>
       <p:ext uri="{BB962C8B-B14F-4D97-AF65-F5344CB8AC3E}">
@@ -13603,6 +14964,139 @@
           </a:p>
         </p:txBody>
       </p:sp>
+      <p:sp>
+        <p:nvSpPr>
+          <p:cNvPr id="4" name="Slide Number Placeholder 3"/>
+          <p:cNvSpPr txBox="1">
+            <a:spLocks/>
+          </p:cNvSpPr>
+          <p:nvPr/>
+        </p:nvSpPr>
+        <p:spPr>
+          <a:xfrm>
+            <a:off x="6553200" y="4767263"/>
+            <a:ext cx="2133600" cy="273844"/>
+          </a:xfrm>
+          <a:prstGeom prst="rect">
+            <a:avLst/>
+          </a:prstGeom>
+        </p:spPr>
+        <p:txBody>
+          <a:bodyPr/>
+          <a:lstStyle>
+            <a:defPPr>
+              <a:defRPr lang="en-US"/>
+            </a:defPPr>
+            <a:lvl1pPr marL="0" algn="l" defTabSz="914400" rtl="0" eaLnBrk="1" latinLnBrk="0" hangingPunct="1">
+              <a:defRPr sz="1800" kern="1200">
+                <a:solidFill>
+                  <a:schemeClr val="tx1"/>
+                </a:solidFill>
+                <a:latin typeface="+mn-lt"/>
+                <a:ea typeface="+mn-ea"/>
+                <a:cs typeface="+mn-cs"/>
+              </a:defRPr>
+            </a:lvl1pPr>
+            <a:lvl2pPr marL="457200" algn="l" defTabSz="914400" rtl="0" eaLnBrk="1" latinLnBrk="0" hangingPunct="1">
+              <a:defRPr sz="1800" kern="1200">
+                <a:solidFill>
+                  <a:schemeClr val="tx1"/>
+                </a:solidFill>
+                <a:latin typeface="+mn-lt"/>
+                <a:ea typeface="+mn-ea"/>
+                <a:cs typeface="+mn-cs"/>
+              </a:defRPr>
+            </a:lvl2pPr>
+            <a:lvl3pPr marL="914400" algn="l" defTabSz="914400" rtl="0" eaLnBrk="1" latinLnBrk="0" hangingPunct="1">
+              <a:defRPr sz="1800" kern="1200">
+                <a:solidFill>
+                  <a:schemeClr val="tx1"/>
+                </a:solidFill>
+                <a:latin typeface="+mn-lt"/>
+                <a:ea typeface="+mn-ea"/>
+                <a:cs typeface="+mn-cs"/>
+              </a:defRPr>
+            </a:lvl3pPr>
+            <a:lvl4pPr marL="1371600" algn="l" defTabSz="914400" rtl="0" eaLnBrk="1" latinLnBrk="0" hangingPunct="1">
+              <a:defRPr sz="1800" kern="1200">
+                <a:solidFill>
+                  <a:schemeClr val="tx1"/>
+                </a:solidFill>
+                <a:latin typeface="+mn-lt"/>
+                <a:ea typeface="+mn-ea"/>
+                <a:cs typeface="+mn-cs"/>
+              </a:defRPr>
+            </a:lvl4pPr>
+            <a:lvl5pPr marL="1828800" algn="l" defTabSz="914400" rtl="0" eaLnBrk="1" latinLnBrk="0" hangingPunct="1">
+              <a:defRPr sz="1800" kern="1200">
+                <a:solidFill>
+                  <a:schemeClr val="tx1"/>
+                </a:solidFill>
+                <a:latin typeface="+mn-lt"/>
+                <a:ea typeface="+mn-ea"/>
+                <a:cs typeface="+mn-cs"/>
+              </a:defRPr>
+            </a:lvl5pPr>
+            <a:lvl6pPr marL="2286000" algn="l" defTabSz="914400" rtl="0" eaLnBrk="1" latinLnBrk="0" hangingPunct="1">
+              <a:defRPr sz="1800" kern="1200">
+                <a:solidFill>
+                  <a:schemeClr val="tx1"/>
+                </a:solidFill>
+                <a:latin typeface="+mn-lt"/>
+                <a:ea typeface="+mn-ea"/>
+                <a:cs typeface="+mn-cs"/>
+              </a:defRPr>
+            </a:lvl6pPr>
+            <a:lvl7pPr marL="2743200" algn="l" defTabSz="914400" rtl="0" eaLnBrk="1" latinLnBrk="0" hangingPunct="1">
+              <a:defRPr sz="1800" kern="1200">
+                <a:solidFill>
+                  <a:schemeClr val="tx1"/>
+                </a:solidFill>
+                <a:latin typeface="+mn-lt"/>
+                <a:ea typeface="+mn-ea"/>
+                <a:cs typeface="+mn-cs"/>
+              </a:defRPr>
+            </a:lvl7pPr>
+            <a:lvl8pPr marL="3200400" algn="l" defTabSz="914400" rtl="0" eaLnBrk="1" latinLnBrk="0" hangingPunct="1">
+              <a:defRPr sz="1800" kern="1200">
+                <a:solidFill>
+                  <a:schemeClr val="tx1"/>
+                </a:solidFill>
+                <a:latin typeface="+mn-lt"/>
+                <a:ea typeface="+mn-ea"/>
+                <a:cs typeface="+mn-cs"/>
+              </a:defRPr>
+            </a:lvl8pPr>
+            <a:lvl9pPr marL="3657600" algn="l" defTabSz="914400" rtl="0" eaLnBrk="1" latinLnBrk="0" hangingPunct="1">
+              <a:defRPr sz="1800" kern="1200">
+                <a:solidFill>
+                  <a:schemeClr val="tx1"/>
+                </a:solidFill>
+                <a:latin typeface="+mn-lt"/>
+                <a:ea typeface="+mn-ea"/>
+                <a:cs typeface="+mn-cs"/>
+              </a:defRPr>
+            </a:lvl9pPr>
+          </a:lstStyle>
+          <a:p>
+            <a:pPr algn="r"/>
+            <a:fld id="{3CA7D8A6-1136-4C38-ADB5-83A54ED516A9}" type="slidenum">
+              <a:rPr lang="en-US" sz="1200" smtClean="0">
+                <a:solidFill>
+                  <a:srgbClr val="7F7F7F"/>
+                </a:solidFill>
+              </a:rPr>
+              <a:pPr algn="r"/>
+              <a:t>25</a:t>
+            </a:fld>
+            <a:endParaRPr lang="en-US" sz="1200" dirty="0">
+              <a:solidFill>
+                <a:srgbClr val="7F7F7F"/>
+              </a:solidFill>
+            </a:endParaRPr>
+          </a:p>
+        </p:txBody>
+      </p:sp>
     </p:spTree>
     <p:extLst>
       <p:ext uri="{BB962C8B-B14F-4D97-AF65-F5344CB8AC3E}">
@@ -14289,6 +15783,139 @@
           </a:p>
         </p:txBody>
       </p:sp>
+      <p:sp>
+        <p:nvSpPr>
+          <p:cNvPr id="5" name="Slide Number Placeholder 3"/>
+          <p:cNvSpPr txBox="1">
+            <a:spLocks/>
+          </p:cNvSpPr>
+          <p:nvPr/>
+        </p:nvSpPr>
+        <p:spPr>
+          <a:xfrm>
+            <a:off x="6553200" y="4767263"/>
+            <a:ext cx="2133600" cy="273844"/>
+          </a:xfrm>
+          <a:prstGeom prst="rect">
+            <a:avLst/>
+          </a:prstGeom>
+        </p:spPr>
+        <p:txBody>
+          <a:bodyPr/>
+          <a:lstStyle>
+            <a:defPPr>
+              <a:defRPr lang="en-US"/>
+            </a:defPPr>
+            <a:lvl1pPr marL="0" algn="l" defTabSz="914400" rtl="0" eaLnBrk="1" latinLnBrk="0" hangingPunct="1">
+              <a:defRPr sz="1800" kern="1200">
+                <a:solidFill>
+                  <a:schemeClr val="tx1"/>
+                </a:solidFill>
+                <a:latin typeface="+mn-lt"/>
+                <a:ea typeface="+mn-ea"/>
+                <a:cs typeface="+mn-cs"/>
+              </a:defRPr>
+            </a:lvl1pPr>
+            <a:lvl2pPr marL="457200" algn="l" defTabSz="914400" rtl="0" eaLnBrk="1" latinLnBrk="0" hangingPunct="1">
+              <a:defRPr sz="1800" kern="1200">
+                <a:solidFill>
+                  <a:schemeClr val="tx1"/>
+                </a:solidFill>
+                <a:latin typeface="+mn-lt"/>
+                <a:ea typeface="+mn-ea"/>
+                <a:cs typeface="+mn-cs"/>
+              </a:defRPr>
+            </a:lvl2pPr>
+            <a:lvl3pPr marL="914400" algn="l" defTabSz="914400" rtl="0" eaLnBrk="1" latinLnBrk="0" hangingPunct="1">
+              <a:defRPr sz="1800" kern="1200">
+                <a:solidFill>
+                  <a:schemeClr val="tx1"/>
+                </a:solidFill>
+                <a:latin typeface="+mn-lt"/>
+                <a:ea typeface="+mn-ea"/>
+                <a:cs typeface="+mn-cs"/>
+              </a:defRPr>
+            </a:lvl3pPr>
+            <a:lvl4pPr marL="1371600" algn="l" defTabSz="914400" rtl="0" eaLnBrk="1" latinLnBrk="0" hangingPunct="1">
+              <a:defRPr sz="1800" kern="1200">
+                <a:solidFill>
+                  <a:schemeClr val="tx1"/>
+                </a:solidFill>
+                <a:latin typeface="+mn-lt"/>
+                <a:ea typeface="+mn-ea"/>
+                <a:cs typeface="+mn-cs"/>
+              </a:defRPr>
+            </a:lvl4pPr>
+            <a:lvl5pPr marL="1828800" algn="l" defTabSz="914400" rtl="0" eaLnBrk="1" latinLnBrk="0" hangingPunct="1">
+              <a:defRPr sz="1800" kern="1200">
+                <a:solidFill>
+                  <a:schemeClr val="tx1"/>
+                </a:solidFill>
+                <a:latin typeface="+mn-lt"/>
+                <a:ea typeface="+mn-ea"/>
+                <a:cs typeface="+mn-cs"/>
+              </a:defRPr>
+            </a:lvl5pPr>
+            <a:lvl6pPr marL="2286000" algn="l" defTabSz="914400" rtl="0" eaLnBrk="1" latinLnBrk="0" hangingPunct="1">
+              <a:defRPr sz="1800" kern="1200">
+                <a:solidFill>
+                  <a:schemeClr val="tx1"/>
+                </a:solidFill>
+                <a:latin typeface="+mn-lt"/>
+                <a:ea typeface="+mn-ea"/>
+                <a:cs typeface="+mn-cs"/>
+              </a:defRPr>
+            </a:lvl6pPr>
+            <a:lvl7pPr marL="2743200" algn="l" defTabSz="914400" rtl="0" eaLnBrk="1" latinLnBrk="0" hangingPunct="1">
+              <a:defRPr sz="1800" kern="1200">
+                <a:solidFill>
+                  <a:schemeClr val="tx1"/>
+                </a:solidFill>
+                <a:latin typeface="+mn-lt"/>
+                <a:ea typeface="+mn-ea"/>
+                <a:cs typeface="+mn-cs"/>
+              </a:defRPr>
+            </a:lvl7pPr>
+            <a:lvl8pPr marL="3200400" algn="l" defTabSz="914400" rtl="0" eaLnBrk="1" latinLnBrk="0" hangingPunct="1">
+              <a:defRPr sz="1800" kern="1200">
+                <a:solidFill>
+                  <a:schemeClr val="tx1"/>
+                </a:solidFill>
+                <a:latin typeface="+mn-lt"/>
+                <a:ea typeface="+mn-ea"/>
+                <a:cs typeface="+mn-cs"/>
+              </a:defRPr>
+            </a:lvl8pPr>
+            <a:lvl9pPr marL="3657600" algn="l" defTabSz="914400" rtl="0" eaLnBrk="1" latinLnBrk="0" hangingPunct="1">
+              <a:defRPr sz="1800" kern="1200">
+                <a:solidFill>
+                  <a:schemeClr val="tx1"/>
+                </a:solidFill>
+                <a:latin typeface="+mn-lt"/>
+                <a:ea typeface="+mn-ea"/>
+                <a:cs typeface="+mn-cs"/>
+              </a:defRPr>
+            </a:lvl9pPr>
+          </a:lstStyle>
+          <a:p>
+            <a:pPr algn="r"/>
+            <a:fld id="{3CA7D8A6-1136-4C38-ADB5-83A54ED516A9}" type="slidenum">
+              <a:rPr lang="en-US" sz="1200" smtClean="0">
+                <a:solidFill>
+                  <a:srgbClr val="7F7F7F"/>
+                </a:solidFill>
+              </a:rPr>
+              <a:pPr algn="r"/>
+              <a:t>26</a:t>
+            </a:fld>
+            <a:endParaRPr lang="en-US" sz="1200" dirty="0">
+              <a:solidFill>
+                <a:srgbClr val="7F7F7F"/>
+              </a:solidFill>
+            </a:endParaRPr>
+          </a:p>
+        </p:txBody>
+      </p:sp>
     </p:spTree>
     <p:extLst>
       <p:ext uri="{BB962C8B-B14F-4D97-AF65-F5344CB8AC3E}">
@@ -14806,6 +16433,34 @@
           </a:p>
         </p:txBody>
       </p:sp>
+      <p:sp>
+        <p:nvSpPr>
+          <p:cNvPr id="5" name="Slide Number Placeholder 3"/>
+          <p:cNvSpPr>
+            <a:spLocks noGrp="1"/>
+          </p:cNvSpPr>
+          <p:nvPr>
+            <p:ph type="sldNum" sz="quarter" idx="12"/>
+          </p:nvPr>
+        </p:nvSpPr>
+        <p:spPr>
+          <a:xfrm>
+            <a:off x="6553200" y="4767263"/>
+            <a:ext cx="2133600" cy="273844"/>
+          </a:xfrm>
+        </p:spPr>
+        <p:txBody>
+          <a:bodyPr/>
+          <a:lstStyle/>
+          <a:p>
+            <a:fld id="{3CA7D8A6-1136-4C38-ADB5-83A54ED516A9}" type="slidenum">
+              <a:rPr lang="en-US" smtClean="0"/>
+              <a:t>27</a:t>
+            </a:fld>
+            <a:endParaRPr lang="en-US" dirty="0"/>
+          </a:p>
+        </p:txBody>
+      </p:sp>
     </p:spTree>
     <p:extLst>
       <p:ext uri="{BB962C8B-B14F-4D97-AF65-F5344CB8AC3E}">
@@ -15021,6 +16676,34 @@
           </a:p>
         </p:txBody>
       </p:sp>
+      <p:sp>
+        <p:nvSpPr>
+          <p:cNvPr id="4" name="Slide Number Placeholder 3"/>
+          <p:cNvSpPr>
+            <a:spLocks noGrp="1"/>
+          </p:cNvSpPr>
+          <p:nvPr>
+            <p:ph type="sldNum" sz="quarter" idx="12"/>
+          </p:nvPr>
+        </p:nvSpPr>
+        <p:spPr>
+          <a:xfrm>
+            <a:off x="6553200" y="4767263"/>
+            <a:ext cx="2133600" cy="273844"/>
+          </a:xfrm>
+        </p:spPr>
+        <p:txBody>
+          <a:bodyPr/>
+          <a:lstStyle/>
+          <a:p>
+            <a:fld id="{3CA7D8A6-1136-4C38-ADB5-83A54ED516A9}" type="slidenum">
+              <a:rPr lang="en-US" smtClean="0"/>
+              <a:t>28</a:t>
+            </a:fld>
+            <a:endParaRPr lang="en-US" dirty="0"/>
+          </a:p>
+        </p:txBody>
+      </p:sp>
     </p:spTree>
     <p:extLst>
       <p:ext uri="{BB962C8B-B14F-4D97-AF65-F5344CB8AC3E}">
@@ -15148,6 +16831,34 @@
           </a:extLst>
         </p:spPr>
       </p:pic>
+      <p:sp>
+        <p:nvSpPr>
+          <p:cNvPr id="5" name="Slide Number Placeholder 3"/>
+          <p:cNvSpPr>
+            <a:spLocks noGrp="1"/>
+          </p:cNvSpPr>
+          <p:nvPr>
+            <p:ph type="sldNum" sz="quarter" idx="12"/>
+          </p:nvPr>
+        </p:nvSpPr>
+        <p:spPr>
+          <a:xfrm>
+            <a:off x="6553200" y="4767263"/>
+            <a:ext cx="2133600" cy="273844"/>
+          </a:xfrm>
+        </p:spPr>
+        <p:txBody>
+          <a:bodyPr/>
+          <a:lstStyle/>
+          <a:p>
+            <a:fld id="{3CA7D8A6-1136-4C38-ADB5-83A54ED516A9}" type="slidenum">
+              <a:rPr lang="en-US" smtClean="0"/>
+              <a:t>29</a:t>
+            </a:fld>
+            <a:endParaRPr lang="en-US" dirty="0"/>
+          </a:p>
+        </p:txBody>
+      </p:sp>
     </p:spTree>
     <p:extLst>
       <p:ext uri="{BB962C8B-B14F-4D97-AF65-F5344CB8AC3E}">
@@ -16775,6 +18486,34 @@
           </a:p>
         </p:txBody>
       </p:sp>
+      <p:sp>
+        <p:nvSpPr>
+          <p:cNvPr id="4" name="Slide Number Placeholder 3"/>
+          <p:cNvSpPr>
+            <a:spLocks noGrp="1"/>
+          </p:cNvSpPr>
+          <p:nvPr>
+            <p:ph type="sldNum" sz="quarter" idx="12"/>
+          </p:nvPr>
+        </p:nvSpPr>
+        <p:spPr>
+          <a:xfrm>
+            <a:off x="6553200" y="4767263"/>
+            <a:ext cx="2133600" cy="273844"/>
+          </a:xfrm>
+        </p:spPr>
+        <p:txBody>
+          <a:bodyPr/>
+          <a:lstStyle/>
+          <a:p>
+            <a:fld id="{3CA7D8A6-1136-4C38-ADB5-83A54ED516A9}" type="slidenum">
+              <a:rPr lang="en-US" smtClean="0"/>
+              <a:t>7</a:t>
+            </a:fld>
+            <a:endParaRPr lang="en-US" dirty="0"/>
+          </a:p>
+        </p:txBody>
+      </p:sp>
     </p:spTree>
     <p:extLst>
       <p:ext uri="{BB962C8B-B14F-4D97-AF65-F5344CB8AC3E}">
@@ -16854,7 +18593,7 @@
         </p:nvSpPr>
         <p:spPr>
           <a:xfrm>
-            <a:off x="457200" y="1200150"/>
+            <a:off x="457200" y="1047750"/>
             <a:ext cx="8229600" cy="3693288"/>
           </a:xfrm>
           <a:prstGeom prst="rect">
@@ -16969,6 +18708,143 @@
               </a:rPr>
               <a:t>://github.com/SpringOne2GX-2014/Spring-XD-Internals/tree/master/jms-message-bus</a:t>
             </a:r>
+          </a:p>
+        </p:txBody>
+      </p:sp>
+      <p:sp>
+        <p:nvSpPr>
+          <p:cNvPr id="5" name="Slide Number Placeholder 3"/>
+          <p:cNvSpPr txBox="1">
+            <a:spLocks/>
+          </p:cNvSpPr>
+          <p:nvPr/>
+        </p:nvSpPr>
+        <p:spPr>
+          <a:xfrm>
+            <a:off x="6553200" y="4781550"/>
+            <a:ext cx="2133600" cy="273844"/>
+          </a:xfrm>
+          <a:prstGeom prst="rect">
+            <a:avLst/>
+          </a:prstGeom>
+        </p:spPr>
+        <p:txBody>
+          <a:bodyPr/>
+          <a:lstStyle>
+            <a:defPPr>
+              <a:defRPr lang="en-US"/>
+            </a:defPPr>
+            <a:lvl1pPr marL="0" algn="l" defTabSz="914400" rtl="0" eaLnBrk="1" latinLnBrk="0" hangingPunct="1">
+              <a:defRPr sz="1800" kern="1200">
+                <a:solidFill>
+                  <a:schemeClr val="tx1"/>
+                </a:solidFill>
+                <a:latin typeface="+mn-lt"/>
+                <a:ea typeface="+mn-ea"/>
+                <a:cs typeface="+mn-cs"/>
+              </a:defRPr>
+            </a:lvl1pPr>
+            <a:lvl2pPr marL="457200" algn="l" defTabSz="914400" rtl="0" eaLnBrk="1" latinLnBrk="0" hangingPunct="1">
+              <a:defRPr sz="1800" kern="1200">
+                <a:solidFill>
+                  <a:schemeClr val="tx1"/>
+                </a:solidFill>
+                <a:latin typeface="+mn-lt"/>
+                <a:ea typeface="+mn-ea"/>
+                <a:cs typeface="+mn-cs"/>
+              </a:defRPr>
+            </a:lvl2pPr>
+            <a:lvl3pPr marL="914400" algn="l" defTabSz="914400" rtl="0" eaLnBrk="1" latinLnBrk="0" hangingPunct="1">
+              <a:defRPr sz="1800" kern="1200">
+                <a:solidFill>
+                  <a:schemeClr val="tx1"/>
+                </a:solidFill>
+                <a:latin typeface="+mn-lt"/>
+                <a:ea typeface="+mn-ea"/>
+                <a:cs typeface="+mn-cs"/>
+              </a:defRPr>
+            </a:lvl3pPr>
+            <a:lvl4pPr marL="1371600" algn="l" defTabSz="914400" rtl="0" eaLnBrk="1" latinLnBrk="0" hangingPunct="1">
+              <a:defRPr sz="1800" kern="1200">
+                <a:solidFill>
+                  <a:schemeClr val="tx1"/>
+                </a:solidFill>
+                <a:latin typeface="+mn-lt"/>
+                <a:ea typeface="+mn-ea"/>
+                <a:cs typeface="+mn-cs"/>
+              </a:defRPr>
+            </a:lvl4pPr>
+            <a:lvl5pPr marL="1828800" algn="l" defTabSz="914400" rtl="0" eaLnBrk="1" latinLnBrk="0" hangingPunct="1">
+              <a:defRPr sz="1800" kern="1200">
+                <a:solidFill>
+                  <a:schemeClr val="tx1"/>
+                </a:solidFill>
+                <a:latin typeface="+mn-lt"/>
+                <a:ea typeface="+mn-ea"/>
+                <a:cs typeface="+mn-cs"/>
+              </a:defRPr>
+            </a:lvl5pPr>
+            <a:lvl6pPr marL="2286000" algn="l" defTabSz="914400" rtl="0" eaLnBrk="1" latinLnBrk="0" hangingPunct="1">
+              <a:defRPr sz="1800" kern="1200">
+                <a:solidFill>
+                  <a:schemeClr val="tx1"/>
+                </a:solidFill>
+                <a:latin typeface="+mn-lt"/>
+                <a:ea typeface="+mn-ea"/>
+                <a:cs typeface="+mn-cs"/>
+              </a:defRPr>
+            </a:lvl6pPr>
+            <a:lvl7pPr marL="2743200" algn="l" defTabSz="914400" rtl="0" eaLnBrk="1" latinLnBrk="0" hangingPunct="1">
+              <a:defRPr sz="1800" kern="1200">
+                <a:solidFill>
+                  <a:schemeClr val="tx1"/>
+                </a:solidFill>
+                <a:latin typeface="+mn-lt"/>
+                <a:ea typeface="+mn-ea"/>
+                <a:cs typeface="+mn-cs"/>
+              </a:defRPr>
+            </a:lvl7pPr>
+            <a:lvl8pPr marL="3200400" algn="l" defTabSz="914400" rtl="0" eaLnBrk="1" latinLnBrk="0" hangingPunct="1">
+              <a:defRPr sz="1800" kern="1200">
+                <a:solidFill>
+                  <a:schemeClr val="tx1"/>
+                </a:solidFill>
+                <a:latin typeface="+mn-lt"/>
+                <a:ea typeface="+mn-ea"/>
+                <a:cs typeface="+mn-cs"/>
+              </a:defRPr>
+            </a:lvl8pPr>
+            <a:lvl9pPr marL="3657600" algn="l" defTabSz="914400" rtl="0" eaLnBrk="1" latinLnBrk="0" hangingPunct="1">
+              <a:defRPr sz="1800" kern="1200">
+                <a:solidFill>
+                  <a:schemeClr val="tx1"/>
+                </a:solidFill>
+                <a:latin typeface="+mn-lt"/>
+                <a:ea typeface="+mn-ea"/>
+                <a:cs typeface="+mn-cs"/>
+              </a:defRPr>
+            </a:lvl9pPr>
+          </a:lstStyle>
+          <a:p>
+            <a:pPr algn="r"/>
+            <a:fld id="{3CA7D8A6-1136-4C38-ADB5-83A54ED516A9}" type="slidenum">
+              <a:rPr lang="en-US" sz="1200" smtClean="0">
+                <a:solidFill>
+                  <a:schemeClr val="bg1">
+                    <a:lumMod val="50000"/>
+                  </a:schemeClr>
+                </a:solidFill>
+              </a:rPr>
+              <a:pPr algn="r"/>
+              <a:t>8</a:t>
+            </a:fld>
+            <a:endParaRPr lang="en-US" sz="1200" dirty="0">
+              <a:solidFill>
+                <a:schemeClr val="bg1">
+                  <a:lumMod val="50000"/>
+                </a:schemeClr>
+              </a:solidFill>
+            </a:endParaRPr>
           </a:p>
         </p:txBody>
       </p:sp>
@@ -17036,6 +18912,25 @@
               <a:rPr lang="en"/>
               <a:t>Spring XD Application Contexts</a:t>
             </a:r>
+          </a:p>
+        </p:txBody>
+      </p:sp>
+      <p:sp>
+        <p:nvSpPr>
+          <p:cNvPr id="2" name="Content Placeholder 1"/>
+          <p:cNvSpPr>
+            <a:spLocks noGrp="1"/>
+          </p:cNvSpPr>
+          <p:nvPr>
+            <p:ph idx="1"/>
+          </p:nvPr>
+        </p:nvSpPr>
+        <p:spPr/>
+        <p:txBody>
+          <a:bodyPr/>
+          <a:lstStyle/>
+          <a:p>
+            <a:endParaRPr lang="en-US"/>
           </a:p>
         </p:txBody>
       </p:sp>
@@ -17256,6 +19151,139 @@
           </a:extLst>
         </p:spPr>
       </p:pic>
+      <p:sp>
+        <p:nvSpPr>
+          <p:cNvPr id="7" name="Slide Number Placeholder 3"/>
+          <p:cNvSpPr txBox="1">
+            <a:spLocks/>
+          </p:cNvSpPr>
+          <p:nvPr/>
+        </p:nvSpPr>
+        <p:spPr>
+          <a:xfrm>
+            <a:off x="6553200" y="4767263"/>
+            <a:ext cx="2133600" cy="273844"/>
+          </a:xfrm>
+          <a:prstGeom prst="rect">
+            <a:avLst/>
+          </a:prstGeom>
+        </p:spPr>
+        <p:txBody>
+          <a:bodyPr/>
+          <a:lstStyle>
+            <a:defPPr>
+              <a:defRPr lang="en-US"/>
+            </a:defPPr>
+            <a:lvl1pPr marL="0" algn="l" defTabSz="914400" rtl="0" eaLnBrk="1" latinLnBrk="0" hangingPunct="1">
+              <a:defRPr sz="1800" kern="1200">
+                <a:solidFill>
+                  <a:schemeClr val="tx1"/>
+                </a:solidFill>
+                <a:latin typeface="+mn-lt"/>
+                <a:ea typeface="+mn-ea"/>
+                <a:cs typeface="+mn-cs"/>
+              </a:defRPr>
+            </a:lvl1pPr>
+            <a:lvl2pPr marL="457200" algn="l" defTabSz="914400" rtl="0" eaLnBrk="1" latinLnBrk="0" hangingPunct="1">
+              <a:defRPr sz="1800" kern="1200">
+                <a:solidFill>
+                  <a:schemeClr val="tx1"/>
+                </a:solidFill>
+                <a:latin typeface="+mn-lt"/>
+                <a:ea typeface="+mn-ea"/>
+                <a:cs typeface="+mn-cs"/>
+              </a:defRPr>
+            </a:lvl2pPr>
+            <a:lvl3pPr marL="914400" algn="l" defTabSz="914400" rtl="0" eaLnBrk="1" latinLnBrk="0" hangingPunct="1">
+              <a:defRPr sz="1800" kern="1200">
+                <a:solidFill>
+                  <a:schemeClr val="tx1"/>
+                </a:solidFill>
+                <a:latin typeface="+mn-lt"/>
+                <a:ea typeface="+mn-ea"/>
+                <a:cs typeface="+mn-cs"/>
+              </a:defRPr>
+            </a:lvl3pPr>
+            <a:lvl4pPr marL="1371600" algn="l" defTabSz="914400" rtl="0" eaLnBrk="1" latinLnBrk="0" hangingPunct="1">
+              <a:defRPr sz="1800" kern="1200">
+                <a:solidFill>
+                  <a:schemeClr val="tx1"/>
+                </a:solidFill>
+                <a:latin typeface="+mn-lt"/>
+                <a:ea typeface="+mn-ea"/>
+                <a:cs typeface="+mn-cs"/>
+              </a:defRPr>
+            </a:lvl4pPr>
+            <a:lvl5pPr marL="1828800" algn="l" defTabSz="914400" rtl="0" eaLnBrk="1" latinLnBrk="0" hangingPunct="1">
+              <a:defRPr sz="1800" kern="1200">
+                <a:solidFill>
+                  <a:schemeClr val="tx1"/>
+                </a:solidFill>
+                <a:latin typeface="+mn-lt"/>
+                <a:ea typeface="+mn-ea"/>
+                <a:cs typeface="+mn-cs"/>
+              </a:defRPr>
+            </a:lvl5pPr>
+            <a:lvl6pPr marL="2286000" algn="l" defTabSz="914400" rtl="0" eaLnBrk="1" latinLnBrk="0" hangingPunct="1">
+              <a:defRPr sz="1800" kern="1200">
+                <a:solidFill>
+                  <a:schemeClr val="tx1"/>
+                </a:solidFill>
+                <a:latin typeface="+mn-lt"/>
+                <a:ea typeface="+mn-ea"/>
+                <a:cs typeface="+mn-cs"/>
+              </a:defRPr>
+            </a:lvl6pPr>
+            <a:lvl7pPr marL="2743200" algn="l" defTabSz="914400" rtl="0" eaLnBrk="1" latinLnBrk="0" hangingPunct="1">
+              <a:defRPr sz="1800" kern="1200">
+                <a:solidFill>
+                  <a:schemeClr val="tx1"/>
+                </a:solidFill>
+                <a:latin typeface="+mn-lt"/>
+                <a:ea typeface="+mn-ea"/>
+                <a:cs typeface="+mn-cs"/>
+              </a:defRPr>
+            </a:lvl7pPr>
+            <a:lvl8pPr marL="3200400" algn="l" defTabSz="914400" rtl="0" eaLnBrk="1" latinLnBrk="0" hangingPunct="1">
+              <a:defRPr sz="1800" kern="1200">
+                <a:solidFill>
+                  <a:schemeClr val="tx1"/>
+                </a:solidFill>
+                <a:latin typeface="+mn-lt"/>
+                <a:ea typeface="+mn-ea"/>
+                <a:cs typeface="+mn-cs"/>
+              </a:defRPr>
+            </a:lvl8pPr>
+            <a:lvl9pPr marL="3657600" algn="l" defTabSz="914400" rtl="0" eaLnBrk="1" latinLnBrk="0" hangingPunct="1">
+              <a:defRPr sz="1800" kern="1200">
+                <a:solidFill>
+                  <a:schemeClr val="tx1"/>
+                </a:solidFill>
+                <a:latin typeface="+mn-lt"/>
+                <a:ea typeface="+mn-ea"/>
+                <a:cs typeface="+mn-cs"/>
+              </a:defRPr>
+            </a:lvl9pPr>
+          </a:lstStyle>
+          <a:p>
+            <a:pPr algn="r"/>
+            <a:fld id="{3CA7D8A6-1136-4C38-ADB5-83A54ED516A9}" type="slidenum">
+              <a:rPr lang="en-US" sz="1200" smtClean="0">
+                <a:solidFill>
+                  <a:srgbClr val="7F7F7F"/>
+                </a:solidFill>
+              </a:rPr>
+              <a:pPr algn="r"/>
+              <a:t>9</a:t>
+            </a:fld>
+            <a:endParaRPr lang="en-US" sz="1200" dirty="0">
+              <a:solidFill>
+                <a:srgbClr val="7F7F7F"/>
+              </a:solidFill>
+            </a:endParaRPr>
+          </a:p>
+        </p:txBody>
+      </p:sp>
     </p:spTree>
     <p:extLst>
       <p:ext uri="{BB962C8B-B14F-4D97-AF65-F5344CB8AC3E}">

--- a/Spring-XD-Internals-A-Guided-Tour.pptx
+++ b/Spring-XD-Internals-A-Guided-Tour.pptx
@@ -493,11 +493,11 @@
           <c:showBubbleSize val="0"/>
         </c:dLbls>
         <c:gapWidth val="150"/>
-        <c:axId val="-2124549848"/>
-        <c:axId val="-2124679896"/>
+        <c:axId val="-2131345512"/>
+        <c:axId val="2108024136"/>
       </c:barChart>
       <c:catAx>
-        <c:axId val="-2124549848"/>
+        <c:axId val="-2131345512"/>
         <c:scaling>
           <c:orientation val="minMax"/>
         </c:scaling>
@@ -516,7 +516,7 @@
             </a:solidFill>
           </a:ln>
         </c:spPr>
-        <c:crossAx val="-2124679896"/>
+        <c:crossAx val="2108024136"/>
         <c:crosses val="autoZero"/>
         <c:auto val="1"/>
         <c:lblAlgn val="ctr"/>
@@ -524,7 +524,7 @@
         <c:noMultiLvlLbl val="0"/>
       </c:catAx>
       <c:valAx>
-        <c:axId val="-2124679896"/>
+        <c:axId val="2108024136"/>
         <c:scaling>
           <c:orientation val="minMax"/>
         </c:scaling>
@@ -548,7 +548,7 @@
             <a:noFill/>
           </a:ln>
         </c:spPr>
-        <c:crossAx val="-2124549848"/>
+        <c:crossAx val="-2131345512"/>
         <c:crosses val="autoZero"/>
         <c:crossBetween val="between"/>
         <c:majorUnit val="20.0"/>
@@ -562,7 +562,6 @@
     </c:plotArea>
     <c:legend>
       <c:legendPos val="r"/>
-      <c:layout/>
       <c:overlay val="0"/>
     </c:legend>
     <c:plotVisOnly val="1"/>
@@ -887,11 +886,11 @@
         </c:dLbls>
         <c:marker val="1"/>
         <c:smooth val="0"/>
-        <c:axId val="2096105112"/>
-        <c:axId val="2096108104"/>
+        <c:axId val="-2143485560"/>
+        <c:axId val="-2146457352"/>
       </c:lineChart>
       <c:catAx>
-        <c:axId val="2096105112"/>
+        <c:axId val="-2143485560"/>
         <c:scaling>
           <c:orientation val="minMax"/>
         </c:scaling>
@@ -910,7 +909,7 @@
             </a:solidFill>
           </a:ln>
         </c:spPr>
-        <c:crossAx val="2096108104"/>
+        <c:crossAx val="-2146457352"/>
         <c:crosses val="autoZero"/>
         <c:auto val="1"/>
         <c:lblAlgn val="ctr"/>
@@ -918,7 +917,7 @@
         <c:noMultiLvlLbl val="0"/>
       </c:catAx>
       <c:valAx>
-        <c:axId val="2096108104"/>
+        <c:axId val="-2146457352"/>
         <c:scaling>
           <c:orientation val="minMax"/>
         </c:scaling>
@@ -942,7 +941,7 @@
             <a:noFill/>
           </a:ln>
         </c:spPr>
-        <c:crossAx val="2096105112"/>
+        <c:crossAx val="-2143485560"/>
         <c:crosses val="autoZero"/>
         <c:crossBetween val="between"/>
       </c:valAx>
@@ -954,7 +953,6 @@
     </c:plotArea>
     <c:legend>
       <c:legendPos val="r"/>
-      <c:layout/>
       <c:overlay val="0"/>
     </c:legend>
     <c:plotVisOnly val="1"/>
@@ -1143,7 +1141,6 @@
     </c:plotArea>
     <c:legend>
       <c:legendPos val="r"/>
-      <c:layout/>
       <c:overlay val="0"/>
     </c:legend>
     <c:plotVisOnly val="1"/>
@@ -1252,7 +1249,7 @@
           <a:p>
             <a:fld id="{A2C2511A-3DBA-42E8-9A10-93851B7EDF84}" type="datetimeFigureOut">
               <a:rPr lang="en-US" smtClean="0"/>
-              <a:t>9/3/14</a:t>
+              <a:t>9/4/14</a:t>
             </a:fld>
             <a:endParaRPr lang="en-US"/>
           </a:p>
@@ -9429,29 +9426,42 @@
               <a:buNone/>
             </a:pPr>
             <a:r>
-              <a:rPr lang="en-US" dirty="0" smtClean="0"/>
+              <a:rPr lang="en-US" dirty="0" smtClean="0">
+                <a:hlinkClick r:id="rId2"/>
+              </a:rPr>
               <a:t>https</a:t>
             </a:r>
             <a:r>
-              <a:rPr lang="en-US" dirty="0"/>
+              <a:rPr lang="en-US" dirty="0">
+                <a:hlinkClick r:id="rId2"/>
+              </a:rPr>
               <a:t>://</a:t>
             </a:r>
             <a:r>
-              <a:rPr lang="en-US" dirty="0" err="1"/>
+              <a:rPr lang="en-US" dirty="0" err="1">
+                <a:hlinkClick r:id="rId2"/>
+              </a:rPr>
               <a:t>github.com</a:t>
             </a:r>
             <a:r>
-              <a:rPr lang="en-US" dirty="0"/>
+              <a:rPr lang="en-US" dirty="0">
+                <a:hlinkClick r:id="rId2"/>
+              </a:rPr>
               <a:t>/spring-projects/spring-</a:t>
             </a:r>
             <a:r>
-              <a:rPr lang="en-US" dirty="0" err="1"/>
+              <a:rPr lang="en-US" dirty="0" err="1">
+                <a:hlinkClick r:id="rId2"/>
+              </a:rPr>
               <a:t>xd</a:t>
             </a:r>
             <a:r>
-              <a:rPr lang="en-US" dirty="0"/>
+              <a:rPr lang="en-US" dirty="0">
+                <a:hlinkClick r:id="rId2"/>
+              </a:rPr>
               <a:t>/wiki/Batch-Jobs</a:t>
             </a:r>
+            <a:endParaRPr lang="en-US" dirty="0"/>
           </a:p>
           <a:p>
             <a:endParaRPr lang="en-US" dirty="0"/>
@@ -11070,12 +11080,6 @@
               </a:rPr>
               <a:t>&lt;/beans&gt;</a:t>
             </a:r>
-            <a:endParaRPr lang="en" sz="2400" dirty="0">
-              <a:latin typeface="Consolas"/>
-              <a:ea typeface="Consolas"/>
-              <a:cs typeface="Consolas"/>
-              <a:sym typeface="Consolas"/>
-            </a:endParaRPr>
           </a:p>
         </p:txBody>
       </p:sp>
@@ -11308,29 +11312,42 @@
               <a:buNone/>
             </a:pPr>
             <a:r>
-              <a:rPr lang="en-US" sz="1200" dirty="0" smtClean="0"/>
+              <a:rPr lang="en-US" sz="1200" dirty="0" smtClean="0">
+                <a:hlinkClick r:id="rId2"/>
+              </a:rPr>
               <a:t>https</a:t>
             </a:r>
             <a:r>
-              <a:rPr lang="en-US" sz="1200" dirty="0"/>
+              <a:rPr lang="en-US" sz="1200" dirty="0">
+                <a:hlinkClick r:id="rId2"/>
+              </a:rPr>
               <a:t>://</a:t>
             </a:r>
             <a:r>
-              <a:rPr lang="en-US" sz="1200" dirty="0" err="1"/>
+              <a:rPr lang="en-US" sz="1200" dirty="0" err="1">
+                <a:hlinkClick r:id="rId2"/>
+              </a:rPr>
               <a:t>github.com</a:t>
             </a:r>
             <a:r>
-              <a:rPr lang="en-US" sz="1200" dirty="0"/>
+              <a:rPr lang="en-US" sz="1200" dirty="0">
+                <a:hlinkClick r:id="rId2"/>
+              </a:rPr>
               <a:t>/SpringOne2GX-2014/Spring-XD-Internals/tree/master/spring-</a:t>
             </a:r>
             <a:r>
-              <a:rPr lang="en-US" sz="1200" dirty="0" err="1"/>
+              <a:rPr lang="en-US" sz="1200" dirty="0" err="1">
+                <a:hlinkClick r:id="rId2"/>
+              </a:rPr>
               <a:t>xd</a:t>
             </a:r>
             <a:r>
-              <a:rPr lang="en-US" sz="1200" dirty="0"/>
+              <a:rPr lang="en-US" sz="1200" dirty="0">
+                <a:hlinkClick r:id="rId2"/>
+              </a:rPr>
               <a:t>-source-template</a:t>
             </a:r>
+            <a:endParaRPr lang="en-US" sz="1200" dirty="0"/>
           </a:p>
           <a:p>
             <a:endParaRPr lang="en-US" dirty="0"/>

--- a/Spring-XD-Internals-A-Guided-Tour.pptx
+++ b/Spring-XD-Internals-A-Guided-Tour.pptx
@@ -5,7 +5,7 @@
     <p:sldMasterId id="2147483648" r:id="rId1"/>
   </p:sldMasterIdLst>
   <p:notesMasterIdLst>
-    <p:notesMasterId r:id="rId36"/>
+    <p:notesMasterId r:id="rId35"/>
   </p:notesMasterIdLst>
   <p:sldIdLst>
     <p:sldId id="258" r:id="rId2"/>
@@ -29,19 +29,18 @@
     <p:sldId id="295" r:id="rId20"/>
     <p:sldId id="296" r:id="rId21"/>
     <p:sldId id="297" r:id="rId22"/>
-    <p:sldId id="299" r:id="rId23"/>
-    <p:sldId id="300" r:id="rId24"/>
-    <p:sldId id="301" r:id="rId25"/>
-    <p:sldId id="302" r:id="rId26"/>
-    <p:sldId id="303" r:id="rId27"/>
-    <p:sldId id="304" r:id="rId28"/>
-    <p:sldId id="305" r:id="rId29"/>
-    <p:sldId id="306" r:id="rId30"/>
-    <p:sldId id="307" r:id="rId31"/>
-    <p:sldId id="308" r:id="rId32"/>
-    <p:sldId id="309" r:id="rId33"/>
-    <p:sldId id="310" r:id="rId34"/>
-    <p:sldId id="311" r:id="rId35"/>
+    <p:sldId id="300" r:id="rId23"/>
+    <p:sldId id="301" r:id="rId24"/>
+    <p:sldId id="302" r:id="rId25"/>
+    <p:sldId id="303" r:id="rId26"/>
+    <p:sldId id="304" r:id="rId27"/>
+    <p:sldId id="305" r:id="rId28"/>
+    <p:sldId id="306" r:id="rId29"/>
+    <p:sldId id="307" r:id="rId30"/>
+    <p:sldId id="308" r:id="rId31"/>
+    <p:sldId id="309" r:id="rId32"/>
+    <p:sldId id="310" r:id="rId33"/>
+    <p:sldId id="311" r:id="rId34"/>
   </p:sldIdLst>
   <p:sldSz cx="9144000" cy="5143500" type="screen16x9"/>
   <p:notesSz cx="6858000" cy="9144000"/>
@@ -166,7 +165,6 @@
             <p14:sldId id="295"/>
             <p14:sldId id="296"/>
             <p14:sldId id="297"/>
-            <p14:sldId id="299"/>
             <p14:sldId id="300"/>
             <p14:sldId id="301"/>
             <p14:sldId id="302"/>
@@ -8878,7 +8876,7 @@
       </p:grpSpPr>
       <p:sp>
         <p:nvSpPr>
-          <p:cNvPr id="2" name="Title 1"/>
+          <p:cNvPr id="4" name="Title 3"/>
           <p:cNvSpPr>
             <a:spLocks noGrp="1"/>
           </p:cNvSpPr>
@@ -8892,18 +8890,99 @@
           <a:lstStyle/>
           <a:p>
             <a:r>
-              <a:rPr lang="en-US" dirty="0" smtClean="0"/>
-              <a:t>Demo: </a:t>
-            </a:r>
-            <a:r>
-              <a:rPr lang="en-US" dirty="0" err="1" smtClean="0"/>
-              <a:t>ZooKeeper</a:t>
-            </a:r>
-            <a:r>
-              <a:rPr lang="en-US" dirty="0" smtClean="0"/>
-              <a:t> and Spring XD</a:t>
+              <a:rPr lang="en" dirty="0"/>
+              <a:t>ZooKeeper/Curator Challenges</a:t>
             </a:r>
             <a:endParaRPr lang="en-US" dirty="0"/>
+          </a:p>
+        </p:txBody>
+      </p:sp>
+      <p:sp>
+        <p:nvSpPr>
+          <p:cNvPr id="5" name="Content Placeholder 4"/>
+          <p:cNvSpPr>
+            <a:spLocks noGrp="1"/>
+          </p:cNvSpPr>
+          <p:nvPr>
+            <p:ph idx="1"/>
+          </p:nvPr>
+        </p:nvSpPr>
+        <p:spPr/>
+        <p:txBody>
+          <a:bodyPr>
+            <a:normAutofit/>
+          </a:bodyPr>
+          <a:lstStyle/>
+          <a:p>
+            <a:r>
+              <a:rPr lang="en-US" sz="2400" dirty="0"/>
+              <a:t>Correct handling of connection state</a:t>
+            </a:r>
+          </a:p>
+          <a:p>
+            <a:pPr marL="457200" lvl="1" indent="0">
+              <a:buNone/>
+            </a:pPr>
+            <a:r>
+              <a:rPr lang="en-US" sz="2000" dirty="0"/>
+              <a:t>SUSPENDED != </a:t>
+            </a:r>
+            <a:r>
+              <a:rPr lang="en-US" sz="2000" dirty="0" smtClean="0"/>
+              <a:t>LOST</a:t>
+            </a:r>
+          </a:p>
+          <a:p>
+            <a:r>
+              <a:rPr lang="en-US" sz="2400" dirty="0" smtClean="0"/>
+              <a:t>Admin</a:t>
+            </a:r>
+          </a:p>
+          <a:p>
+            <a:pPr lvl="1"/>
+            <a:r>
+              <a:rPr lang="en-US" sz="2000" dirty="0" smtClean="0"/>
+              <a:t>Both events result </a:t>
+            </a:r>
+            <a:r>
+              <a:rPr lang="en-US" sz="2000" dirty="0"/>
+              <a:t>in leadership relinquishment</a:t>
+            </a:r>
+            <a:endParaRPr lang="en-US" sz="1200" dirty="0"/>
+          </a:p>
+          <a:p>
+            <a:r>
+              <a:rPr lang="en-US" sz="2400" dirty="0" smtClean="0"/>
+              <a:t>Container</a:t>
+            </a:r>
+            <a:endParaRPr lang="en-US" sz="2400" dirty="0"/>
+          </a:p>
+          <a:p>
+            <a:pPr lvl="1"/>
+            <a:r>
+              <a:rPr lang="en-US" sz="2000" dirty="0"/>
+              <a:t>SUSPENDED: container allows modules to continue execution</a:t>
+            </a:r>
+          </a:p>
+          <a:p>
+            <a:pPr lvl="1"/>
+            <a:r>
+              <a:rPr lang="en-US" sz="2000" dirty="0"/>
+              <a:t>LOST: container </a:t>
+            </a:r>
+            <a:r>
+              <a:rPr lang="en-US" sz="2000" dirty="0" err="1"/>
+              <a:t>undeploys</a:t>
+            </a:r>
+            <a:r>
+              <a:rPr lang="en-US" sz="2000" dirty="0"/>
+              <a:t> </a:t>
+            </a:r>
+            <a:r>
+              <a:rPr lang="en-US" sz="2000" dirty="0" smtClean="0"/>
+              <a:t>modules</a:t>
+            </a:r>
+            <a:endParaRPr lang="en-US" sz="2000" dirty="0"/>
           </a:p>
         </p:txBody>
       </p:sp>
@@ -8933,7 +9012,7 @@
     </p:spTree>
     <p:extLst>
       <p:ext uri="{BB962C8B-B14F-4D97-AF65-F5344CB8AC3E}">
-        <p14:creationId xmlns:p14="http://schemas.microsoft.com/office/powerpoint/2010/main" val="3685587780"/>
+        <p14:creationId xmlns:p14="http://schemas.microsoft.com/office/powerpoint/2010/main" val="1126630848"/>
       </p:ext>
     </p:extLst>
   </p:cSld>
@@ -8962,7 +9041,7 @@
       </p:grpSpPr>
       <p:sp>
         <p:nvSpPr>
-          <p:cNvPr id="4" name="Title 3"/>
+          <p:cNvPr id="2" name="Title 1"/>
           <p:cNvSpPr>
             <a:spLocks noGrp="1"/>
           </p:cNvSpPr>
@@ -8977,7 +9056,11 @@
           <a:p>
             <a:r>
               <a:rPr lang="en" dirty="0"/>
-              <a:t>ZooKeeper/Curator Challenges</a:t>
+              <a:t>Distributed Testing </a:t>
+            </a:r>
+            <a:r>
+              <a:rPr lang="en" dirty="0" smtClean="0"/>
+              <a:t>Methods</a:t>
             </a:r>
             <a:endParaRPr lang="en-US" dirty="0"/>
           </a:p>
@@ -8985,7 +9068,7 @@
       </p:sp>
       <p:sp>
         <p:nvSpPr>
-          <p:cNvPr id="5" name="Content Placeholder 4"/>
+          <p:cNvPr id="3" name="Content Placeholder 2"/>
           <p:cNvSpPr>
             <a:spLocks noGrp="1"/>
           </p:cNvSpPr>
@@ -9001,80 +9084,68 @@
           <a:lstStyle/>
           <a:p>
             <a:r>
-              <a:rPr lang="en-US" sz="2400" dirty="0"/>
-              <a:t>Correct handling of connection state</a:t>
-            </a:r>
-          </a:p>
-          <a:p>
-            <a:pPr marL="457200" lvl="1" indent="0">
-              <a:buNone/>
-            </a:pPr>
-            <a:r>
-              <a:rPr lang="en-US" sz="2000" dirty="0"/>
-              <a:t>SUSPENDED != </a:t>
-            </a:r>
-            <a:r>
-              <a:rPr lang="en-US" sz="2000" dirty="0" smtClean="0"/>
-              <a:t>LOST</a:t>
-            </a:r>
-          </a:p>
-          <a:p>
-            <a:r>
-              <a:rPr lang="en-US" sz="2400" dirty="0" smtClean="0"/>
-              <a:t>Admin</a:t>
-            </a:r>
-          </a:p>
-          <a:p>
-            <a:pPr lvl="1"/>
-            <a:r>
-              <a:rPr lang="en-US" sz="2000" dirty="0" smtClean="0"/>
-              <a:t>Both events result </a:t>
-            </a:r>
-            <a:r>
-              <a:rPr lang="en-US" sz="2000" dirty="0"/>
-              <a:t>in leadership relinquishment</a:t>
-            </a:r>
-            <a:endParaRPr lang="en-US" sz="1200" dirty="0"/>
-          </a:p>
-          <a:p>
-            <a:r>
-              <a:rPr lang="en-US" sz="2400" dirty="0" smtClean="0"/>
-              <a:t>Container</a:t>
-            </a:r>
-            <a:endParaRPr lang="en-US" sz="2400" dirty="0"/>
-          </a:p>
-          <a:p>
-            <a:pPr lvl="1"/>
-            <a:r>
-              <a:rPr lang="en-US" sz="2000" dirty="0"/>
-              <a:t>SUSPENDED: container allows modules to continue execution</a:t>
-            </a:r>
-          </a:p>
-          <a:p>
-            <a:pPr lvl="1"/>
-            <a:r>
-              <a:rPr lang="en-US" sz="2000" dirty="0"/>
-              <a:t>LOST: container </a:t>
-            </a:r>
-            <a:r>
-              <a:rPr lang="en-US" sz="2000" dirty="0" err="1"/>
-              <a:t>undeploys</a:t>
-            </a:r>
-            <a:r>
-              <a:rPr lang="en-US" sz="2000" dirty="0"/>
-              <a:t> </a:t>
-            </a:r>
-            <a:r>
-              <a:rPr lang="en-US" sz="2000" dirty="0" smtClean="0"/>
-              <a:t>modules</a:t>
-            </a:r>
-            <a:endParaRPr lang="en-US" sz="2000" dirty="0"/>
-          </a:p>
-        </p:txBody>
-      </p:sp>
-      <p:sp>
-        <p:nvSpPr>
-          <p:cNvPr id="3" name="Slide Number Placeholder 2"/>
+              <a:rPr lang="en-US" sz="2800" dirty="0">
+                <a:latin typeface="Courier"/>
+                <a:cs typeface="Courier"/>
+              </a:rPr>
+              <a:t>^C</a:t>
+            </a:r>
+            <a:r>
+              <a:rPr lang="en-US" sz="2800" dirty="0"/>
+              <a:t> (clean shutdown)</a:t>
+            </a:r>
+          </a:p>
+          <a:p>
+            <a:r>
+              <a:rPr lang="en-US" sz="2800" dirty="0">
+                <a:latin typeface="Courier"/>
+                <a:cs typeface="Courier"/>
+              </a:rPr>
+              <a:t>^Z </a:t>
+            </a:r>
+            <a:r>
+              <a:rPr lang="en-US" sz="2800" dirty="0"/>
+              <a:t>(simulates a long GC)</a:t>
+            </a:r>
+          </a:p>
+          <a:p>
+            <a:r>
+              <a:rPr lang="en-US" sz="2800" dirty="0" err="1">
+                <a:latin typeface="Courier"/>
+                <a:cs typeface="Courier"/>
+              </a:rPr>
+              <a:t>iptables</a:t>
+            </a:r>
+            <a:r>
+              <a:rPr lang="en-US" sz="2800" dirty="0">
+                <a:latin typeface="Courier"/>
+                <a:cs typeface="Courier"/>
+              </a:rPr>
+              <a:t> DROP</a:t>
+            </a:r>
+          </a:p>
+          <a:p>
+            <a:r>
+              <a:rPr lang="en-US" sz="2800" dirty="0"/>
+              <a:t>Kill </a:t>
+            </a:r>
+            <a:r>
+              <a:rPr lang="en-US" sz="2800" dirty="0" err="1"/>
+              <a:t>ZooKeeper</a:t>
+            </a:r>
+            <a:r>
+              <a:rPr lang="en-US" sz="2800" dirty="0"/>
+              <a:t> servers; disrupt quorum</a:t>
+            </a:r>
+          </a:p>
+          <a:p>
+            <a:endParaRPr lang="en-US" sz="2800" dirty="0"/>
+          </a:p>
+        </p:txBody>
+      </p:sp>
+      <p:sp>
+        <p:nvSpPr>
+          <p:cNvPr id="4" name="Slide Number Placeholder 3"/>
           <p:cNvSpPr>
             <a:spLocks noGrp="1"/>
           </p:cNvSpPr>
@@ -9091,14 +9162,14 @@
               <a:rPr lang="en-US" smtClean="0"/>
               <a:t>23</a:t>
             </a:fld>
-            <a:endParaRPr lang="en-US"/>
+            <a:endParaRPr lang="en-US" dirty="0"/>
           </a:p>
         </p:txBody>
       </p:sp>
     </p:spTree>
     <p:extLst>
       <p:ext uri="{BB962C8B-B14F-4D97-AF65-F5344CB8AC3E}">
-        <p14:creationId xmlns:p14="http://schemas.microsoft.com/office/powerpoint/2010/main" val="1126630848"/>
+        <p14:creationId xmlns:p14="http://schemas.microsoft.com/office/powerpoint/2010/main" val="2024162785"/>
       </p:ext>
     </p:extLst>
   </p:cSld>
@@ -9127,7 +9198,7 @@
       </p:grpSpPr>
       <p:sp>
         <p:nvSpPr>
-          <p:cNvPr id="2" name="Title 1"/>
+          <p:cNvPr id="5" name="Title 4"/>
           <p:cNvSpPr>
             <a:spLocks noGrp="1"/>
           </p:cNvSpPr>
@@ -9141,91 +9212,10 @@
           <a:lstStyle/>
           <a:p>
             <a:r>
-              <a:rPr lang="en" dirty="0"/>
-              <a:t>Distributed Testing </a:t>
-            </a:r>
-            <a:r>
-              <a:rPr lang="en" dirty="0" smtClean="0"/>
-              <a:t>Methods</a:t>
+              <a:rPr lang="en-US" dirty="0" smtClean="0"/>
+              <a:t>Developing Custom Modules</a:t>
             </a:r>
             <a:endParaRPr lang="en-US" dirty="0"/>
-          </a:p>
-        </p:txBody>
-      </p:sp>
-      <p:sp>
-        <p:nvSpPr>
-          <p:cNvPr id="3" name="Content Placeholder 2"/>
-          <p:cNvSpPr>
-            <a:spLocks noGrp="1"/>
-          </p:cNvSpPr>
-          <p:nvPr>
-            <p:ph idx="1"/>
-          </p:nvPr>
-        </p:nvSpPr>
-        <p:spPr/>
-        <p:txBody>
-          <a:bodyPr>
-            <a:normAutofit/>
-          </a:bodyPr>
-          <a:lstStyle/>
-          <a:p>
-            <a:r>
-              <a:rPr lang="en-US" sz="2800" dirty="0">
-                <a:latin typeface="Courier"/>
-                <a:cs typeface="Courier"/>
-              </a:rPr>
-              <a:t>^C</a:t>
-            </a:r>
-            <a:r>
-              <a:rPr lang="en-US" sz="2800" dirty="0"/>
-              <a:t> (clean shutdown)</a:t>
-            </a:r>
-          </a:p>
-          <a:p>
-            <a:r>
-              <a:rPr lang="en-US" sz="2800" dirty="0">
-                <a:latin typeface="Courier"/>
-                <a:cs typeface="Courier"/>
-              </a:rPr>
-              <a:t>^Z </a:t>
-            </a:r>
-            <a:r>
-              <a:rPr lang="en-US" sz="2800" dirty="0"/>
-              <a:t>(simulates a long GC)</a:t>
-            </a:r>
-          </a:p>
-          <a:p>
-            <a:r>
-              <a:rPr lang="en-US" sz="2800" dirty="0" err="1">
-                <a:latin typeface="Courier"/>
-                <a:cs typeface="Courier"/>
-              </a:rPr>
-              <a:t>iptables</a:t>
-            </a:r>
-            <a:r>
-              <a:rPr lang="en-US" sz="2800" dirty="0">
-                <a:latin typeface="Courier"/>
-                <a:cs typeface="Courier"/>
-              </a:rPr>
-              <a:t> DROP</a:t>
-            </a:r>
-          </a:p>
-          <a:p>
-            <a:r>
-              <a:rPr lang="en-US" sz="2800" dirty="0"/>
-              <a:t>Kill </a:t>
-            </a:r>
-            <a:r>
-              <a:rPr lang="en-US" sz="2800" dirty="0" err="1"/>
-              <a:t>ZooKeeper</a:t>
-            </a:r>
-            <a:r>
-              <a:rPr lang="en-US" sz="2800" dirty="0"/>
-              <a:t> servers; disrupt quorum</a:t>
-            </a:r>
-          </a:p>
-          <a:p>
-            <a:endParaRPr lang="en-US" sz="2800" dirty="0"/>
           </a:p>
         </p:txBody>
       </p:sp>
@@ -9255,7 +9245,7 @@
     </p:spTree>
     <p:extLst>
       <p:ext uri="{BB962C8B-B14F-4D97-AF65-F5344CB8AC3E}">
-        <p14:creationId xmlns:p14="http://schemas.microsoft.com/office/powerpoint/2010/main" val="2024162785"/>
+        <p14:creationId xmlns:p14="http://schemas.microsoft.com/office/powerpoint/2010/main" val="1779201330"/>
       </p:ext>
     </p:extLst>
   </p:cSld>
@@ -9284,7 +9274,7 @@
       </p:grpSpPr>
       <p:sp>
         <p:nvSpPr>
-          <p:cNvPr id="5" name="Title 4"/>
+          <p:cNvPr id="2" name="Title 1"/>
           <p:cNvSpPr>
             <a:spLocks noGrp="1"/>
           </p:cNvSpPr>
@@ -9298,10 +9288,130 @@
           <a:lstStyle/>
           <a:p>
             <a:r>
-              <a:rPr lang="en-US" dirty="0" smtClean="0"/>
-              <a:t>Developing Custom Modules</a:t>
+              <a:rPr lang="en" dirty="0"/>
+              <a:t>Adding A Custom Stream Module</a:t>
             </a:r>
             <a:endParaRPr lang="en-US" dirty="0"/>
+          </a:p>
+        </p:txBody>
+      </p:sp>
+      <p:sp>
+        <p:nvSpPr>
+          <p:cNvPr id="3" name="Content Placeholder 2"/>
+          <p:cNvSpPr>
+            <a:spLocks noGrp="1"/>
+          </p:cNvSpPr>
+          <p:nvPr>
+            <p:ph idx="1"/>
+          </p:nvPr>
+        </p:nvSpPr>
+        <p:spPr/>
+        <p:txBody>
+          <a:bodyPr/>
+          <a:lstStyle/>
+          <a:p>
+            <a:pPr marL="0" indent="0">
+              <a:buNone/>
+            </a:pPr>
+            <a:r>
+              <a:rPr lang="en-US" dirty="0"/>
+              <a:t>The focus of this section is adding a custom module for building </a:t>
+            </a:r>
+            <a:r>
+              <a:rPr lang="en-US" i="1" dirty="0"/>
+              <a:t>streams</a:t>
+            </a:r>
+            <a:r>
+              <a:rPr lang="en-US" dirty="0"/>
+              <a:t>. For more information about </a:t>
+            </a:r>
+            <a:r>
+              <a:rPr lang="en-US" i="1" dirty="0"/>
+              <a:t>job</a:t>
+            </a:r>
+            <a:r>
+              <a:rPr lang="en-US" dirty="0"/>
+              <a:t> modules see: </a:t>
+            </a:r>
+            <a:endParaRPr lang="en-US" dirty="0" smtClean="0"/>
+          </a:p>
+          <a:p>
+            <a:pPr marL="0" indent="0">
+              <a:buNone/>
+            </a:pPr>
+            <a:r>
+              <a:rPr lang="en-US" dirty="0" smtClean="0">
+                <a:hlinkClick r:id="rId2"/>
+              </a:rPr>
+              <a:t>https</a:t>
+            </a:r>
+            <a:r>
+              <a:rPr lang="en-US" dirty="0">
+                <a:hlinkClick r:id="rId2"/>
+              </a:rPr>
+              <a:t>://</a:t>
+            </a:r>
+            <a:r>
+              <a:rPr lang="en-US" dirty="0" err="1">
+                <a:hlinkClick r:id="rId2"/>
+              </a:rPr>
+              <a:t>github.com</a:t>
+            </a:r>
+            <a:r>
+              <a:rPr lang="en-US" dirty="0">
+                <a:hlinkClick r:id="rId2"/>
+              </a:rPr>
+              <a:t>/spring-projects/spring-</a:t>
+            </a:r>
+            <a:r>
+              <a:rPr lang="en-US" dirty="0" err="1">
+                <a:hlinkClick r:id="rId2"/>
+              </a:rPr>
+              <a:t>xd</a:t>
+            </a:r>
+            <a:r>
+              <a:rPr lang="en-US" dirty="0">
+                <a:hlinkClick r:id="rId2"/>
+              </a:rPr>
+              <a:t>/wiki/Batch-Jobs</a:t>
+            </a:r>
+            <a:endParaRPr lang="en-US" dirty="0"/>
+          </a:p>
+          <a:p>
+            <a:endParaRPr lang="en-US" dirty="0"/>
+          </a:p>
+          <a:p>
+            <a:pPr marL="0" indent="0">
+              <a:buNone/>
+            </a:pPr>
+            <a:r>
+              <a:rPr lang="en-US" dirty="0"/>
+              <a:t>This section will cover:</a:t>
+            </a:r>
+          </a:p>
+          <a:p>
+            <a:r>
+              <a:rPr lang="en-US" dirty="0"/>
+              <a:t>Module Registry</a:t>
+            </a:r>
+          </a:p>
+          <a:p>
+            <a:r>
+              <a:rPr lang="en-US" dirty="0"/>
+              <a:t>Module Artifacts</a:t>
+            </a:r>
+          </a:p>
+          <a:p>
+            <a:r>
+              <a:rPr lang="en-US" dirty="0"/>
+              <a:t>Stream Modules: Source, Processor, Sink</a:t>
+            </a:r>
+          </a:p>
+          <a:p>
+            <a:r>
+              <a:rPr lang="en-US" dirty="0"/>
+              <a:t>Example Source Module </a:t>
+            </a:r>
           </a:p>
         </p:txBody>
       </p:sp>
@@ -9331,7 +9441,7 @@
     </p:spTree>
     <p:extLst>
       <p:ext uri="{BB962C8B-B14F-4D97-AF65-F5344CB8AC3E}">
-        <p14:creationId xmlns:p14="http://schemas.microsoft.com/office/powerpoint/2010/main" val="1779201330"/>
+        <p14:creationId xmlns:p14="http://schemas.microsoft.com/office/powerpoint/2010/main" val="2780996698"/>
       </p:ext>
     </p:extLst>
   </p:cSld>
@@ -9375,202 +9485,6 @@
           <a:p>
             <a:r>
               <a:rPr lang="en" dirty="0"/>
-              <a:t>Adding A Custom Stream Module</a:t>
-            </a:r>
-            <a:endParaRPr lang="en-US" dirty="0"/>
-          </a:p>
-        </p:txBody>
-      </p:sp>
-      <p:sp>
-        <p:nvSpPr>
-          <p:cNvPr id="3" name="Content Placeholder 2"/>
-          <p:cNvSpPr>
-            <a:spLocks noGrp="1"/>
-          </p:cNvSpPr>
-          <p:nvPr>
-            <p:ph idx="1"/>
-          </p:nvPr>
-        </p:nvSpPr>
-        <p:spPr/>
-        <p:txBody>
-          <a:bodyPr/>
-          <a:lstStyle/>
-          <a:p>
-            <a:pPr marL="0" indent="0">
-              <a:buNone/>
-            </a:pPr>
-            <a:r>
-              <a:rPr lang="en-US" dirty="0"/>
-              <a:t>The focus of this section is adding a custom module for building </a:t>
-            </a:r>
-            <a:r>
-              <a:rPr lang="en-US" i="1" dirty="0"/>
-              <a:t>streams</a:t>
-            </a:r>
-            <a:r>
-              <a:rPr lang="en-US" dirty="0"/>
-              <a:t>. For more information about </a:t>
-            </a:r>
-            <a:r>
-              <a:rPr lang="en-US" i="1" dirty="0"/>
-              <a:t>job</a:t>
-            </a:r>
-            <a:r>
-              <a:rPr lang="en-US" dirty="0"/>
-              <a:t> modules see: </a:t>
-            </a:r>
-            <a:endParaRPr lang="en-US" dirty="0" smtClean="0"/>
-          </a:p>
-          <a:p>
-            <a:pPr marL="0" indent="0">
-              <a:buNone/>
-            </a:pPr>
-            <a:r>
-              <a:rPr lang="en-US" dirty="0" smtClean="0">
-                <a:hlinkClick r:id="rId2"/>
-              </a:rPr>
-              <a:t>https</a:t>
-            </a:r>
-            <a:r>
-              <a:rPr lang="en-US" dirty="0">
-                <a:hlinkClick r:id="rId2"/>
-              </a:rPr>
-              <a:t>://</a:t>
-            </a:r>
-            <a:r>
-              <a:rPr lang="en-US" dirty="0" err="1">
-                <a:hlinkClick r:id="rId2"/>
-              </a:rPr>
-              <a:t>github.com</a:t>
-            </a:r>
-            <a:r>
-              <a:rPr lang="en-US" dirty="0">
-                <a:hlinkClick r:id="rId2"/>
-              </a:rPr>
-              <a:t>/spring-projects/spring-</a:t>
-            </a:r>
-            <a:r>
-              <a:rPr lang="en-US" dirty="0" err="1">
-                <a:hlinkClick r:id="rId2"/>
-              </a:rPr>
-              <a:t>xd</a:t>
-            </a:r>
-            <a:r>
-              <a:rPr lang="en-US" dirty="0">
-                <a:hlinkClick r:id="rId2"/>
-              </a:rPr>
-              <a:t>/wiki/Batch-Jobs</a:t>
-            </a:r>
-            <a:endParaRPr lang="en-US" dirty="0"/>
-          </a:p>
-          <a:p>
-            <a:endParaRPr lang="en-US" dirty="0"/>
-          </a:p>
-          <a:p>
-            <a:pPr marL="0" indent="0">
-              <a:buNone/>
-            </a:pPr>
-            <a:r>
-              <a:rPr lang="en-US" dirty="0"/>
-              <a:t>This section will cover:</a:t>
-            </a:r>
-          </a:p>
-          <a:p>
-            <a:r>
-              <a:rPr lang="en-US" dirty="0"/>
-              <a:t>Module Registry</a:t>
-            </a:r>
-          </a:p>
-          <a:p>
-            <a:r>
-              <a:rPr lang="en-US" dirty="0"/>
-              <a:t>Module Artifacts</a:t>
-            </a:r>
-          </a:p>
-          <a:p>
-            <a:r>
-              <a:rPr lang="en-US" dirty="0"/>
-              <a:t>Stream Modules: Source, Processor, Sink</a:t>
-            </a:r>
-          </a:p>
-          <a:p>
-            <a:r>
-              <a:rPr lang="en-US" dirty="0"/>
-              <a:t>Example Source Module </a:t>
-            </a:r>
-          </a:p>
-        </p:txBody>
-      </p:sp>
-      <p:sp>
-        <p:nvSpPr>
-          <p:cNvPr id="4" name="Slide Number Placeholder 3"/>
-          <p:cNvSpPr>
-            <a:spLocks noGrp="1"/>
-          </p:cNvSpPr>
-          <p:nvPr>
-            <p:ph type="sldNum" sz="quarter" idx="12"/>
-          </p:nvPr>
-        </p:nvSpPr>
-        <p:spPr/>
-        <p:txBody>
-          <a:bodyPr/>
-          <a:lstStyle/>
-          <a:p>
-            <a:fld id="{3CA7D8A6-1136-4C38-ADB5-83A54ED516A9}" type="slidenum">
-              <a:rPr lang="en-US" smtClean="0"/>
-              <a:t>26</a:t>
-            </a:fld>
-            <a:endParaRPr lang="en-US" dirty="0"/>
-          </a:p>
-        </p:txBody>
-      </p:sp>
-    </p:spTree>
-    <p:extLst>
-      <p:ext uri="{BB962C8B-B14F-4D97-AF65-F5344CB8AC3E}">
-        <p14:creationId xmlns:p14="http://schemas.microsoft.com/office/powerpoint/2010/main" val="2780996698"/>
-      </p:ext>
-    </p:extLst>
-  </p:cSld>
-  <p:clrMapOvr>
-    <a:masterClrMapping/>
-  </p:clrMapOvr>
-</p:sld>
-</file>
-
-<file path=ppt/slides/slide27.xml><?xml version="1.0" encoding="utf-8"?>
-<p:sld xmlns:a="http://schemas.openxmlformats.org/drawingml/2006/main" xmlns:r="http://schemas.openxmlformats.org/officeDocument/2006/relationships" xmlns:p="http://schemas.openxmlformats.org/presentationml/2006/main">
-  <p:cSld>
-    <p:spTree>
-      <p:nvGrpSpPr>
-        <p:cNvPr id="1" name=""/>
-        <p:cNvGrpSpPr/>
-        <p:nvPr/>
-      </p:nvGrpSpPr>
-      <p:grpSpPr>
-        <a:xfrm>
-          <a:off x="0" y="0"/>
-          <a:ext cx="0" cy="0"/>
-          <a:chOff x="0" y="0"/>
-          <a:chExt cx="0" cy="0"/>
-        </a:xfrm>
-      </p:grpSpPr>
-      <p:sp>
-        <p:nvSpPr>
-          <p:cNvPr id="2" name="Title 1"/>
-          <p:cNvSpPr>
-            <a:spLocks noGrp="1"/>
-          </p:cNvSpPr>
-          <p:nvPr>
-            <p:ph type="title"/>
-          </p:nvPr>
-        </p:nvSpPr>
-        <p:spPr/>
-        <p:txBody>
-          <a:bodyPr/>
-          <a:lstStyle/>
-          <a:p>
-            <a:r>
-              <a:rPr lang="en" dirty="0"/>
               <a:t>Module Registry</a:t>
             </a:r>
             <a:endParaRPr lang="en-US" dirty="0"/>
@@ -9656,7 +9570,7 @@
           <a:p>
             <a:fld id="{3CA7D8A6-1136-4C38-ADB5-83A54ED516A9}" type="slidenum">
               <a:rPr lang="en-US" smtClean="0"/>
-              <a:t>27</a:t>
+              <a:t>26</a:t>
             </a:fld>
             <a:endParaRPr lang="en-US" dirty="0"/>
           </a:p>
@@ -9713,6 +9627,190 @@
 </p:sld>
 </file>
 
+<file path=ppt/slides/slide27.xml><?xml version="1.0" encoding="utf-8"?>
+<p:sld xmlns:a="http://schemas.openxmlformats.org/drawingml/2006/main" xmlns:r="http://schemas.openxmlformats.org/officeDocument/2006/relationships" xmlns:p="http://schemas.openxmlformats.org/presentationml/2006/main">
+  <p:cSld>
+    <p:spTree>
+      <p:nvGrpSpPr>
+        <p:cNvPr id="1" name=""/>
+        <p:cNvGrpSpPr/>
+        <p:nvPr/>
+      </p:nvGrpSpPr>
+      <p:grpSpPr>
+        <a:xfrm>
+          <a:off x="0" y="0"/>
+          <a:ext cx="0" cy="0"/>
+          <a:chOff x="0" y="0"/>
+          <a:chExt cx="0" cy="0"/>
+        </a:xfrm>
+      </p:grpSpPr>
+      <p:sp>
+        <p:nvSpPr>
+          <p:cNvPr id="6" name="Title 5"/>
+          <p:cNvSpPr>
+            <a:spLocks noGrp="1"/>
+          </p:cNvSpPr>
+          <p:nvPr>
+            <p:ph type="title"/>
+          </p:nvPr>
+        </p:nvSpPr>
+        <p:spPr/>
+        <p:txBody>
+          <a:bodyPr/>
+          <a:lstStyle/>
+          <a:p>
+            <a:r>
+              <a:rPr lang="en" dirty="0"/>
+              <a:t>Module Artifacts</a:t>
+            </a:r>
+            <a:endParaRPr lang="en-US" dirty="0"/>
+          </a:p>
+        </p:txBody>
+      </p:sp>
+      <p:sp>
+        <p:nvSpPr>
+          <p:cNvPr id="7" name="Content Placeholder 6"/>
+          <p:cNvSpPr>
+            <a:spLocks noGrp="1"/>
+          </p:cNvSpPr>
+          <p:nvPr>
+            <p:ph idx="1"/>
+          </p:nvPr>
+        </p:nvSpPr>
+        <p:spPr/>
+        <p:txBody>
+          <a:bodyPr/>
+          <a:lstStyle/>
+          <a:p>
+            <a:pPr marL="0" indent="0">
+              <a:buNone/>
+            </a:pPr>
+            <a:r>
+              <a:rPr lang="en-US" dirty="0"/>
+              <a:t>Spring XD 1.0 requires:</a:t>
+            </a:r>
+          </a:p>
+          <a:p>
+            <a:r>
+              <a:rPr lang="en-US" dirty="0"/>
+              <a:t>XML Spring bean definition file </a:t>
+            </a:r>
+            <a:r>
+              <a:rPr lang="en-US" dirty="0">
+                <a:latin typeface="Courier"/>
+                <a:cs typeface="Courier"/>
+              </a:rPr>
+              <a:t>&lt;module-name&gt;.</a:t>
+            </a:r>
+            <a:r>
+              <a:rPr lang="en-US" dirty="0" smtClean="0">
+                <a:latin typeface="Courier"/>
+                <a:cs typeface="Courier"/>
+              </a:rPr>
+              <a:t>xml</a:t>
+            </a:r>
+          </a:p>
+          <a:p>
+            <a:pPr marL="457200" lvl="1" indent="0">
+              <a:buNone/>
+            </a:pPr>
+            <a:r>
+              <a:rPr lang="en-US" dirty="0" smtClean="0"/>
+              <a:t>(</a:t>
+            </a:r>
+            <a:r>
+              <a:rPr lang="en-US" dirty="0"/>
+              <a:t>Component scanning </a:t>
+            </a:r>
+            <a:r>
+              <a:rPr lang="en-US" dirty="0" smtClean="0"/>
+              <a:t>configured, at </a:t>
+            </a:r>
+            <a:r>
+              <a:rPr lang="en-US" dirty="0"/>
+              <a:t>a minimum)</a:t>
+            </a:r>
+          </a:p>
+          <a:p>
+            <a:r>
+              <a:rPr lang="en-US" dirty="0"/>
+              <a:t>Typically, a jar containing custom code installed in the module’s lib directory</a:t>
+            </a:r>
+          </a:p>
+          <a:p>
+            <a:r>
+              <a:rPr lang="en-US" dirty="0"/>
+              <a:t>Dependent jars installed in the module’s lib directory</a:t>
+            </a:r>
+          </a:p>
+          <a:p>
+            <a:r>
+              <a:rPr lang="en-US" dirty="0"/>
+              <a:t>Module classes are first loaded by the </a:t>
+            </a:r>
+            <a:r>
+              <a:rPr lang="en-US" dirty="0" err="1"/>
+              <a:t>ModuleClassLoader</a:t>
+            </a:r>
+            <a:r>
+              <a:rPr lang="en-US" dirty="0"/>
+              <a:t> (module/lib) and then the System </a:t>
+            </a:r>
+            <a:r>
+              <a:rPr lang="en-US" dirty="0" err="1"/>
+              <a:t>ClassLoader</a:t>
+            </a:r>
+            <a:r>
+              <a:rPr lang="en-US" dirty="0"/>
+              <a:t> (</a:t>
+            </a:r>
+            <a:r>
+              <a:rPr lang="en-US" dirty="0" err="1"/>
+              <a:t>xd</a:t>
+            </a:r>
+            <a:r>
+              <a:rPr lang="en-US" dirty="0"/>
+              <a:t>/lib)</a:t>
+            </a:r>
+          </a:p>
+        </p:txBody>
+      </p:sp>
+      <p:sp>
+        <p:nvSpPr>
+          <p:cNvPr id="5" name="Slide Number Placeholder 4"/>
+          <p:cNvSpPr>
+            <a:spLocks noGrp="1"/>
+          </p:cNvSpPr>
+          <p:nvPr>
+            <p:ph type="sldNum" sz="quarter" idx="12"/>
+          </p:nvPr>
+        </p:nvSpPr>
+        <p:spPr/>
+        <p:txBody>
+          <a:bodyPr/>
+          <a:lstStyle/>
+          <a:p>
+            <a:fld id="{3CA7D8A6-1136-4C38-ADB5-83A54ED516A9}" type="slidenum">
+              <a:rPr lang="en-US" smtClean="0"/>
+              <a:t>27</a:t>
+            </a:fld>
+            <a:endParaRPr lang="en-US"/>
+          </a:p>
+        </p:txBody>
+      </p:sp>
+    </p:spTree>
+    <p:extLst>
+      <p:ext uri="{BB962C8B-B14F-4D97-AF65-F5344CB8AC3E}">
+        <p14:creationId xmlns:p14="http://schemas.microsoft.com/office/powerpoint/2010/main" val="1230910629"/>
+      </p:ext>
+    </p:extLst>
+  </p:cSld>
+  <p:clrMapOvr>
+    <a:masterClrMapping/>
+  </p:clrMapOvr>
+</p:sld>
+</file>
+
 <file path=ppt/slides/slide28.xml><?xml version="1.0" encoding="utf-8"?>
 <p:sld xmlns:a="http://schemas.openxmlformats.org/drawingml/2006/main" xmlns:r="http://schemas.openxmlformats.org/officeDocument/2006/relationships" xmlns:p="http://schemas.openxmlformats.org/presentationml/2006/main">
   <p:cSld>
@@ -9732,7 +9830,7 @@
       </p:grpSpPr>
       <p:sp>
         <p:nvSpPr>
-          <p:cNvPr id="6" name="Title 5"/>
+          <p:cNvPr id="2" name="Title 1"/>
           <p:cNvSpPr>
             <a:spLocks noGrp="1"/>
           </p:cNvSpPr>
@@ -9747,7 +9845,7 @@
           <a:p>
             <a:r>
               <a:rPr lang="en" dirty="0"/>
-              <a:t>Module Artifacts</a:t>
+              <a:t>Custom Processor Module</a:t>
             </a:r>
             <a:endParaRPr lang="en-US" dirty="0"/>
           </a:p>
@@ -9755,7 +9853,7 @@
       </p:sp>
       <p:sp>
         <p:nvSpPr>
-          <p:cNvPr id="7" name="Content Placeholder 6"/>
+          <p:cNvPr id="3" name="Content Placeholder 2"/>
           <p:cNvSpPr>
             <a:spLocks noGrp="1"/>
           </p:cNvSpPr>
@@ -9765,7 +9863,9 @@
         </p:nvSpPr>
         <p:spPr/>
         <p:txBody>
-          <a:bodyPr/>
+          <a:bodyPr>
+            <a:normAutofit fontScale="85000" lnSpcReduction="20000"/>
+          </a:bodyPr>
           <a:lstStyle/>
           <a:p>
             <a:pPr marL="0" indent="0">
@@ -9773,97 +9873,443 @@
             </a:pPr>
             <a:r>
               <a:rPr lang="en-US" dirty="0"/>
-              <a:t>Spring XD 1.0 requires:</a:t>
-            </a:r>
-          </a:p>
-          <a:p>
+              <a:t>A </a:t>
+            </a:r>
+            <a:r>
+              <a:rPr lang="en-US" i="1" dirty="0"/>
+              <a:t>processor</a:t>
+            </a:r>
             <a:r>
               <a:rPr lang="en-US" dirty="0"/>
-              <a:t>XML Spring bean definition file </a:t>
-            </a:r>
-            <a:r>
-              <a:rPr lang="en-US" dirty="0">
-                <a:latin typeface="Courier"/>
-                <a:cs typeface="Courier"/>
-              </a:rPr>
-              <a:t>&lt;module-name&gt;.</a:t>
-            </a:r>
-            <a:r>
-              <a:rPr lang="en-US" dirty="0" smtClean="0">
-                <a:latin typeface="Courier"/>
-                <a:cs typeface="Courier"/>
-              </a:rPr>
-              <a:t>xml</a:t>
-            </a:r>
-          </a:p>
-          <a:p>
-            <a:pPr marL="457200" lvl="1" indent="0">
+              <a:t> module is typically the easiest to implement </a:t>
+            </a:r>
+          </a:p>
+          <a:p>
+            <a:r>
+              <a:rPr lang="en-US" dirty="0"/>
+              <a:t>Spring XD includes </a:t>
+            </a:r>
+            <a:r>
+              <a:rPr lang="en-US" i="1" dirty="0"/>
+              <a:t>transform</a:t>
+            </a:r>
+            <a:r>
+              <a:rPr lang="en-US" dirty="0"/>
+              <a:t> and </a:t>
+            </a:r>
+            <a:r>
+              <a:rPr lang="en-US" i="1" dirty="0"/>
+              <a:t>filter</a:t>
+            </a:r>
+            <a:r>
+              <a:rPr lang="en-US" dirty="0"/>
+              <a:t> processors out of the box, backed by </a:t>
+            </a:r>
+            <a:r>
+              <a:rPr lang="en-US" dirty="0" err="1"/>
+              <a:t>SpEL</a:t>
+            </a:r>
+            <a:r>
+              <a:rPr lang="en-US" dirty="0"/>
+              <a:t> expressions or Groovy scripts</a:t>
+            </a:r>
+          </a:p>
+          <a:p>
+            <a:r>
+              <a:rPr lang="en-US" dirty="0"/>
+              <a:t>When this is not enough, you can write your </a:t>
+            </a:r>
+            <a:r>
+              <a:rPr lang="en-US" dirty="0" smtClean="0"/>
+              <a:t>own</a:t>
+            </a:r>
+          </a:p>
+          <a:p>
+            <a:endParaRPr lang="en-US" dirty="0"/>
+          </a:p>
+          <a:p>
+            <a:pPr>
+              <a:spcBef>
+                <a:spcPts val="0"/>
+              </a:spcBef>
               <a:buNone/>
             </a:pPr>
             <a:r>
-              <a:rPr lang="en-US" dirty="0" smtClean="0"/>
-              <a:t>(</a:t>
-            </a:r>
-            <a:r>
-              <a:rPr lang="en-US" dirty="0"/>
-              <a:t>Component scanning </a:t>
-            </a:r>
-            <a:r>
-              <a:rPr lang="en-US" dirty="0" smtClean="0"/>
-              <a:t>configured, at </a:t>
-            </a:r>
-            <a:r>
-              <a:rPr lang="en-US" dirty="0"/>
-              <a:t>a minimum)</a:t>
-            </a:r>
-          </a:p>
-          <a:p>
-            <a:r>
-              <a:rPr lang="en-US" dirty="0"/>
-              <a:t>Typically, a jar containing custom code installed in the module’s lib directory</a:t>
-            </a:r>
-          </a:p>
-          <a:p>
-            <a:r>
-              <a:rPr lang="en-US" dirty="0"/>
-              <a:t>Dependent jars installed in the module’s lib directory</a:t>
-            </a:r>
-          </a:p>
-          <a:p>
-            <a:r>
-              <a:rPr lang="en-US" dirty="0"/>
-              <a:t>Module classes are first loaded by the </a:t>
-            </a:r>
-            <a:r>
-              <a:rPr lang="en-US" dirty="0" err="1"/>
-              <a:t>ModuleClassLoader</a:t>
-            </a:r>
-            <a:r>
-              <a:rPr lang="en-US" dirty="0"/>
-              <a:t> (module/lib) and then the System </a:t>
-            </a:r>
-            <a:r>
-              <a:rPr lang="en-US" dirty="0" err="1"/>
-              <a:t>ClassLoader</a:t>
-            </a:r>
-            <a:r>
-              <a:rPr lang="en-US" dirty="0"/>
-              <a:t> (</a:t>
-            </a:r>
-            <a:r>
-              <a:rPr lang="en-US" dirty="0" err="1"/>
-              <a:t>xd</a:t>
-            </a:r>
-            <a:r>
-              <a:rPr lang="en-US" dirty="0"/>
-              <a:t>/lib)</a:t>
-            </a:r>
-          </a:p>
-        </p:txBody>
-      </p:sp>
-      <p:sp>
-        <p:nvSpPr>
-          <p:cNvPr id="5" name="Slide Number Placeholder 4"/>
+              <a:rPr lang="en" sz="2400" dirty="0">
+                <a:solidFill>
+                  <a:schemeClr val="accent3">
+                    <a:lumMod val="50000"/>
+                  </a:schemeClr>
+                </a:solidFill>
+                <a:latin typeface="Consolas"/>
+                <a:ea typeface="Consolas"/>
+                <a:cs typeface="Consolas"/>
+                <a:sym typeface="Consolas"/>
+              </a:rPr>
+              <a:t>---myProcessor.xml---</a:t>
+            </a:r>
+          </a:p>
+          <a:p>
+            <a:pPr>
+              <a:spcBef>
+                <a:spcPts val="0"/>
+              </a:spcBef>
+              <a:buNone/>
+            </a:pPr>
+            <a:r>
+              <a:rPr lang="en" sz="2400" dirty="0">
+                <a:latin typeface="Consolas"/>
+                <a:ea typeface="Consolas"/>
+                <a:cs typeface="Consolas"/>
+                <a:sym typeface="Consolas"/>
+              </a:rPr>
+              <a:t>&lt;beans&gt; …</a:t>
+            </a:r>
+          </a:p>
+          <a:p>
+            <a:pPr>
+              <a:spcBef>
+                <a:spcPts val="0"/>
+              </a:spcBef>
+              <a:buNone/>
+            </a:pPr>
+            <a:r>
+              <a:rPr lang="en" sz="2400" dirty="0">
+                <a:latin typeface="Consolas"/>
+                <a:ea typeface="Consolas"/>
+                <a:cs typeface="Consolas"/>
+                <a:sym typeface="Consolas"/>
+              </a:rPr>
+              <a:t>  &lt;int:channel </a:t>
+            </a:r>
+            <a:r>
+              <a:rPr lang="en" sz="2400" dirty="0">
+                <a:solidFill>
+                  <a:srgbClr val="45818E"/>
+                </a:solidFill>
+                <a:latin typeface="Consolas"/>
+                <a:ea typeface="Consolas"/>
+                <a:cs typeface="Consolas"/>
+                <a:sym typeface="Consolas"/>
+              </a:rPr>
+              <a:t>id</a:t>
+            </a:r>
+            <a:r>
+              <a:rPr lang="en" sz="2400" dirty="0">
+                <a:latin typeface="Consolas"/>
+                <a:ea typeface="Consolas"/>
+                <a:cs typeface="Consolas"/>
+                <a:sym typeface="Consolas"/>
+              </a:rPr>
+              <a:t>=</a:t>
+            </a:r>
+            <a:r>
+              <a:rPr lang="en" sz="2400" dirty="0">
+                <a:solidFill>
+                  <a:srgbClr val="FF0000"/>
+                </a:solidFill>
+                <a:latin typeface="Consolas"/>
+                <a:ea typeface="Consolas"/>
+                <a:cs typeface="Consolas"/>
+                <a:sym typeface="Consolas"/>
+              </a:rPr>
+              <a:t>”input”</a:t>
+            </a:r>
+            <a:r>
+              <a:rPr lang="en" sz="2400" dirty="0">
+                <a:latin typeface="Consolas"/>
+                <a:ea typeface="Consolas"/>
+                <a:cs typeface="Consolas"/>
+                <a:sym typeface="Consolas"/>
+              </a:rPr>
+              <a:t>/&gt;</a:t>
+            </a:r>
+          </a:p>
+          <a:p>
+            <a:pPr>
+              <a:spcBef>
+                <a:spcPts val="0"/>
+              </a:spcBef>
+              <a:buNone/>
+            </a:pPr>
+            <a:r>
+              <a:rPr lang="en" sz="2400" dirty="0">
+                <a:latin typeface="Consolas"/>
+                <a:ea typeface="Consolas"/>
+                <a:cs typeface="Consolas"/>
+                <a:sym typeface="Consolas"/>
+              </a:rPr>
+              <a:t>  &lt;int:channel </a:t>
+            </a:r>
+            <a:r>
+              <a:rPr lang="en" sz="2400" dirty="0">
+                <a:solidFill>
+                  <a:srgbClr val="76A5AF"/>
+                </a:solidFill>
+                <a:latin typeface="Consolas"/>
+                <a:ea typeface="Consolas"/>
+                <a:cs typeface="Consolas"/>
+                <a:sym typeface="Consolas"/>
+              </a:rPr>
+              <a:t>id</a:t>
+            </a:r>
+            <a:r>
+              <a:rPr lang="en" sz="2400" dirty="0">
+                <a:latin typeface="Consolas"/>
+                <a:ea typeface="Consolas"/>
+                <a:cs typeface="Consolas"/>
+                <a:sym typeface="Consolas"/>
+              </a:rPr>
+              <a:t>=</a:t>
+            </a:r>
+            <a:r>
+              <a:rPr lang="en" sz="2400" dirty="0">
+                <a:solidFill>
+                  <a:srgbClr val="FF0000"/>
+                </a:solidFill>
+                <a:latin typeface="Consolas"/>
+                <a:ea typeface="Consolas"/>
+                <a:cs typeface="Consolas"/>
+                <a:sym typeface="Consolas"/>
+              </a:rPr>
+              <a:t>”output”</a:t>
+            </a:r>
+            <a:r>
+              <a:rPr lang="en" sz="2400" dirty="0">
+                <a:latin typeface="Consolas"/>
+                <a:ea typeface="Consolas"/>
+                <a:cs typeface="Consolas"/>
+                <a:sym typeface="Consolas"/>
+              </a:rPr>
+              <a:t>/&gt;</a:t>
+            </a:r>
+          </a:p>
+          <a:p>
+            <a:pPr>
+              <a:spcBef>
+                <a:spcPts val="0"/>
+              </a:spcBef>
+              <a:buNone/>
+            </a:pPr>
+            <a:r>
+              <a:rPr lang="en" sz="2400" dirty="0">
+                <a:latin typeface="Consolas"/>
+                <a:ea typeface="Consolas"/>
+                <a:cs typeface="Consolas"/>
+                <a:sym typeface="Consolas"/>
+              </a:rPr>
+              <a:t>  &lt;int:transformer </a:t>
+            </a:r>
+            <a:r>
+              <a:rPr lang="en" sz="2400" dirty="0">
+                <a:solidFill>
+                  <a:srgbClr val="76A5AF"/>
+                </a:solidFill>
+                <a:latin typeface="Consolas"/>
+                <a:ea typeface="Consolas"/>
+                <a:cs typeface="Consolas"/>
+                <a:sym typeface="Consolas"/>
+              </a:rPr>
+              <a:t>input-channel</a:t>
+            </a:r>
+            <a:r>
+              <a:rPr lang="en" sz="2400" dirty="0">
+                <a:latin typeface="Consolas"/>
+                <a:ea typeface="Consolas"/>
+                <a:cs typeface="Consolas"/>
+                <a:sym typeface="Consolas"/>
+              </a:rPr>
+              <a:t>=</a:t>
+            </a:r>
+            <a:r>
+              <a:rPr lang="en" sz="2400" dirty="0">
+                <a:solidFill>
+                  <a:srgbClr val="FF0000"/>
+                </a:solidFill>
+                <a:latin typeface="Consolas"/>
+                <a:ea typeface="Consolas"/>
+                <a:cs typeface="Consolas"/>
+                <a:sym typeface="Consolas"/>
+              </a:rPr>
+              <a:t>”input”</a:t>
+            </a:r>
+            <a:r>
+              <a:rPr lang="en" sz="2400" dirty="0">
+                <a:latin typeface="Consolas"/>
+                <a:ea typeface="Consolas"/>
+                <a:cs typeface="Consolas"/>
+                <a:sym typeface="Consolas"/>
+              </a:rPr>
+              <a:t> </a:t>
+            </a:r>
+            <a:r>
+              <a:rPr lang="en" sz="2400" dirty="0">
+                <a:solidFill>
+                  <a:srgbClr val="76A5AF"/>
+                </a:solidFill>
+                <a:latin typeface="Consolas"/>
+                <a:ea typeface="Consolas"/>
+                <a:cs typeface="Consolas"/>
+                <a:sym typeface="Consolas"/>
+              </a:rPr>
+              <a:t>output-channel</a:t>
+            </a:r>
+            <a:r>
+              <a:rPr lang="en" sz="2400" dirty="0">
+                <a:latin typeface="Consolas"/>
+                <a:ea typeface="Consolas"/>
+                <a:cs typeface="Consolas"/>
+                <a:sym typeface="Consolas"/>
+              </a:rPr>
+              <a:t>=</a:t>
+            </a:r>
+            <a:r>
+              <a:rPr lang="en" sz="2400" dirty="0">
+                <a:solidFill>
+                  <a:srgbClr val="FF0000"/>
+                </a:solidFill>
+                <a:latin typeface="Consolas"/>
+                <a:ea typeface="Consolas"/>
+                <a:cs typeface="Consolas"/>
+                <a:sym typeface="Consolas"/>
+              </a:rPr>
+              <a:t>”output”</a:t>
+            </a:r>
+            <a:r>
+              <a:rPr lang="en" sz="2400" dirty="0">
+                <a:latin typeface="Consolas"/>
+                <a:ea typeface="Consolas"/>
+                <a:cs typeface="Consolas"/>
+                <a:sym typeface="Consolas"/>
+              </a:rPr>
+              <a:t>&gt;</a:t>
+            </a:r>
+          </a:p>
+          <a:p>
+            <a:pPr marL="457200" indent="457200">
+              <a:spcBef>
+                <a:spcPts val="0"/>
+              </a:spcBef>
+              <a:buNone/>
+            </a:pPr>
+            <a:r>
+              <a:rPr lang="en" sz="2400" dirty="0">
+                <a:solidFill>
+                  <a:srgbClr val="000000"/>
+                </a:solidFill>
+                <a:latin typeface="Consolas"/>
+                <a:ea typeface="Consolas"/>
+                <a:cs typeface="Consolas"/>
+                <a:sym typeface="Consolas"/>
+              </a:rPr>
+              <a:t>&lt;bean</a:t>
+            </a:r>
+            <a:r>
+              <a:rPr lang="en" sz="2400" dirty="0">
+                <a:solidFill>
+                  <a:srgbClr val="000080"/>
+                </a:solidFill>
+                <a:latin typeface="Consolas"/>
+                <a:ea typeface="Consolas"/>
+                <a:cs typeface="Consolas"/>
+                <a:sym typeface="Consolas"/>
+              </a:rPr>
+              <a:t> </a:t>
+            </a:r>
+            <a:r>
+              <a:rPr lang="en" sz="2400" dirty="0">
+                <a:solidFill>
+                  <a:srgbClr val="76A5AF"/>
+                </a:solidFill>
+                <a:latin typeface="Consolas"/>
+                <a:ea typeface="Consolas"/>
+                <a:cs typeface="Consolas"/>
+                <a:sym typeface="Consolas"/>
+              </a:rPr>
+              <a:t>class</a:t>
+            </a:r>
+            <a:r>
+              <a:rPr lang="en" sz="2400" dirty="0">
+                <a:solidFill>
+                  <a:srgbClr val="000080"/>
+                </a:solidFill>
+                <a:latin typeface="Consolas"/>
+                <a:ea typeface="Consolas"/>
+                <a:cs typeface="Consolas"/>
+                <a:sym typeface="Consolas"/>
+              </a:rPr>
+              <a:t>=</a:t>
+            </a:r>
+            <a:r>
+              <a:rPr lang="en" sz="2400" dirty="0">
+                <a:solidFill>
+                  <a:srgbClr val="FF0000"/>
+                </a:solidFill>
+                <a:latin typeface="Consolas"/>
+                <a:ea typeface="Consolas"/>
+                <a:cs typeface="Consolas"/>
+                <a:sym typeface="Consolas"/>
+              </a:rPr>
+              <a:t>”example.MyProcessor”</a:t>
+            </a:r>
+            <a:r>
+              <a:rPr lang="en" sz="2400" dirty="0">
+                <a:solidFill>
+                  <a:srgbClr val="000000"/>
+                </a:solidFill>
+                <a:latin typeface="Consolas"/>
+                <a:ea typeface="Consolas"/>
+                <a:cs typeface="Consolas"/>
+                <a:sym typeface="Consolas"/>
+              </a:rPr>
+              <a:t>/&gt;</a:t>
+            </a:r>
+          </a:p>
+          <a:p>
+            <a:pPr>
+              <a:spcBef>
+                <a:spcPts val="0"/>
+              </a:spcBef>
+              <a:buNone/>
+            </a:pPr>
+            <a:r>
+              <a:rPr lang="en" sz="2400" dirty="0">
+                <a:latin typeface="Consolas"/>
+                <a:ea typeface="Consolas"/>
+                <a:cs typeface="Consolas"/>
+                <a:sym typeface="Consolas"/>
+              </a:rPr>
+              <a:t>  &lt;/int:transformer&gt;</a:t>
+            </a:r>
+          </a:p>
+          <a:p>
+            <a:pPr>
+              <a:spcBef>
+                <a:spcPts val="0"/>
+              </a:spcBef>
+              <a:buNone/>
+            </a:pPr>
+            <a:r>
+              <a:rPr lang="en" sz="2400" dirty="0">
+                <a:latin typeface="Consolas"/>
+                <a:ea typeface="Consolas"/>
+                <a:cs typeface="Consolas"/>
+                <a:sym typeface="Consolas"/>
+              </a:rPr>
+              <a:t>&lt;/beans&gt;</a:t>
+            </a:r>
+          </a:p>
+          <a:p>
+            <a:pPr marL="0" indent="0">
+              <a:buNone/>
+            </a:pPr>
+            <a:endParaRPr lang="en-US" dirty="0"/>
+          </a:p>
+        </p:txBody>
+      </p:sp>
+      <p:sp>
+        <p:nvSpPr>
+          <p:cNvPr id="4" name="Slide Number Placeholder 3"/>
           <p:cNvSpPr>
             <a:spLocks noGrp="1"/>
           </p:cNvSpPr>
@@ -9880,14 +10326,92 @@
               <a:rPr lang="en-US" smtClean="0"/>
               <a:t>28</a:t>
             </a:fld>
-            <a:endParaRPr lang="en-US"/>
+            <a:endParaRPr lang="en-US" dirty="0"/>
+          </a:p>
+        </p:txBody>
+      </p:sp>
+      <p:sp>
+        <p:nvSpPr>
+          <p:cNvPr id="5" name="Shape 179"/>
+          <p:cNvSpPr txBox="1"/>
+          <p:nvPr/>
+        </p:nvSpPr>
+        <p:spPr>
+          <a:xfrm>
+            <a:off x="4267200" y="2266950"/>
+            <a:ext cx="4478700" cy="553968"/>
+          </a:xfrm>
+          <a:prstGeom prst="rect">
+            <a:avLst/>
+          </a:prstGeom>
+          <a:noFill/>
+          <a:ln w="9525" cap="flat">
+            <a:solidFill>
+              <a:srgbClr val="9BBB59"/>
+            </a:solidFill>
+            <a:prstDash val="solid"/>
+            <a:round/>
+            <a:headEnd type="none" w="med" len="med"/>
+            <a:tailEnd type="none" w="med" len="med"/>
+          </a:ln>
+        </p:spPr>
+        <p:txBody>
+          <a:bodyPr lIns="91425" tIns="91425" rIns="91425" bIns="91425" anchor="t" anchorCtr="0">
+            <a:spAutoFit/>
+          </a:bodyPr>
+          <a:lstStyle/>
+          <a:p>
+            <a:pPr lvl="0" rtl="0">
+              <a:spcBef>
+                <a:spcPts val="600"/>
+              </a:spcBef>
+              <a:buClr>
+                <a:schemeClr val="dk1"/>
+              </a:buClr>
+              <a:buSzPct val="45833"/>
+              <a:buFont typeface="Arial"/>
+              <a:buNone/>
+            </a:pPr>
+            <a:r>
+              <a:rPr lang="en" sz="2400" dirty="0">
+                <a:solidFill>
+                  <a:srgbClr val="4F6228"/>
+                </a:solidFill>
+                <a:latin typeface="Consolas"/>
+                <a:ea typeface="Consolas"/>
+                <a:cs typeface="Consolas"/>
+                <a:sym typeface="Consolas"/>
+              </a:rPr>
+              <a:t>http | myProcessor | </a:t>
+            </a:r>
+            <a:r>
+              <a:rPr lang="en" sz="2400" dirty="0" smtClean="0">
+                <a:solidFill>
+                  <a:srgbClr val="4F6228"/>
+                </a:solidFill>
+                <a:latin typeface="Consolas"/>
+                <a:ea typeface="Consolas"/>
+                <a:cs typeface="Consolas"/>
+                <a:sym typeface="Consolas"/>
+              </a:rPr>
+              <a:t>file</a:t>
+            </a:r>
+            <a:endParaRPr lang="en" sz="2400" dirty="0">
+              <a:solidFill>
+                <a:srgbClr val="4F6228"/>
+              </a:solidFill>
+              <a:latin typeface="Consolas"/>
+              <a:ea typeface="Consolas"/>
+              <a:cs typeface="Consolas"/>
+              <a:sym typeface="Consolas"/>
+            </a:endParaRPr>
           </a:p>
         </p:txBody>
       </p:sp>
     </p:spTree>
     <p:extLst>
       <p:ext uri="{BB962C8B-B14F-4D97-AF65-F5344CB8AC3E}">
-        <p14:creationId xmlns:p14="http://schemas.microsoft.com/office/powerpoint/2010/main" val="1230910629"/>
+        <p14:creationId xmlns:p14="http://schemas.microsoft.com/office/powerpoint/2010/main" val="2325157065"/>
       </p:ext>
     </p:extLst>
   </p:cSld>
@@ -9931,7 +10455,7 @@
           <a:p>
             <a:r>
               <a:rPr lang="en" dirty="0"/>
-              <a:t>Custom Processor Module</a:t>
+              <a:t>Custom Sink Module</a:t>
             </a:r>
             <a:endParaRPr lang="en-US" dirty="0"/>
           </a:p>
@@ -9950,69 +10474,9 @@
         <p:spPr/>
         <p:txBody>
           <a:bodyPr>
-            <a:normAutofit fontScale="85000" lnSpcReduction="20000"/>
+            <a:normAutofit/>
           </a:bodyPr>
           <a:lstStyle/>
-          <a:p>
-            <a:pPr marL="0" indent="0">
-              <a:buNone/>
-            </a:pPr>
-            <a:r>
-              <a:rPr lang="en-US" dirty="0"/>
-              <a:t>A </a:t>
-            </a:r>
-            <a:r>
-              <a:rPr lang="en-US" i="1" dirty="0"/>
-              <a:t>processor</a:t>
-            </a:r>
-            <a:r>
-              <a:rPr lang="en-US" dirty="0"/>
-              <a:t> module is typically the easiest to implement </a:t>
-            </a:r>
-          </a:p>
-          <a:p>
-            <a:r>
-              <a:rPr lang="en-US" dirty="0"/>
-              <a:t>Spring XD includes </a:t>
-            </a:r>
-            <a:r>
-              <a:rPr lang="en-US" i="1" dirty="0"/>
-              <a:t>transform</a:t>
-            </a:r>
-            <a:r>
-              <a:rPr lang="en-US" dirty="0"/>
-              <a:t> and </a:t>
-            </a:r>
-            <a:r>
-              <a:rPr lang="en-US" i="1" dirty="0"/>
-              <a:t>filter</a:t>
-            </a:r>
-            <a:r>
-              <a:rPr lang="en-US" dirty="0"/>
-              <a:t> processors out of the box, backed by </a:t>
-            </a:r>
-            <a:r>
-              <a:rPr lang="en-US" dirty="0" err="1"/>
-              <a:t>SpEL</a:t>
-            </a:r>
-            <a:r>
-              <a:rPr lang="en-US" dirty="0"/>
-              <a:t> expressions or Groovy scripts</a:t>
-            </a:r>
-          </a:p>
-          <a:p>
-            <a:r>
-              <a:rPr lang="en-US" dirty="0"/>
-              <a:t>When this is not enough, you can write your </a:t>
-            </a:r>
-            <a:r>
-              <a:rPr lang="en-US" dirty="0" smtClean="0"/>
-              <a:t>own</a:t>
-            </a:r>
-          </a:p>
-          <a:p>
-            <a:endParaRPr lang="en-US" dirty="0"/>
-          </a:p>
           <a:p>
             <a:pPr>
               <a:spcBef>
@@ -10021,18 +10485,16 @@
               <a:buNone/>
             </a:pPr>
             <a:r>
-              <a:rPr lang="en" sz="2400" dirty="0">
-                <a:solidFill>
-                  <a:schemeClr val="accent3">
-                    <a:lumMod val="50000"/>
-                  </a:schemeClr>
-                </a:solidFill>
-                <a:latin typeface="Consolas"/>
-                <a:ea typeface="Consolas"/>
-                <a:cs typeface="Consolas"/>
-                <a:sym typeface="Consolas"/>
-              </a:rPr>
-              <a:t>---myProcessor.xml---</a:t>
+              <a:rPr lang="en" sz="2600" dirty="0"/>
+              <a:t>A </a:t>
+            </a:r>
+            <a:r>
+              <a:rPr lang="en" sz="2600" i="1" dirty="0"/>
+              <a:t>sink</a:t>
+            </a:r>
+            <a:r>
+              <a:rPr lang="en" sz="2600" dirty="0"/>
+              <a:t> is used to capture the the results of a stream</a:t>
             </a:r>
           </a:p>
           <a:p>
@@ -10043,6 +10505,80 @@
               <a:buNone/>
             </a:pPr>
             <a:r>
+              <a:rPr lang="en" sz="2600" dirty="0"/>
+              <a:t>A custom sink is useful for feeding a legacy system</a:t>
+            </a:r>
+          </a:p>
+          <a:p>
+            <a:pPr lvl="0">
+              <a:spcBef>
+                <a:spcPts val="0"/>
+              </a:spcBef>
+              <a:buNone/>
+            </a:pPr>
+            <a:endParaRPr lang="en" sz="1600" dirty="0">
+              <a:latin typeface="Consolas"/>
+              <a:ea typeface="Consolas"/>
+              <a:cs typeface="Consolas"/>
+              <a:sym typeface="Consolas"/>
+            </a:endParaRPr>
+          </a:p>
+          <a:p>
+            <a:pPr lvl="0">
+              <a:spcBef>
+                <a:spcPts val="0"/>
+              </a:spcBef>
+              <a:buNone/>
+            </a:pPr>
+            <a:r>
+              <a:rPr lang="en" sz="1600" dirty="0">
+                <a:solidFill>
+                  <a:srgbClr val="4F6228"/>
+                </a:solidFill>
+                <a:latin typeface="Consolas"/>
+                <a:ea typeface="Consolas"/>
+                <a:cs typeface="Consolas"/>
+                <a:sym typeface="Consolas"/>
+              </a:rPr>
+              <a:t>--- </a:t>
+            </a:r>
+            <a:r>
+              <a:rPr lang="en" sz="2000" dirty="0">
+                <a:solidFill>
+                  <a:srgbClr val="4F6228"/>
+                </a:solidFill>
+                <a:latin typeface="Consolas"/>
+                <a:ea typeface="Consolas"/>
+                <a:cs typeface="Consolas"/>
+                <a:sym typeface="Consolas"/>
+              </a:rPr>
+              <a:t>mySink.xml</a:t>
+            </a:r>
+            <a:r>
+              <a:rPr lang="en" sz="1600" dirty="0">
+                <a:solidFill>
+                  <a:srgbClr val="4F6228"/>
+                </a:solidFill>
+                <a:latin typeface="Consolas"/>
+                <a:ea typeface="Consolas"/>
+                <a:cs typeface="Consolas"/>
+                <a:sym typeface="Consolas"/>
+              </a:rPr>
+              <a:t> ---</a:t>
+            </a:r>
+          </a:p>
+          <a:p>
+            <a:pPr lvl="0">
+              <a:spcBef>
+                <a:spcPts val="0"/>
+              </a:spcBef>
+              <a:buClr>
+                <a:schemeClr val="dk1"/>
+              </a:buClr>
+              <a:buSzPct val="78571"/>
+              <a:buNone/>
+            </a:pPr>
+            <a:r>
               <a:rPr lang="en" sz="2400" dirty="0">
                 <a:latin typeface="Consolas"/>
                 <a:ea typeface="Consolas"/>
@@ -10053,10 +10589,14 @@
             </a:r>
           </a:p>
           <a:p>
-            <a:pPr>
+            <a:pPr lvl="0">
               <a:spcBef>
                 <a:spcPts val="0"/>
               </a:spcBef>
+              <a:buClr>
+                <a:schemeClr val="dk1"/>
+              </a:buClr>
+              <a:buSzPct val="78571"/>
               <a:buNone/>
             </a:pPr>
             <a:r>
@@ -10112,10 +10652,14 @@
             </a:r>
           </a:p>
           <a:p>
-            <a:pPr>
+            <a:pPr lvl="0">
               <a:spcBef>
                 <a:spcPts val="0"/>
               </a:spcBef>
+              <a:buClr>
+                <a:schemeClr val="dk1"/>
+              </a:buClr>
+              <a:buSzPct val="78571"/>
               <a:buNone/>
             </a:pPr>
             <a:r>
@@ -10125,7 +10669,7 @@
                 <a:cs typeface="Consolas"/>
                 <a:sym typeface="Consolas"/>
               </a:rPr>
-              <a:t>  &lt;int:channel </a:t>
+              <a:t>    &lt;int:service-activator </a:t>
             </a:r>
             <a:r>
               <a:rPr lang="en" sz="2400" dirty="0">
@@ -10137,7 +10681,7 @@
                 <a:cs typeface="Consolas"/>
                 <a:sym typeface="Consolas"/>
               </a:rPr>
-              <a:t>id</a:t>
+              <a:t>input-channel</a:t>
             </a:r>
             <a:r>
               <a:rPr lang="en" sz="2400" dirty="0">
@@ -10158,7 +10702,7 @@
                 <a:cs typeface="Consolas"/>
                 <a:sym typeface="Consolas"/>
               </a:rPr>
-              <a:t>”output”</a:t>
+              <a:t>”input”</a:t>
             </a:r>
             <a:r>
               <a:rPr lang="en" sz="2400" dirty="0">
@@ -10167,14 +10711,18 @@
                 <a:cs typeface="Consolas"/>
                 <a:sym typeface="Consolas"/>
               </a:rPr>
-              <a:t>/&gt;</a:t>
-            </a:r>
-          </a:p>
-          <a:p>
-            <a:pPr>
+              <a:t>&gt;</a:t>
+            </a:r>
+          </a:p>
+          <a:p>
+            <a:pPr marL="457200" lvl="0" indent="457200">
               <a:spcBef>
                 <a:spcPts val="0"/>
               </a:spcBef>
+              <a:buClr>
+                <a:schemeClr val="dk1"/>
+              </a:buClr>
+              <a:buSzPct val="78571"/>
               <a:buNone/>
             </a:pPr>
             <a:r>
@@ -10184,7 +10732,19 @@
                 <a:cs typeface="Consolas"/>
                 <a:sym typeface="Consolas"/>
               </a:rPr>
-              <a:t>  &lt;int:transformer </a:t>
+              <a:t>&lt;bean</a:t>
+            </a:r>
+            <a:r>
+              <a:rPr lang="en" sz="2400" dirty="0">
+                <a:solidFill>
+                  <a:srgbClr val="000080"/>
+                </a:solidFill>
+                <a:latin typeface="Consolas"/>
+                <a:ea typeface="Consolas"/>
+                <a:cs typeface="Consolas"/>
+                <a:sym typeface="Consolas"/>
+              </a:rPr>
+              <a:t> </a:t>
             </a:r>
             <a:r>
               <a:rPr lang="en" sz="2400" dirty="0">
@@ -10196,10 +10756,13 @@
                 <a:cs typeface="Consolas"/>
                 <a:sym typeface="Consolas"/>
               </a:rPr>
-              <a:t>input-channel</a:t>
+              <a:t>class</a:t>
             </a:r>
             <a:r>
               <a:rPr lang="en" sz="2400" dirty="0">
+                <a:solidFill>
+                  <a:srgbClr val="000080"/>
+                </a:solidFill>
                 <a:latin typeface="Consolas"/>
                 <a:ea typeface="Consolas"/>
                 <a:cs typeface="Consolas"/>
@@ -10217,7 +10780,7 @@
                 <a:cs typeface="Consolas"/>
                 <a:sym typeface="Consolas"/>
               </a:rPr>
-              <a:t>”input”</a:t>
+              <a:t>”example.MyService”</a:t>
             </a:r>
             <a:r>
               <a:rPr lang="en" sz="2400" dirty="0">
@@ -10226,20 +10789,20 @@
                 <a:cs typeface="Consolas"/>
                 <a:sym typeface="Consolas"/>
               </a:rPr>
-              <a:t> </a:t>
-            </a:r>
-            <a:r>
-              <a:rPr lang="en" sz="2400" dirty="0">
-                <a:solidFill>
-                  <a:srgbClr val="76A5AF"/>
-                </a:solidFill>
-                <a:latin typeface="Consolas"/>
-                <a:ea typeface="Consolas"/>
-                <a:cs typeface="Consolas"/>
-                <a:sym typeface="Consolas"/>
-              </a:rPr>
-              <a:t>output-channel</a:t>
-            </a:r>
+              <a:t>/&gt;</a:t>
+            </a:r>
+          </a:p>
+          <a:p>
+            <a:pPr lvl="0">
+              <a:spcBef>
+                <a:spcPts val="0"/>
+              </a:spcBef>
+              <a:buClr>
+                <a:schemeClr val="dk1"/>
+              </a:buClr>
+              <a:buSzPct val="78571"/>
+              <a:buNone/>
+            </a:pPr>
             <a:r>
               <a:rPr lang="en" sz="2400" dirty="0">
                 <a:latin typeface="Consolas"/>
@@ -10247,20 +10810,20 @@
                 <a:cs typeface="Consolas"/>
                 <a:sym typeface="Consolas"/>
               </a:rPr>
-              <a:t>=</a:t>
-            </a:r>
-            <a:r>
-              <a:rPr lang="en" sz="2400" dirty="0">
-                <a:solidFill>
-                  <a:srgbClr val="FF0000"/>
-                </a:solidFill>
-                <a:latin typeface="Consolas"/>
-                <a:ea typeface="Consolas"/>
-                <a:cs typeface="Consolas"/>
-                <a:sym typeface="Consolas"/>
-              </a:rPr>
-              <a:t>”output”</a:t>
-            </a:r>
+              <a:t>  &lt;/int:service-activator&gt;</a:t>
+            </a:r>
+          </a:p>
+          <a:p>
+            <a:pPr lvl="0">
+              <a:spcBef>
+                <a:spcPts val="0"/>
+              </a:spcBef>
+              <a:buClr>
+                <a:schemeClr val="dk1"/>
+              </a:buClr>
+              <a:buSzPct val="78571"/>
+              <a:buNone/>
+            </a:pPr>
             <a:r>
               <a:rPr lang="en" sz="2400" dirty="0">
                 <a:latin typeface="Consolas"/>
@@ -10268,128 +10831,8 @@
                 <a:cs typeface="Consolas"/>
                 <a:sym typeface="Consolas"/>
               </a:rPr>
-              <a:t>&gt;</a:t>
-            </a:r>
-          </a:p>
-          <a:p>
-            <a:pPr marL="457200" indent="457200">
-              <a:spcBef>
-                <a:spcPts val="0"/>
-              </a:spcBef>
-              <a:buNone/>
-            </a:pPr>
-            <a:r>
-              <a:rPr lang="en" sz="2400" dirty="0">
-                <a:solidFill>
-                  <a:srgbClr val="000000"/>
-                </a:solidFill>
-                <a:latin typeface="Consolas"/>
-                <a:ea typeface="Consolas"/>
-                <a:cs typeface="Consolas"/>
-                <a:sym typeface="Consolas"/>
-              </a:rPr>
-              <a:t>&lt;bean</a:t>
-            </a:r>
-            <a:r>
-              <a:rPr lang="en" sz="2400" dirty="0">
-                <a:solidFill>
-                  <a:srgbClr val="000080"/>
-                </a:solidFill>
-                <a:latin typeface="Consolas"/>
-                <a:ea typeface="Consolas"/>
-                <a:cs typeface="Consolas"/>
-                <a:sym typeface="Consolas"/>
-              </a:rPr>
-              <a:t> </a:t>
-            </a:r>
-            <a:r>
-              <a:rPr lang="en" sz="2400" dirty="0">
-                <a:solidFill>
-                  <a:srgbClr val="76A5AF"/>
-                </a:solidFill>
-                <a:latin typeface="Consolas"/>
-                <a:ea typeface="Consolas"/>
-                <a:cs typeface="Consolas"/>
-                <a:sym typeface="Consolas"/>
-              </a:rPr>
-              <a:t>class</a:t>
-            </a:r>
-            <a:r>
-              <a:rPr lang="en" sz="2400" dirty="0">
-                <a:solidFill>
-                  <a:srgbClr val="000080"/>
-                </a:solidFill>
-                <a:latin typeface="Consolas"/>
-                <a:ea typeface="Consolas"/>
-                <a:cs typeface="Consolas"/>
-                <a:sym typeface="Consolas"/>
-              </a:rPr>
-              <a:t>=</a:t>
-            </a:r>
-            <a:r>
-              <a:rPr lang="en" sz="2400" dirty="0">
-                <a:solidFill>
-                  <a:srgbClr val="FF0000"/>
-                </a:solidFill>
-                <a:latin typeface="Consolas"/>
-                <a:ea typeface="Consolas"/>
-                <a:cs typeface="Consolas"/>
-                <a:sym typeface="Consolas"/>
-              </a:rPr>
-              <a:t>”example.MyProcessor”</a:t>
-            </a:r>
-            <a:r>
-              <a:rPr lang="en" sz="2400" dirty="0">
-                <a:solidFill>
-                  <a:srgbClr val="000000"/>
-                </a:solidFill>
-                <a:latin typeface="Consolas"/>
-                <a:ea typeface="Consolas"/>
-                <a:cs typeface="Consolas"/>
-                <a:sym typeface="Consolas"/>
-              </a:rPr>
-              <a:t>/&gt;</a:t>
-            </a:r>
-          </a:p>
-          <a:p>
-            <a:pPr>
-              <a:spcBef>
-                <a:spcPts val="0"/>
-              </a:spcBef>
-              <a:buNone/>
-            </a:pPr>
-            <a:r>
-              <a:rPr lang="en" sz="2400" dirty="0">
-                <a:latin typeface="Consolas"/>
-                <a:ea typeface="Consolas"/>
-                <a:cs typeface="Consolas"/>
-                <a:sym typeface="Consolas"/>
-              </a:rPr>
-              <a:t>  &lt;/int:transformer&gt;</a:t>
-            </a:r>
-          </a:p>
-          <a:p>
-            <a:pPr>
-              <a:spcBef>
-                <a:spcPts val="0"/>
-              </a:spcBef>
-              <a:buNone/>
-            </a:pPr>
-            <a:r>
-              <a:rPr lang="en" sz="2400" dirty="0">
-                <a:latin typeface="Consolas"/>
-                <a:ea typeface="Consolas"/>
-                <a:cs typeface="Consolas"/>
-                <a:sym typeface="Consolas"/>
-              </a:rPr>
               <a:t>&lt;/beans&gt;</a:t>
             </a:r>
-          </a:p>
-          <a:p>
-            <a:pPr marL="0" indent="0">
-              <a:buNone/>
-            </a:pPr>
-            <a:endParaRPr lang="en-US" dirty="0"/>
           </a:p>
         </p:txBody>
       </p:sp>
@@ -10418,14 +10861,14 @@
       </p:sp>
       <p:sp>
         <p:nvSpPr>
-          <p:cNvPr id="5" name="Shape 179"/>
+          <p:cNvPr id="5" name="Shape 186"/>
           <p:cNvSpPr txBox="1"/>
           <p:nvPr/>
         </p:nvSpPr>
         <p:spPr>
           <a:xfrm>
-            <a:off x="4267200" y="2266950"/>
-            <a:ext cx="4478700" cy="553968"/>
+            <a:off x="5486400" y="3943350"/>
+            <a:ext cx="2988300" cy="553968"/>
           </a:xfrm>
           <a:prstGeom prst="rect">
             <a:avLst/>
@@ -10451,11 +10894,6 @@
               <a:spcBef>
                 <a:spcPts val="600"/>
               </a:spcBef>
-              <a:buClr>
-                <a:schemeClr val="dk1"/>
-              </a:buClr>
-              <a:buSzPct val="45833"/>
-              <a:buFont typeface="Arial"/>
               <a:buNone/>
             </a:pPr>
             <a:r>
@@ -10468,36 +10906,15 @@
                 <a:cs typeface="Consolas"/>
                 <a:sym typeface="Consolas"/>
               </a:rPr>
-              <a:t>http | myProcessor | </a:t>
-            </a:r>
-            <a:r>
-              <a:rPr lang="en" sz="2400" dirty="0" smtClean="0">
-                <a:solidFill>
-                  <a:srgbClr val="4F6228"/>
-                </a:solidFill>
-                <a:latin typeface="Consolas"/>
-                <a:ea typeface="Consolas"/>
-                <a:cs typeface="Consolas"/>
-                <a:sym typeface="Consolas"/>
-              </a:rPr>
-              <a:t>file</a:t>
-            </a:r>
-            <a:endParaRPr lang="en" sz="2400" dirty="0">
-              <a:solidFill>
-                <a:srgbClr val="4F6228"/>
-              </a:solidFill>
-              <a:latin typeface="Consolas"/>
-              <a:ea typeface="Consolas"/>
-              <a:cs typeface="Consolas"/>
-              <a:sym typeface="Consolas"/>
-            </a:endParaRPr>
+              <a:t>http |..| mySink</a:t>
+            </a:r>
           </a:p>
         </p:txBody>
       </p:sp>
     </p:spTree>
     <p:extLst>
       <p:ext uri="{BB962C8B-B14F-4D97-AF65-F5344CB8AC3E}">
-        <p14:creationId xmlns:p14="http://schemas.microsoft.com/office/powerpoint/2010/main" val="2325157065"/>
+        <p14:creationId xmlns:p14="http://schemas.microsoft.com/office/powerpoint/2010/main" val="447992600"/>
       </p:ext>
     </p:extLst>
   </p:cSld>
@@ -10702,7 +11119,7 @@
           <a:p>
             <a:r>
               <a:rPr lang="en" dirty="0"/>
-              <a:t>Custom Sink Module</a:t>
+              <a:t>Custom Source Module</a:t>
             </a:r>
             <a:endParaRPr lang="en-US" dirty="0"/>
           </a:p>
@@ -10718,368 +11135,136 @@
             <p:ph idx="1"/>
           </p:nvPr>
         </p:nvSpPr>
-        <p:spPr/>
+        <p:spPr>
+          <a:xfrm>
+            <a:off x="345281" y="914400"/>
+            <a:ext cx="8189119" cy="3638550"/>
+          </a:xfrm>
+        </p:spPr>
         <p:txBody>
           <a:bodyPr>
             <a:normAutofit/>
           </a:bodyPr>
           <a:lstStyle/>
           <a:p>
-            <a:pPr>
-              <a:spcBef>
-                <a:spcPts val="0"/>
-              </a:spcBef>
+            <a:r>
+              <a:rPr lang="en-US" dirty="0"/>
+              <a:t>A source produces messages continually or in response to events</a:t>
+            </a:r>
+          </a:p>
+          <a:p>
+            <a:r>
+              <a:rPr lang="en-US" dirty="0"/>
+              <a:t>Most OOTB sources rely on existing </a:t>
+            </a:r>
+            <a:r>
+              <a:rPr lang="en-US" dirty="0" smtClean="0"/>
+              <a:t>Spring Integration (SI) </a:t>
+            </a:r>
+            <a:r>
+              <a:rPr lang="en-US" dirty="0"/>
+              <a:t>inbound channel adapters, so do not require custom code</a:t>
+            </a:r>
+          </a:p>
+          <a:p>
+            <a:r>
+              <a:rPr lang="en-US" dirty="0"/>
+              <a:t>If an SI adapter is not available, writing a source requires some advanced knowledge of </a:t>
+            </a:r>
+            <a:r>
+              <a:rPr lang="en-US" dirty="0" smtClean="0"/>
+              <a:t>SI:</a:t>
+            </a:r>
+          </a:p>
+          <a:p>
+            <a:pPr lvl="1"/>
+            <a:r>
+              <a:rPr lang="en-US" dirty="0" smtClean="0"/>
+              <a:t>Configure </a:t>
+            </a:r>
+            <a:r>
+              <a:rPr lang="en-US" dirty="0"/>
+              <a:t>an </a:t>
+            </a:r>
+            <a:r>
+              <a:rPr lang="en-US" dirty="0">
+                <a:latin typeface="Courier"/>
+                <a:cs typeface="Courier"/>
+              </a:rPr>
+              <a:t>&lt;inbound-channel-adapter&gt;</a:t>
+            </a:r>
+            <a:r>
+              <a:rPr lang="en-US" dirty="0"/>
+              <a:t> with a simple POJO and a </a:t>
+            </a:r>
+            <a:r>
+              <a:rPr lang="en-US" dirty="0" err="1"/>
+              <a:t>poller</a:t>
+            </a:r>
+            <a:endParaRPr lang="en-US" dirty="0"/>
+          </a:p>
+          <a:p>
+            <a:pPr lvl="1"/>
+            <a:r>
+              <a:rPr lang="en-US" dirty="0"/>
+              <a:t>Extend </a:t>
+            </a:r>
+            <a:r>
+              <a:rPr lang="en-US" dirty="0" err="1" smtClean="0">
+                <a:latin typeface="Courier"/>
+                <a:cs typeface="Courier"/>
+              </a:rPr>
+              <a:t>MessageProducerSupport</a:t>
+            </a:r>
+            <a:r>
+              <a:rPr lang="en-US" dirty="0" smtClean="0"/>
+              <a:t> </a:t>
+            </a:r>
+          </a:p>
+          <a:p>
+            <a:pPr marL="914400" lvl="2" indent="0">
               <a:buNone/>
             </a:pPr>
             <a:r>
-              <a:rPr lang="en" sz="2600" dirty="0"/>
-              <a:t>A </a:t>
-            </a:r>
-            <a:r>
-              <a:rPr lang="en" sz="2600" i="1" dirty="0"/>
-              <a:t>sink</a:t>
-            </a:r>
-            <a:r>
-              <a:rPr lang="en" sz="2600" dirty="0"/>
-              <a:t> is used to capture the the results of a stream</a:t>
-            </a:r>
-          </a:p>
-          <a:p>
-            <a:pPr>
-              <a:spcBef>
-                <a:spcPts val="0"/>
-              </a:spcBef>
-              <a:buNone/>
-            </a:pPr>
-            <a:r>
-              <a:rPr lang="en" sz="2600" dirty="0"/>
-              <a:t>A custom sink is useful for feeding a legacy system</a:t>
-            </a:r>
-          </a:p>
-          <a:p>
-            <a:pPr lvl="0">
-              <a:spcBef>
-                <a:spcPts val="0"/>
-              </a:spcBef>
-              <a:buNone/>
-            </a:pPr>
-            <a:endParaRPr lang="en" sz="1600" dirty="0">
-              <a:latin typeface="Consolas"/>
-              <a:ea typeface="Consolas"/>
-              <a:cs typeface="Consolas"/>
-              <a:sym typeface="Consolas"/>
-            </a:endParaRPr>
-          </a:p>
-          <a:p>
-            <a:pPr lvl="0">
-              <a:spcBef>
-                <a:spcPts val="0"/>
-              </a:spcBef>
-              <a:buNone/>
-            </a:pPr>
-            <a:r>
-              <a:rPr lang="en" sz="1600" dirty="0">
-                <a:solidFill>
-                  <a:srgbClr val="4F6228"/>
-                </a:solidFill>
-                <a:latin typeface="Consolas"/>
-                <a:ea typeface="Consolas"/>
-                <a:cs typeface="Consolas"/>
-                <a:sym typeface="Consolas"/>
-              </a:rPr>
-              <a:t>--- </a:t>
-            </a:r>
-            <a:r>
-              <a:rPr lang="en" sz="2000" dirty="0">
-                <a:solidFill>
-                  <a:srgbClr val="4F6228"/>
-                </a:solidFill>
-                <a:latin typeface="Consolas"/>
-                <a:ea typeface="Consolas"/>
-                <a:cs typeface="Consolas"/>
-                <a:sym typeface="Consolas"/>
-              </a:rPr>
-              <a:t>mySink.xml</a:t>
-            </a:r>
-            <a:r>
-              <a:rPr lang="en" sz="1600" dirty="0">
-                <a:solidFill>
-                  <a:srgbClr val="4F6228"/>
-                </a:solidFill>
-                <a:latin typeface="Consolas"/>
-                <a:ea typeface="Consolas"/>
-                <a:cs typeface="Consolas"/>
-                <a:sym typeface="Consolas"/>
-              </a:rPr>
-              <a:t> ---</a:t>
-            </a:r>
-          </a:p>
-          <a:p>
-            <a:pPr lvl="0">
-              <a:spcBef>
-                <a:spcPts val="0"/>
-              </a:spcBef>
-              <a:buClr>
-                <a:schemeClr val="dk1"/>
-              </a:buClr>
-              <a:buSzPct val="78571"/>
-              <a:buNone/>
-            </a:pPr>
-            <a:r>
-              <a:rPr lang="en" sz="2400" dirty="0">
-                <a:latin typeface="Consolas"/>
-                <a:ea typeface="Consolas"/>
-                <a:cs typeface="Consolas"/>
-                <a:sym typeface="Consolas"/>
-              </a:rPr>
-              <a:t>&lt;beans&gt; …</a:t>
-            </a:r>
-          </a:p>
-          <a:p>
-            <a:pPr lvl="0">
-              <a:spcBef>
-                <a:spcPts val="0"/>
-              </a:spcBef>
-              <a:buClr>
-                <a:schemeClr val="dk1"/>
-              </a:buClr>
-              <a:buSzPct val="78571"/>
-              <a:buNone/>
-            </a:pPr>
-            <a:r>
-              <a:rPr lang="en" sz="2400" dirty="0">
-                <a:latin typeface="Consolas"/>
-                <a:ea typeface="Consolas"/>
-                <a:cs typeface="Consolas"/>
-                <a:sym typeface="Consolas"/>
-              </a:rPr>
-              <a:t>  &lt;int:channel </a:t>
-            </a:r>
-            <a:r>
-              <a:rPr lang="en" sz="2400" dirty="0">
-                <a:solidFill>
-                  <a:srgbClr val="45818E"/>
-                </a:solidFill>
-                <a:latin typeface="Consolas"/>
-                <a:ea typeface="Consolas"/>
-                <a:cs typeface="Consolas"/>
-                <a:sym typeface="Consolas"/>
-              </a:rPr>
-              <a:t>id</a:t>
-            </a:r>
-            <a:r>
-              <a:rPr lang="en" sz="2400" dirty="0">
-                <a:latin typeface="Consolas"/>
-                <a:ea typeface="Consolas"/>
-                <a:cs typeface="Consolas"/>
-                <a:sym typeface="Consolas"/>
-              </a:rPr>
-              <a:t>=</a:t>
-            </a:r>
-            <a:r>
-              <a:rPr lang="en" sz="2400" dirty="0">
-                <a:solidFill>
-                  <a:srgbClr val="FF0000"/>
-                </a:solidFill>
-                <a:latin typeface="Consolas"/>
-                <a:ea typeface="Consolas"/>
-                <a:cs typeface="Consolas"/>
-                <a:sym typeface="Consolas"/>
-              </a:rPr>
-              <a:t>”input”</a:t>
-            </a:r>
-            <a:r>
-              <a:rPr lang="en" sz="2400" dirty="0">
-                <a:latin typeface="Consolas"/>
-                <a:ea typeface="Consolas"/>
-                <a:cs typeface="Consolas"/>
-                <a:sym typeface="Consolas"/>
-              </a:rPr>
-              <a:t>/&gt;</a:t>
-            </a:r>
-          </a:p>
-          <a:p>
-            <a:pPr lvl="0">
-              <a:spcBef>
-                <a:spcPts val="0"/>
-              </a:spcBef>
-              <a:buClr>
-                <a:schemeClr val="dk1"/>
-              </a:buClr>
-              <a:buSzPct val="78571"/>
-              <a:buNone/>
-            </a:pPr>
-            <a:r>
-              <a:rPr lang="en" sz="2400" dirty="0">
-                <a:latin typeface="Consolas"/>
-                <a:ea typeface="Consolas"/>
-                <a:cs typeface="Consolas"/>
-                <a:sym typeface="Consolas"/>
-              </a:rPr>
-              <a:t>    &lt;int:service-activator </a:t>
-            </a:r>
-            <a:r>
-              <a:rPr lang="en" sz="2400" dirty="0">
-                <a:solidFill>
-                  <a:srgbClr val="76A5AF"/>
-                </a:solidFill>
-                <a:latin typeface="Consolas"/>
-                <a:ea typeface="Consolas"/>
-                <a:cs typeface="Consolas"/>
-                <a:sym typeface="Consolas"/>
-              </a:rPr>
-              <a:t>input-channel</a:t>
-            </a:r>
-            <a:r>
-              <a:rPr lang="en" sz="2400" dirty="0">
-                <a:latin typeface="Consolas"/>
-                <a:ea typeface="Consolas"/>
-                <a:cs typeface="Consolas"/>
-                <a:sym typeface="Consolas"/>
-              </a:rPr>
-              <a:t>=</a:t>
-            </a:r>
-            <a:r>
-              <a:rPr lang="en" sz="2400" dirty="0">
-                <a:solidFill>
-                  <a:srgbClr val="FF0000"/>
-                </a:solidFill>
-                <a:latin typeface="Consolas"/>
-                <a:ea typeface="Consolas"/>
-                <a:cs typeface="Consolas"/>
-                <a:sym typeface="Consolas"/>
-              </a:rPr>
-              <a:t>”input”</a:t>
-            </a:r>
-            <a:r>
-              <a:rPr lang="en" sz="2400" dirty="0">
-                <a:latin typeface="Consolas"/>
-                <a:ea typeface="Consolas"/>
-                <a:cs typeface="Consolas"/>
-                <a:sym typeface="Consolas"/>
-              </a:rPr>
-              <a:t>&gt;</a:t>
-            </a:r>
-          </a:p>
-          <a:p>
-            <a:pPr marL="457200" lvl="0" indent="457200">
-              <a:spcBef>
-                <a:spcPts val="0"/>
-              </a:spcBef>
-              <a:buClr>
-                <a:schemeClr val="dk1"/>
-              </a:buClr>
-              <a:buSzPct val="78571"/>
-              <a:buNone/>
-            </a:pPr>
-            <a:r>
-              <a:rPr lang="en" sz="2400" dirty="0">
-                <a:latin typeface="Consolas"/>
-                <a:ea typeface="Consolas"/>
-                <a:cs typeface="Consolas"/>
-                <a:sym typeface="Consolas"/>
-              </a:rPr>
-              <a:t>&lt;bean</a:t>
-            </a:r>
-            <a:r>
-              <a:rPr lang="en" sz="2400" dirty="0">
-                <a:solidFill>
-                  <a:srgbClr val="000080"/>
-                </a:solidFill>
-                <a:latin typeface="Consolas"/>
-                <a:ea typeface="Consolas"/>
-                <a:cs typeface="Consolas"/>
-                <a:sym typeface="Consolas"/>
-              </a:rPr>
-              <a:t> </a:t>
-            </a:r>
-            <a:r>
-              <a:rPr lang="en" sz="2400" dirty="0">
-                <a:solidFill>
-                  <a:srgbClr val="76A5AF"/>
-                </a:solidFill>
-                <a:latin typeface="Consolas"/>
-                <a:ea typeface="Consolas"/>
-                <a:cs typeface="Consolas"/>
-                <a:sym typeface="Consolas"/>
-              </a:rPr>
-              <a:t>class</a:t>
-            </a:r>
-            <a:r>
-              <a:rPr lang="en" sz="2400" dirty="0">
-                <a:solidFill>
-                  <a:srgbClr val="000080"/>
-                </a:solidFill>
-                <a:latin typeface="Consolas"/>
-                <a:ea typeface="Consolas"/>
-                <a:cs typeface="Consolas"/>
-                <a:sym typeface="Consolas"/>
-              </a:rPr>
-              <a:t>=</a:t>
-            </a:r>
-            <a:r>
-              <a:rPr lang="en" sz="2400" dirty="0">
-                <a:solidFill>
-                  <a:srgbClr val="FF0000"/>
-                </a:solidFill>
-                <a:latin typeface="Consolas"/>
-                <a:ea typeface="Consolas"/>
-                <a:cs typeface="Consolas"/>
-                <a:sym typeface="Consolas"/>
-              </a:rPr>
-              <a:t>”example.MyService”</a:t>
-            </a:r>
-            <a:r>
-              <a:rPr lang="en" sz="2400" dirty="0">
-                <a:latin typeface="Consolas"/>
-                <a:ea typeface="Consolas"/>
-                <a:cs typeface="Consolas"/>
-                <a:sym typeface="Consolas"/>
-              </a:rPr>
-              <a:t>/&gt;</a:t>
-            </a:r>
-          </a:p>
-          <a:p>
-            <a:pPr lvl="0">
-              <a:spcBef>
-                <a:spcPts val="0"/>
-              </a:spcBef>
-              <a:buClr>
-                <a:schemeClr val="dk1"/>
-              </a:buClr>
-              <a:buSzPct val="78571"/>
-              <a:buNone/>
-            </a:pPr>
-            <a:r>
-              <a:rPr lang="en" sz="2400" dirty="0">
-                <a:latin typeface="Consolas"/>
-                <a:ea typeface="Consolas"/>
-                <a:cs typeface="Consolas"/>
-                <a:sym typeface="Consolas"/>
-              </a:rPr>
-              <a:t>  &lt;/int:service-activator&gt;</a:t>
-            </a:r>
-          </a:p>
-          <a:p>
-            <a:pPr lvl="0">
-              <a:spcBef>
-                <a:spcPts val="0"/>
-              </a:spcBef>
-              <a:buClr>
-                <a:schemeClr val="dk1"/>
-              </a:buClr>
-              <a:buSzPct val="78571"/>
-              <a:buNone/>
-            </a:pPr>
-            <a:r>
-              <a:rPr lang="en" sz="2400" dirty="0">
-                <a:latin typeface="Consolas"/>
-                <a:ea typeface="Consolas"/>
-                <a:cs typeface="Consolas"/>
-                <a:sym typeface="Consolas"/>
-              </a:rPr>
-              <a:t>&lt;/beans&gt;</a:t>
-            </a:r>
+              <a:rPr lang="en-US" sz="1200" dirty="0" smtClean="0">
+                <a:hlinkClick r:id="rId2"/>
+              </a:rPr>
+              <a:t>https</a:t>
+            </a:r>
+            <a:r>
+              <a:rPr lang="en-US" sz="1200" dirty="0">
+                <a:hlinkClick r:id="rId2"/>
+              </a:rPr>
+              <a:t>://</a:t>
+            </a:r>
+            <a:r>
+              <a:rPr lang="en-US" sz="1200" dirty="0" err="1">
+                <a:hlinkClick r:id="rId2"/>
+              </a:rPr>
+              <a:t>github.com</a:t>
+            </a:r>
+            <a:r>
+              <a:rPr lang="en-US" sz="1200" dirty="0">
+                <a:hlinkClick r:id="rId2"/>
+              </a:rPr>
+              <a:t>/SpringOne2GX-2014/Spring-XD-Internals/tree/master/spring-</a:t>
+            </a:r>
+            <a:r>
+              <a:rPr lang="en-US" sz="1200" dirty="0" err="1">
+                <a:hlinkClick r:id="rId2"/>
+              </a:rPr>
+              <a:t>xd</a:t>
+            </a:r>
+            <a:r>
+              <a:rPr lang="en-US" sz="1200" dirty="0">
+                <a:hlinkClick r:id="rId2"/>
+              </a:rPr>
+              <a:t>-source-template</a:t>
+            </a:r>
+            <a:endParaRPr lang="en-US" sz="1200" dirty="0"/>
+          </a:p>
+          <a:p>
+            <a:endParaRPr lang="en-US" dirty="0"/>
           </a:p>
         </p:txBody>
       </p:sp>
@@ -11106,62 +11291,10 @@
           </a:p>
         </p:txBody>
       </p:sp>
-      <p:sp>
-        <p:nvSpPr>
-          <p:cNvPr id="5" name="Shape 186"/>
-          <p:cNvSpPr txBox="1"/>
-          <p:nvPr/>
-        </p:nvSpPr>
-        <p:spPr>
-          <a:xfrm>
-            <a:off x="5486400" y="3943350"/>
-            <a:ext cx="2988300" cy="553968"/>
-          </a:xfrm>
-          <a:prstGeom prst="rect">
-            <a:avLst/>
-          </a:prstGeom>
-          <a:noFill/>
-          <a:ln w="9525" cap="flat">
-            <a:solidFill>
-              <a:srgbClr val="9BBB59"/>
-            </a:solidFill>
-            <a:prstDash val="solid"/>
-            <a:round/>
-            <a:headEnd type="none" w="med" len="med"/>
-            <a:tailEnd type="none" w="med" len="med"/>
-          </a:ln>
-        </p:spPr>
-        <p:txBody>
-          <a:bodyPr lIns="91425" tIns="91425" rIns="91425" bIns="91425" anchor="t" anchorCtr="0">
-            <a:spAutoFit/>
-          </a:bodyPr>
-          <a:lstStyle/>
-          <a:p>
-            <a:pPr lvl="0" rtl="0">
-              <a:spcBef>
-                <a:spcPts val="600"/>
-              </a:spcBef>
-              <a:buNone/>
-            </a:pPr>
-            <a:r>
-              <a:rPr lang="en" sz="2400" dirty="0">
-                <a:solidFill>
-                  <a:srgbClr val="4F6228"/>
-                </a:solidFill>
-                <a:latin typeface="Consolas"/>
-                <a:ea typeface="Consolas"/>
-                <a:cs typeface="Consolas"/>
-                <a:sym typeface="Consolas"/>
-              </a:rPr>
-              <a:t>http |..| mySink</a:t>
-            </a:r>
-          </a:p>
-        </p:txBody>
-      </p:sp>
     </p:spTree>
     <p:extLst>
       <p:ext uri="{BB962C8B-B14F-4D97-AF65-F5344CB8AC3E}">
-        <p14:creationId xmlns:p14="http://schemas.microsoft.com/office/powerpoint/2010/main" val="447992600"/>
+        <p14:creationId xmlns:p14="http://schemas.microsoft.com/office/powerpoint/2010/main" val="766165689"/>
       </p:ext>
     </p:extLst>
   </p:cSld>
@@ -11190,172 +11323,6 @@
       </p:grpSpPr>
       <p:sp>
         <p:nvSpPr>
-          <p:cNvPr id="2" name="Title 1"/>
-          <p:cNvSpPr>
-            <a:spLocks noGrp="1"/>
-          </p:cNvSpPr>
-          <p:nvPr>
-            <p:ph type="title"/>
-          </p:nvPr>
-        </p:nvSpPr>
-        <p:spPr/>
-        <p:txBody>
-          <a:bodyPr/>
-          <a:lstStyle/>
-          <a:p>
-            <a:r>
-              <a:rPr lang="en" dirty="0"/>
-              <a:t>Custom Source Module</a:t>
-            </a:r>
-            <a:endParaRPr lang="en-US" dirty="0"/>
-          </a:p>
-        </p:txBody>
-      </p:sp>
-      <p:sp>
-        <p:nvSpPr>
-          <p:cNvPr id="3" name="Content Placeholder 2"/>
-          <p:cNvSpPr>
-            <a:spLocks noGrp="1"/>
-          </p:cNvSpPr>
-          <p:nvPr>
-            <p:ph idx="1"/>
-          </p:nvPr>
-        </p:nvSpPr>
-        <p:spPr>
-          <a:xfrm>
-            <a:off x="345281" y="914400"/>
-            <a:ext cx="8189119" cy="3638550"/>
-          </a:xfrm>
-        </p:spPr>
-        <p:txBody>
-          <a:bodyPr>
-            <a:normAutofit/>
-          </a:bodyPr>
-          <a:lstStyle/>
-          <a:p>
-            <a:r>
-              <a:rPr lang="en-US" dirty="0"/>
-              <a:t>A source produces messages continually or in response to events</a:t>
-            </a:r>
-          </a:p>
-          <a:p>
-            <a:r>
-              <a:rPr lang="en-US" dirty="0"/>
-              <a:t>Most OOTB sources rely on existing </a:t>
-            </a:r>
-            <a:r>
-              <a:rPr lang="en-US" dirty="0" smtClean="0"/>
-              <a:t>Spring Integration (SI) </a:t>
-            </a:r>
-            <a:r>
-              <a:rPr lang="en-US" dirty="0"/>
-              <a:t>inbound channel adapters, so do not require custom code</a:t>
-            </a:r>
-          </a:p>
-          <a:p>
-            <a:r>
-              <a:rPr lang="en-US" dirty="0"/>
-              <a:t>If an SI adapter is not available, writing a source requires some advanced knowledge of </a:t>
-            </a:r>
-            <a:r>
-              <a:rPr lang="en-US" dirty="0" smtClean="0"/>
-              <a:t>SI:</a:t>
-            </a:r>
-          </a:p>
-          <a:p>
-            <a:pPr lvl="1"/>
-            <a:r>
-              <a:rPr lang="en-US" dirty="0" smtClean="0"/>
-              <a:t>Configure </a:t>
-            </a:r>
-            <a:r>
-              <a:rPr lang="en-US" dirty="0"/>
-              <a:t>an </a:t>
-            </a:r>
-            <a:r>
-              <a:rPr lang="en-US" dirty="0">
-                <a:latin typeface="Courier"/>
-                <a:cs typeface="Courier"/>
-              </a:rPr>
-              <a:t>&lt;inbound-channel-adapter&gt;</a:t>
-            </a:r>
-            <a:r>
-              <a:rPr lang="en-US" dirty="0"/>
-              <a:t> with a simple POJO and a </a:t>
-            </a:r>
-            <a:r>
-              <a:rPr lang="en-US" dirty="0" err="1"/>
-              <a:t>poller</a:t>
-            </a:r>
-            <a:endParaRPr lang="en-US" dirty="0"/>
-          </a:p>
-          <a:p>
-            <a:pPr lvl="1"/>
-            <a:r>
-              <a:rPr lang="en-US" dirty="0"/>
-              <a:t>Extend </a:t>
-            </a:r>
-            <a:r>
-              <a:rPr lang="en-US" dirty="0" err="1" smtClean="0">
-                <a:latin typeface="Courier"/>
-                <a:cs typeface="Courier"/>
-              </a:rPr>
-              <a:t>MessageProducerSupport</a:t>
-            </a:r>
-            <a:r>
-              <a:rPr lang="en-US" dirty="0" smtClean="0"/>
-              <a:t> </a:t>
-            </a:r>
-          </a:p>
-          <a:p>
-            <a:pPr marL="914400" lvl="2" indent="0">
-              <a:buNone/>
-            </a:pPr>
-            <a:r>
-              <a:rPr lang="en-US" sz="1200" dirty="0" smtClean="0">
-                <a:hlinkClick r:id="rId2"/>
-              </a:rPr>
-              <a:t>https</a:t>
-            </a:r>
-            <a:r>
-              <a:rPr lang="en-US" sz="1200" dirty="0">
-                <a:hlinkClick r:id="rId2"/>
-              </a:rPr>
-              <a:t>://</a:t>
-            </a:r>
-            <a:r>
-              <a:rPr lang="en-US" sz="1200" dirty="0" err="1">
-                <a:hlinkClick r:id="rId2"/>
-              </a:rPr>
-              <a:t>github.com</a:t>
-            </a:r>
-            <a:r>
-              <a:rPr lang="en-US" sz="1200" dirty="0">
-                <a:hlinkClick r:id="rId2"/>
-              </a:rPr>
-              <a:t>/SpringOne2GX-2014/Spring-XD-Internals/tree/master/spring-</a:t>
-            </a:r>
-            <a:r>
-              <a:rPr lang="en-US" sz="1200" dirty="0" err="1">
-                <a:hlinkClick r:id="rId2"/>
-              </a:rPr>
-              <a:t>xd</a:t>
-            </a:r>
-            <a:r>
-              <a:rPr lang="en-US" sz="1200" dirty="0">
-                <a:hlinkClick r:id="rId2"/>
-              </a:rPr>
-              <a:t>-source-template</a:t>
-            </a:r>
-            <a:endParaRPr lang="en-US" sz="1200" dirty="0"/>
-          </a:p>
-          <a:p>
-            <a:endParaRPr lang="en-US" dirty="0"/>
-          </a:p>
-        </p:txBody>
-      </p:sp>
-      <p:sp>
-        <p:nvSpPr>
           <p:cNvPr id="4" name="Slide Number Placeholder 3"/>
           <p:cNvSpPr>
             <a:spLocks noGrp="1"/>
@@ -11377,10 +11344,64 @@
           </a:p>
         </p:txBody>
       </p:sp>
+      <p:sp>
+        <p:nvSpPr>
+          <p:cNvPr id="7" name="TextBox 6"/>
+          <p:cNvSpPr txBox="1"/>
+          <p:nvPr/>
+        </p:nvSpPr>
+        <p:spPr>
+          <a:xfrm>
+            <a:off x="1371600" y="1885950"/>
+            <a:ext cx="7010400" cy="1431161"/>
+          </a:xfrm>
+          <a:prstGeom prst="rect">
+            <a:avLst/>
+          </a:prstGeom>
+          <a:noFill/>
+        </p:spPr>
+        <p:txBody>
+          <a:bodyPr wrap="square" rtlCol="0">
+            <a:spAutoFit/>
+          </a:bodyPr>
+          <a:lstStyle/>
+          <a:p>
+            <a:r>
+              <a:rPr lang="en-US" sz="2900" dirty="0" smtClean="0"/>
+              <a:t>Demo:</a:t>
+            </a:r>
+          </a:p>
+          <a:p>
+            <a:pPr marL="285750" indent="-285750">
+              <a:buFont typeface="Arial"/>
+              <a:buChar char="•"/>
+            </a:pPr>
+            <a:r>
+              <a:rPr lang="en-US" sz="2900" dirty="0" smtClean="0"/>
+              <a:t>Developing a Custom Source Module</a:t>
+            </a:r>
+          </a:p>
+          <a:p>
+            <a:pPr marL="285750" indent="-285750">
+              <a:buFont typeface="Arial"/>
+              <a:buChar char="•"/>
+            </a:pPr>
+            <a:r>
+              <a:rPr lang="en-US" sz="2900" dirty="0" err="1" smtClean="0"/>
+              <a:t>ZooKeeper</a:t>
+            </a:r>
+            <a:r>
+              <a:rPr lang="en-US" sz="2900" dirty="0" smtClean="0"/>
+              <a:t> and Spring XD</a:t>
+            </a:r>
+            <a:endParaRPr lang="en-US" sz="2900" dirty="0"/>
+          </a:p>
+        </p:txBody>
+      </p:sp>
     </p:spTree>
     <p:extLst>
       <p:ext uri="{BB962C8B-B14F-4D97-AF65-F5344CB8AC3E}">
-        <p14:creationId xmlns:p14="http://schemas.microsoft.com/office/powerpoint/2010/main" val="766165689"/>
+        <p14:creationId xmlns:p14="http://schemas.microsoft.com/office/powerpoint/2010/main" val="3204034671"/>
       </p:ext>
     </p:extLst>
   </p:cSld>
@@ -11409,7 +11430,7 @@
       </p:grpSpPr>
       <p:sp>
         <p:nvSpPr>
-          <p:cNvPr id="5" name="Title 4"/>
+          <p:cNvPr id="4" name="Title 3"/>
           <p:cNvSpPr>
             <a:spLocks noGrp="1"/>
           </p:cNvSpPr>
@@ -11424,7 +11445,7 @@
           <a:p>
             <a:r>
               <a:rPr lang="en-US" dirty="0" smtClean="0"/>
-              <a:t>Demo: Developing A Custom Source Module</a:t>
+              <a:t>Questions?</a:t>
             </a:r>
             <a:endParaRPr lang="en-US" dirty="0"/>
           </a:p>
@@ -11432,7 +11453,7 @@
       </p:sp>
       <p:sp>
         <p:nvSpPr>
-          <p:cNvPr id="4" name="Slide Number Placeholder 3"/>
+          <p:cNvPr id="3" name="Slide Number Placeholder 2"/>
           <p:cNvSpPr>
             <a:spLocks noGrp="1"/>
           </p:cNvSpPr>
@@ -11448,82 +11469,6 @@
             <a:fld id="{3CA7D8A6-1136-4C38-ADB5-83A54ED516A9}" type="slidenum">
               <a:rPr lang="en-US" smtClean="0"/>
               <a:t>32</a:t>
-            </a:fld>
-            <a:endParaRPr lang="en-US" dirty="0"/>
-          </a:p>
-        </p:txBody>
-      </p:sp>
-    </p:spTree>
-    <p:extLst>
-      <p:ext uri="{BB962C8B-B14F-4D97-AF65-F5344CB8AC3E}">
-        <p14:creationId xmlns:p14="http://schemas.microsoft.com/office/powerpoint/2010/main" val="3204034671"/>
-      </p:ext>
-    </p:extLst>
-  </p:cSld>
-  <p:clrMapOvr>
-    <a:masterClrMapping/>
-  </p:clrMapOvr>
-</p:sld>
-</file>
-
-<file path=ppt/slides/slide33.xml><?xml version="1.0" encoding="utf-8"?>
-<p:sld xmlns:a="http://schemas.openxmlformats.org/drawingml/2006/main" xmlns:r="http://schemas.openxmlformats.org/officeDocument/2006/relationships" xmlns:p="http://schemas.openxmlformats.org/presentationml/2006/main">
-  <p:cSld>
-    <p:spTree>
-      <p:nvGrpSpPr>
-        <p:cNvPr id="1" name=""/>
-        <p:cNvGrpSpPr/>
-        <p:nvPr/>
-      </p:nvGrpSpPr>
-      <p:grpSpPr>
-        <a:xfrm>
-          <a:off x="0" y="0"/>
-          <a:ext cx="0" cy="0"/>
-          <a:chOff x="0" y="0"/>
-          <a:chExt cx="0" cy="0"/>
-        </a:xfrm>
-      </p:grpSpPr>
-      <p:sp>
-        <p:nvSpPr>
-          <p:cNvPr id="4" name="Title 3"/>
-          <p:cNvSpPr>
-            <a:spLocks noGrp="1"/>
-          </p:cNvSpPr>
-          <p:nvPr>
-            <p:ph type="title"/>
-          </p:nvPr>
-        </p:nvSpPr>
-        <p:spPr/>
-        <p:txBody>
-          <a:bodyPr/>
-          <a:lstStyle/>
-          <a:p>
-            <a:r>
-              <a:rPr lang="en-US" dirty="0" smtClean="0"/>
-              <a:t>Questions?</a:t>
-            </a:r>
-            <a:endParaRPr lang="en-US" dirty="0"/>
-          </a:p>
-        </p:txBody>
-      </p:sp>
-      <p:sp>
-        <p:nvSpPr>
-          <p:cNvPr id="3" name="Slide Number Placeholder 2"/>
-          <p:cNvSpPr>
-            <a:spLocks noGrp="1"/>
-          </p:cNvSpPr>
-          <p:nvPr>
-            <p:ph type="sldNum" sz="quarter" idx="12"/>
-          </p:nvPr>
-        </p:nvSpPr>
-        <p:spPr/>
-        <p:txBody>
-          <a:bodyPr/>
-          <a:lstStyle/>
-          <a:p>
-            <a:fld id="{3CA7D8A6-1136-4C38-ADB5-83A54ED516A9}" type="slidenum">
-              <a:rPr lang="en-US" smtClean="0"/>
-              <a:t>33</a:t>
             </a:fld>
             <a:endParaRPr lang="en-US"/>
           </a:p>
@@ -11594,7 +11539,7 @@
 </p:sld>
 </file>
 
-<file path=ppt/slides/slide34.xml><?xml version="1.0" encoding="utf-8"?>
+<file path=ppt/slides/slide33.xml><?xml version="1.0" encoding="utf-8"?>
 <p:sld xmlns:a="http://schemas.openxmlformats.org/drawingml/2006/main" xmlns:r="http://schemas.openxmlformats.org/officeDocument/2006/relationships" xmlns:p="http://schemas.openxmlformats.org/presentationml/2006/main">
   <p:cSld>
     <p:spTree>
@@ -11857,7 +11802,7 @@
           <a:p>
             <a:fld id="{3CA7D8A6-1136-4C38-ADB5-83A54ED516A9}" type="slidenum">
               <a:rPr lang="en-US" smtClean="0"/>
-              <a:t>34</a:t>
+              <a:t>33</a:t>
             </a:fld>
             <a:endParaRPr lang="en-US" dirty="0"/>
           </a:p>
